--- a/Redux.pptx
+++ b/Redux.pptx
@@ -29,6 +29,9 @@
     <p:sldId id="281" r:id="rId23"/>
     <p:sldId id="280" r:id="rId24"/>
     <p:sldId id="277" r:id="rId25"/>
+    <p:sldId id="282" r:id="rId26"/>
+    <p:sldId id="283" r:id="rId27"/>
+    <p:sldId id="284" r:id="rId28"/>
   </p:sldIdLst>
   <p:sldSz cx="9144000" cy="6858000" type="screen4x3"/>
   <p:notesSz cx="6858000" cy="9144000"/>
@@ -312,7 +315,7 @@
             <a:fld id="{1D8BD707-D9CF-40AE-B4C6-C98DA3205C09}" type="datetimeFigureOut">
               <a:rPr lang="en-US" smtClean="0"/>
               <a:pPr/>
-              <a:t>2/28/2018</a:t>
+              <a:t>3/1/2018</a:t>
             </a:fld>
             <a:endParaRPr lang="en-US"/>
           </a:p>
@@ -479,7 +482,7 @@
             <a:fld id="{1D8BD707-D9CF-40AE-B4C6-C98DA3205C09}" type="datetimeFigureOut">
               <a:rPr lang="en-US" smtClean="0"/>
               <a:pPr/>
-              <a:t>2/28/2018</a:t>
+              <a:t>3/1/2018</a:t>
             </a:fld>
             <a:endParaRPr lang="en-US"/>
           </a:p>
@@ -656,7 +659,7 @@
             <a:fld id="{1D8BD707-D9CF-40AE-B4C6-C98DA3205C09}" type="datetimeFigureOut">
               <a:rPr lang="en-US" smtClean="0"/>
               <a:pPr/>
-              <a:t>2/28/2018</a:t>
+              <a:t>3/1/2018</a:t>
             </a:fld>
             <a:endParaRPr lang="en-US"/>
           </a:p>
@@ -823,7 +826,7 @@
             <a:fld id="{1D8BD707-D9CF-40AE-B4C6-C98DA3205C09}" type="datetimeFigureOut">
               <a:rPr lang="en-US" smtClean="0"/>
               <a:pPr/>
-              <a:t>2/28/2018</a:t>
+              <a:t>3/1/2018</a:t>
             </a:fld>
             <a:endParaRPr lang="en-US"/>
           </a:p>
@@ -1066,7 +1069,7 @@
             <a:fld id="{1D8BD707-D9CF-40AE-B4C6-C98DA3205C09}" type="datetimeFigureOut">
               <a:rPr lang="en-US" smtClean="0"/>
               <a:pPr/>
-              <a:t>2/28/2018</a:t>
+              <a:t>3/1/2018</a:t>
             </a:fld>
             <a:endParaRPr lang="en-US"/>
           </a:p>
@@ -1351,7 +1354,7 @@
             <a:fld id="{1D8BD707-D9CF-40AE-B4C6-C98DA3205C09}" type="datetimeFigureOut">
               <a:rPr lang="en-US" smtClean="0"/>
               <a:pPr/>
-              <a:t>2/28/2018</a:t>
+              <a:t>3/1/2018</a:t>
             </a:fld>
             <a:endParaRPr lang="en-US"/>
           </a:p>
@@ -1770,7 +1773,7 @@
             <a:fld id="{1D8BD707-D9CF-40AE-B4C6-C98DA3205C09}" type="datetimeFigureOut">
               <a:rPr lang="en-US" smtClean="0"/>
               <a:pPr/>
-              <a:t>2/28/2018</a:t>
+              <a:t>3/1/2018</a:t>
             </a:fld>
             <a:endParaRPr lang="en-US"/>
           </a:p>
@@ -1885,7 +1888,7 @@
             <a:fld id="{1D8BD707-D9CF-40AE-B4C6-C98DA3205C09}" type="datetimeFigureOut">
               <a:rPr lang="en-US" smtClean="0"/>
               <a:pPr/>
-              <a:t>2/28/2018</a:t>
+              <a:t>3/1/2018</a:t>
             </a:fld>
             <a:endParaRPr lang="en-US"/>
           </a:p>
@@ -1977,7 +1980,7 @@
             <a:fld id="{1D8BD707-D9CF-40AE-B4C6-C98DA3205C09}" type="datetimeFigureOut">
               <a:rPr lang="en-US" smtClean="0"/>
               <a:pPr/>
-              <a:t>2/28/2018</a:t>
+              <a:t>3/1/2018</a:t>
             </a:fld>
             <a:endParaRPr lang="en-US"/>
           </a:p>
@@ -2251,7 +2254,7 @@
             <a:fld id="{1D8BD707-D9CF-40AE-B4C6-C98DA3205C09}" type="datetimeFigureOut">
               <a:rPr lang="en-US" smtClean="0"/>
               <a:pPr/>
-              <a:t>2/28/2018</a:t>
+              <a:t>3/1/2018</a:t>
             </a:fld>
             <a:endParaRPr lang="en-US"/>
           </a:p>
@@ -2501,7 +2504,7 @@
             <a:fld id="{1D8BD707-D9CF-40AE-B4C6-C98DA3205C09}" type="datetimeFigureOut">
               <a:rPr lang="en-US" smtClean="0"/>
               <a:pPr/>
-              <a:t>2/28/2018</a:t>
+              <a:t>3/1/2018</a:t>
             </a:fld>
             <a:endParaRPr lang="en-US"/>
           </a:p>
@@ -2711,7 +2714,7 @@
             <a:fld id="{1D8BD707-D9CF-40AE-B4C6-C98DA3205C09}" type="datetimeFigureOut">
               <a:rPr lang="en-US" smtClean="0"/>
               <a:pPr/>
-              <a:t>2/28/2018</a:t>
+              <a:t>3/1/2018</a:t>
             </a:fld>
             <a:endParaRPr lang="en-US"/>
           </a:p>
@@ -6080,6 +6083,513 @@
     <p:extLst>
       <p:ext uri="{BB962C8B-B14F-4D97-AF65-F5344CB8AC3E}">
         <p14:creationId xmlns:p14="http://schemas.microsoft.com/office/powerpoint/2010/main" val="3720817443"/>
+      </p:ext>
+    </p:extLst>
+  </p:cSld>
+  <p:clrMapOvr>
+    <a:masterClrMapping/>
+  </p:clrMapOvr>
+</p:sld>
+</file>
+
+<file path=ppt/slides/slide25.xml><?xml version="1.0" encoding="utf-8"?>
+<p:sld xmlns:a="http://schemas.openxmlformats.org/drawingml/2006/main" xmlns:r="http://schemas.openxmlformats.org/officeDocument/2006/relationships" xmlns:p="http://schemas.openxmlformats.org/presentationml/2006/main">
+  <p:cSld>
+    <p:spTree>
+      <p:nvGrpSpPr>
+        <p:cNvPr id="1" name=""/>
+        <p:cNvGrpSpPr/>
+        <p:nvPr/>
+      </p:nvGrpSpPr>
+      <p:grpSpPr>
+        <a:xfrm>
+          <a:off x="0" y="0"/>
+          <a:ext cx="0" cy="0"/>
+          <a:chOff x="0" y="0"/>
+          <a:chExt cx="0" cy="0"/>
+        </a:xfrm>
+      </p:grpSpPr>
+      <p:sp>
+        <p:nvSpPr>
+          <p:cNvPr id="2" name="Title 1"/>
+          <p:cNvSpPr>
+            <a:spLocks noGrp="1"/>
+          </p:cNvSpPr>
+          <p:nvPr>
+            <p:ph type="title"/>
+          </p:nvPr>
+        </p:nvSpPr>
+        <p:spPr/>
+        <p:txBody>
+          <a:bodyPr/>
+          <a:lstStyle/>
+          <a:p>
+            <a:r>
+              <a:rPr lang="zh-CN" altLang="en-US" dirty="0"/>
+              <a:t>只</a:t>
+            </a:r>
+            <a:r>
+              <a:rPr lang="zh-CN" altLang="en-US" dirty="0" smtClean="0"/>
+              <a:t>有唯一一个</a:t>
+            </a:r>
+            <a:r>
+              <a:rPr lang="en-US" altLang="zh-CN" dirty="0" smtClean="0"/>
+              <a:t>Store</a:t>
+            </a:r>
+            <a:r>
+              <a:rPr lang="zh-CN" altLang="en-US" dirty="0" smtClean="0"/>
+              <a:t>对象</a:t>
+            </a:r>
+            <a:endParaRPr lang="en-US" dirty="0"/>
+          </a:p>
+        </p:txBody>
+      </p:sp>
+      <p:sp>
+        <p:nvSpPr>
+          <p:cNvPr id="3" name="Content Placeholder 2"/>
+          <p:cNvSpPr>
+            <a:spLocks noGrp="1"/>
+          </p:cNvSpPr>
+          <p:nvPr>
+            <p:ph idx="1"/>
+          </p:nvPr>
+        </p:nvSpPr>
+        <p:spPr/>
+        <p:txBody>
+          <a:bodyPr>
+            <a:normAutofit lnSpcReduction="10000"/>
+          </a:bodyPr>
+          <a:lstStyle/>
+          <a:p>
+            <a:r>
+              <a:rPr lang="en-US" b="1" dirty="0" err="1"/>
+              <a:t>const</a:t>
+            </a:r>
+            <a:r>
+              <a:rPr lang="en-US" b="1" dirty="0"/>
+              <a:t> store = </a:t>
+            </a:r>
+            <a:r>
+              <a:rPr lang="en-US" b="1" dirty="0" err="1" smtClean="0"/>
+              <a:t>createStore</a:t>
+            </a:r>
+            <a:r>
+              <a:rPr lang="en-US" b="1" dirty="0" smtClean="0"/>
+              <a:t>(</a:t>
+            </a:r>
+            <a:r>
+              <a:rPr lang="en-US" altLang="zh-CN" b="1" dirty="0" err="1"/>
+              <a:t>counterReducer</a:t>
+            </a:r>
+            <a:r>
+              <a:rPr lang="en-US" altLang="zh-CN" b="1" dirty="0"/>
+              <a:t> </a:t>
+            </a:r>
+            <a:r>
+              <a:rPr lang="en-US" b="1" dirty="0" smtClean="0"/>
+              <a:t>);</a:t>
+            </a:r>
+          </a:p>
+          <a:p>
+            <a:pPr marL="457200" lvl="1" indent="0">
+              <a:buNone/>
+            </a:pPr>
+            <a:r>
+              <a:rPr lang="en-US" dirty="0" err="1"/>
+              <a:t>const</a:t>
+            </a:r>
+            <a:r>
+              <a:rPr lang="en-US" dirty="0"/>
+              <a:t> </a:t>
+            </a:r>
+            <a:r>
+              <a:rPr lang="en-US" dirty="0" err="1"/>
+              <a:t>counterReducer</a:t>
+            </a:r>
+            <a:r>
+              <a:rPr lang="en-US" dirty="0"/>
+              <a:t> = (state = 0, action) =&gt; {</a:t>
+            </a:r>
+          </a:p>
+          <a:p>
+            <a:pPr marL="457200" lvl="1" indent="0">
+              <a:buNone/>
+            </a:pPr>
+            <a:r>
+              <a:rPr lang="en-US" dirty="0"/>
+              <a:t>  switch (</a:t>
+            </a:r>
+            <a:r>
+              <a:rPr lang="en-US" dirty="0" err="1"/>
+              <a:t>action.type</a:t>
+            </a:r>
+            <a:r>
+              <a:rPr lang="en-US" dirty="0"/>
+              <a:t>) {</a:t>
+            </a:r>
+          </a:p>
+          <a:p>
+            <a:pPr marL="457200" lvl="1" indent="0">
+              <a:buNone/>
+            </a:pPr>
+            <a:r>
+              <a:rPr lang="en-US" dirty="0"/>
+              <a:t>    case 'INCREMENT': return state + 1;</a:t>
+            </a:r>
+          </a:p>
+          <a:p>
+            <a:pPr marL="457200" lvl="1" indent="0">
+              <a:buNone/>
+            </a:pPr>
+            <a:r>
+              <a:rPr lang="en-US" dirty="0"/>
+              <a:t>    case 'DECREMENT': return state - 1;</a:t>
+            </a:r>
+          </a:p>
+          <a:p>
+            <a:pPr marL="457200" lvl="1" indent="0">
+              <a:buNone/>
+            </a:pPr>
+            <a:r>
+              <a:rPr lang="en-US" dirty="0"/>
+              <a:t>    default: return state;</a:t>
+            </a:r>
+          </a:p>
+          <a:p>
+            <a:pPr marL="457200" lvl="1" indent="0">
+              <a:buNone/>
+            </a:pPr>
+            <a:r>
+              <a:rPr lang="en-US" dirty="0"/>
+              <a:t>  }</a:t>
+            </a:r>
+          </a:p>
+          <a:p>
+            <a:pPr marL="457200" lvl="1" indent="0">
+              <a:buNone/>
+            </a:pPr>
+            <a:r>
+              <a:rPr lang="en-US" dirty="0"/>
+              <a:t>};</a:t>
+            </a:r>
+            <a:endParaRPr lang="en-US" dirty="0"/>
+          </a:p>
+          <a:p>
+            <a:r>
+              <a:rPr lang="en-US" b="1" dirty="0" err="1"/>
+              <a:t>const</a:t>
+            </a:r>
+            <a:r>
+              <a:rPr lang="en-US" b="1" dirty="0"/>
+              <a:t> store = </a:t>
+            </a:r>
+            <a:r>
+              <a:rPr lang="en-US" b="1" dirty="0" err="1" smtClean="0"/>
+              <a:t>createStore</a:t>
+            </a:r>
+            <a:r>
+              <a:rPr lang="en-US" b="1" dirty="0" smtClean="0"/>
+              <a:t>(</a:t>
+            </a:r>
+            <a:r>
+              <a:rPr lang="en-US" b="1" dirty="0" err="1" smtClean="0"/>
+              <a:t>combineReducer</a:t>
+            </a:r>
+            <a:r>
+              <a:rPr lang="en-US" b="1" dirty="0"/>
+              <a:t>);</a:t>
+            </a:r>
+            <a:endParaRPr lang="en-US" dirty="0"/>
+          </a:p>
+        </p:txBody>
+      </p:sp>
+    </p:spTree>
+    <p:extLst>
+      <p:ext uri="{BB962C8B-B14F-4D97-AF65-F5344CB8AC3E}">
+        <p14:creationId xmlns:p14="http://schemas.microsoft.com/office/powerpoint/2010/main" val="2869211557"/>
+      </p:ext>
+    </p:extLst>
+  </p:cSld>
+  <p:clrMapOvr>
+    <a:masterClrMapping/>
+  </p:clrMapOvr>
+</p:sld>
+</file>
+
+<file path=ppt/slides/slide26.xml><?xml version="1.0" encoding="utf-8"?>
+<p:sld xmlns:a="http://schemas.openxmlformats.org/drawingml/2006/main" xmlns:r="http://schemas.openxmlformats.org/officeDocument/2006/relationships" xmlns:p="http://schemas.openxmlformats.org/presentationml/2006/main">
+  <p:cSld>
+    <p:spTree>
+      <p:nvGrpSpPr>
+        <p:cNvPr id="1" name=""/>
+        <p:cNvGrpSpPr/>
+        <p:nvPr/>
+      </p:nvGrpSpPr>
+      <p:grpSpPr>
+        <a:xfrm>
+          <a:off x="0" y="0"/>
+          <a:ext cx="0" cy="0"/>
+          <a:chOff x="0" y="0"/>
+          <a:chExt cx="0" cy="0"/>
+        </a:xfrm>
+      </p:grpSpPr>
+      <p:sp>
+        <p:nvSpPr>
+          <p:cNvPr id="3" name="Content Placeholder 2"/>
+          <p:cNvSpPr>
+            <a:spLocks noGrp="1"/>
+          </p:cNvSpPr>
+          <p:nvPr>
+            <p:ph idx="1"/>
+          </p:nvPr>
+        </p:nvSpPr>
+        <p:spPr>
+          <a:xfrm>
+            <a:off x="457200" y="381000"/>
+            <a:ext cx="8229600" cy="5745163"/>
+          </a:xfrm>
+        </p:spPr>
+        <p:txBody>
+          <a:bodyPr>
+            <a:normAutofit fontScale="77500" lnSpcReduction="20000"/>
+          </a:bodyPr>
+          <a:lstStyle/>
+          <a:p>
+            <a:r>
+              <a:rPr lang="en-US" dirty="0"/>
+              <a:t>//reducer</a:t>
+            </a:r>
+          </a:p>
+          <a:p>
+            <a:r>
+              <a:rPr lang="en-US" b="1" dirty="0" err="1"/>
+              <a:t>const</a:t>
+            </a:r>
+            <a:r>
+              <a:rPr lang="en-US" b="1" dirty="0"/>
+              <a:t> </a:t>
+            </a:r>
+            <a:r>
+              <a:rPr lang="en-US" b="1" dirty="0" err="1"/>
+              <a:t>counterReducer</a:t>
+            </a:r>
+            <a:r>
+              <a:rPr lang="en-US" b="1" dirty="0"/>
+              <a:t> = (state = 0, action) =&gt; {</a:t>
+            </a:r>
+          </a:p>
+          <a:p>
+            <a:r>
+              <a:rPr lang="en-US" dirty="0"/>
+              <a:t>  </a:t>
+            </a:r>
+            <a:r>
+              <a:rPr lang="en-US" b="1" dirty="0"/>
+              <a:t>switch (</a:t>
+            </a:r>
+            <a:r>
+              <a:rPr lang="en-US" b="1" dirty="0" err="1"/>
+              <a:t>action.type</a:t>
+            </a:r>
+            <a:r>
+              <a:rPr lang="en-US" b="1" dirty="0"/>
+              <a:t>) {</a:t>
+            </a:r>
+          </a:p>
+          <a:p>
+            <a:r>
+              <a:rPr lang="en-US" dirty="0"/>
+              <a:t>    </a:t>
+            </a:r>
+            <a:r>
+              <a:rPr lang="en-US" b="1" dirty="0"/>
+              <a:t>case 'INCREMENT': return state + 1;</a:t>
+            </a:r>
+          </a:p>
+          <a:p>
+            <a:r>
+              <a:rPr lang="en-US" dirty="0"/>
+              <a:t>    </a:t>
+            </a:r>
+            <a:r>
+              <a:rPr lang="en-US" b="1" dirty="0"/>
+              <a:t>case 'DECREMENT': return state - 1;</a:t>
+            </a:r>
+          </a:p>
+          <a:p>
+            <a:r>
+              <a:rPr lang="en-US" dirty="0"/>
+              <a:t>    </a:t>
+            </a:r>
+            <a:r>
+              <a:rPr lang="en-US" b="1" dirty="0"/>
+              <a:t>default: return state;</a:t>
+            </a:r>
+          </a:p>
+          <a:p>
+            <a:r>
+              <a:rPr lang="en-US" dirty="0"/>
+              <a:t>  }</a:t>
+            </a:r>
+          </a:p>
+          <a:p>
+            <a:r>
+              <a:rPr lang="en-US" dirty="0"/>
+              <a:t>};</a:t>
+            </a:r>
+          </a:p>
+          <a:p>
+            <a:endParaRPr lang="en-US" dirty="0"/>
+          </a:p>
+          <a:p>
+            <a:r>
+              <a:rPr lang="en-US" b="1" dirty="0" err="1"/>
+              <a:t>const</a:t>
+            </a:r>
+            <a:r>
+              <a:rPr lang="en-US" b="1" dirty="0"/>
+              <a:t> </a:t>
+            </a:r>
+            <a:r>
+              <a:rPr lang="en-US" b="1" dirty="0" err="1"/>
+              <a:t>countCombineReducer</a:t>
+            </a:r>
+            <a:r>
+              <a:rPr lang="en-US" b="1" dirty="0"/>
+              <a:t> = </a:t>
+            </a:r>
+            <a:r>
+              <a:rPr lang="en-US" b="1" dirty="0" err="1"/>
+              <a:t>combineReducers</a:t>
+            </a:r>
+            <a:r>
+              <a:rPr lang="en-US" b="1" dirty="0"/>
+              <a:t>({</a:t>
+            </a:r>
+          </a:p>
+          <a:p>
+            <a:r>
+              <a:rPr lang="en-US" dirty="0" err="1"/>
+              <a:t>num:counterReducer</a:t>
+            </a:r>
+            <a:endParaRPr lang="en-US" dirty="0"/>
+          </a:p>
+          <a:p>
+            <a:r>
+              <a:rPr lang="en-US" dirty="0"/>
+              <a:t>})</a:t>
+            </a:r>
+          </a:p>
+          <a:p>
+            <a:endParaRPr lang="en-US" dirty="0"/>
+          </a:p>
+          <a:p>
+            <a:r>
+              <a:rPr lang="en-US" dirty="0"/>
+              <a:t>//store</a:t>
+            </a:r>
+          </a:p>
+          <a:p>
+            <a:r>
+              <a:rPr lang="en-US" b="1" dirty="0" err="1"/>
+              <a:t>const</a:t>
+            </a:r>
+            <a:r>
+              <a:rPr lang="en-US" b="1" dirty="0"/>
+              <a:t> store = </a:t>
+            </a:r>
+            <a:r>
+              <a:rPr lang="en-US" b="1" dirty="0" err="1"/>
+              <a:t>createStore</a:t>
+            </a:r>
+            <a:r>
+              <a:rPr lang="en-US" b="1" dirty="0"/>
+              <a:t>(</a:t>
+            </a:r>
+            <a:r>
+              <a:rPr lang="en-US" b="1" dirty="0" err="1"/>
+              <a:t>countCombineReducer</a:t>
+            </a:r>
+            <a:r>
+              <a:rPr lang="en-US" b="1" dirty="0"/>
+              <a:t>);</a:t>
+            </a:r>
+            <a:endParaRPr lang="en-US" dirty="0"/>
+          </a:p>
+        </p:txBody>
+      </p:sp>
+    </p:spTree>
+    <p:extLst>
+      <p:ext uri="{BB962C8B-B14F-4D97-AF65-F5344CB8AC3E}">
+        <p14:creationId xmlns:p14="http://schemas.microsoft.com/office/powerpoint/2010/main" val="846529087"/>
+      </p:ext>
+    </p:extLst>
+  </p:cSld>
+  <p:clrMapOvr>
+    <a:masterClrMapping/>
+  </p:clrMapOvr>
+</p:sld>
+</file>
+
+<file path=ppt/slides/slide27.xml><?xml version="1.0" encoding="utf-8"?>
+<p:sld xmlns:a="http://schemas.openxmlformats.org/drawingml/2006/main" xmlns:r="http://schemas.openxmlformats.org/officeDocument/2006/relationships" xmlns:p="http://schemas.openxmlformats.org/presentationml/2006/main">
+  <p:cSld>
+    <p:spTree>
+      <p:nvGrpSpPr>
+        <p:cNvPr id="1" name=""/>
+        <p:cNvGrpSpPr/>
+        <p:nvPr/>
+      </p:nvGrpSpPr>
+      <p:grpSpPr>
+        <a:xfrm>
+          <a:off x="0" y="0"/>
+          <a:ext cx="0" cy="0"/>
+          <a:chOff x="0" y="0"/>
+          <a:chExt cx="0" cy="0"/>
+        </a:xfrm>
+      </p:grpSpPr>
+      <p:sp>
+        <p:nvSpPr>
+          <p:cNvPr id="2" name="Title 1"/>
+          <p:cNvSpPr>
+            <a:spLocks noGrp="1"/>
+          </p:cNvSpPr>
+          <p:nvPr>
+            <p:ph type="title"/>
+          </p:nvPr>
+        </p:nvSpPr>
+        <p:spPr/>
+        <p:txBody>
+          <a:bodyPr/>
+          <a:lstStyle/>
+          <a:p>
+            <a:endParaRPr lang="en-US"/>
+          </a:p>
+        </p:txBody>
+      </p:sp>
+      <p:sp>
+        <p:nvSpPr>
+          <p:cNvPr id="3" name="Content Placeholder 2"/>
+          <p:cNvSpPr>
+            <a:spLocks noGrp="1"/>
+          </p:cNvSpPr>
+          <p:nvPr>
+            <p:ph idx="1"/>
+          </p:nvPr>
+        </p:nvSpPr>
+        <p:spPr/>
+        <p:txBody>
+          <a:bodyPr/>
+          <a:lstStyle/>
+          <a:p>
+            <a:endParaRPr lang="en-US"/>
+          </a:p>
+        </p:txBody>
+      </p:sp>
+    </p:spTree>
+    <p:extLst>
+      <p:ext uri="{BB962C8B-B14F-4D97-AF65-F5344CB8AC3E}">
+        <p14:creationId xmlns:p14="http://schemas.microsoft.com/office/powerpoint/2010/main" val="3668015651"/>
       </p:ext>
     </p:extLst>
   </p:cSld>

--- a/Redux.pptx
+++ b/Redux.pptx
@@ -7,31 +7,40 @@
   <p:sldIdLst>
     <p:sldId id="278" r:id="rId2"/>
     <p:sldId id="279" r:id="rId3"/>
-    <p:sldId id="257" r:id="rId4"/>
-    <p:sldId id="258" r:id="rId5"/>
-    <p:sldId id="259" r:id="rId6"/>
-    <p:sldId id="260" r:id="rId7"/>
-    <p:sldId id="261" r:id="rId8"/>
-    <p:sldId id="262" r:id="rId9"/>
-    <p:sldId id="263" r:id="rId10"/>
-    <p:sldId id="265" r:id="rId11"/>
-    <p:sldId id="266" r:id="rId12"/>
-    <p:sldId id="267" r:id="rId13"/>
-    <p:sldId id="268" r:id="rId14"/>
-    <p:sldId id="269" r:id="rId15"/>
-    <p:sldId id="270" r:id="rId16"/>
-    <p:sldId id="271" r:id="rId17"/>
-    <p:sldId id="272" r:id="rId18"/>
-    <p:sldId id="273" r:id="rId19"/>
-    <p:sldId id="274" r:id="rId20"/>
-    <p:sldId id="275" r:id="rId21"/>
-    <p:sldId id="276" r:id="rId22"/>
-    <p:sldId id="281" r:id="rId23"/>
-    <p:sldId id="280" r:id="rId24"/>
-    <p:sldId id="277" r:id="rId25"/>
-    <p:sldId id="282" r:id="rId26"/>
-    <p:sldId id="283" r:id="rId27"/>
-    <p:sldId id="284" r:id="rId28"/>
+    <p:sldId id="295" r:id="rId4"/>
+    <p:sldId id="287" r:id="rId5"/>
+    <p:sldId id="286" r:id="rId6"/>
+    <p:sldId id="257" r:id="rId7"/>
+    <p:sldId id="260" r:id="rId8"/>
+    <p:sldId id="261" r:id="rId9"/>
+    <p:sldId id="292" r:id="rId10"/>
+    <p:sldId id="262" r:id="rId11"/>
+    <p:sldId id="263" r:id="rId12"/>
+    <p:sldId id="265" r:id="rId13"/>
+    <p:sldId id="266" r:id="rId14"/>
+    <p:sldId id="267" r:id="rId15"/>
+    <p:sldId id="268" r:id="rId16"/>
+    <p:sldId id="293" r:id="rId17"/>
+    <p:sldId id="269" r:id="rId18"/>
+    <p:sldId id="270" r:id="rId19"/>
+    <p:sldId id="271" r:id="rId20"/>
+    <p:sldId id="272" r:id="rId21"/>
+    <p:sldId id="273" r:id="rId22"/>
+    <p:sldId id="274" r:id="rId23"/>
+    <p:sldId id="275" r:id="rId24"/>
+    <p:sldId id="276" r:id="rId25"/>
+    <p:sldId id="291" r:id="rId26"/>
+    <p:sldId id="288" r:id="rId27"/>
+    <p:sldId id="289" r:id="rId28"/>
+    <p:sldId id="285" r:id="rId29"/>
+    <p:sldId id="281" r:id="rId30"/>
+    <p:sldId id="280" r:id="rId31"/>
+    <p:sldId id="277" r:id="rId32"/>
+    <p:sldId id="282" r:id="rId33"/>
+    <p:sldId id="283" r:id="rId34"/>
+    <p:sldId id="290" r:id="rId35"/>
+    <p:sldId id="294" r:id="rId36"/>
+    <p:sldId id="284" r:id="rId37"/>
   </p:sldIdLst>
   <p:sldSz cx="9144000" cy="6858000" type="screen4x3"/>
   <p:notesSz cx="6858000" cy="9144000"/>
@@ -315,7 +324,7 @@
             <a:fld id="{1D8BD707-D9CF-40AE-B4C6-C98DA3205C09}" type="datetimeFigureOut">
               <a:rPr lang="en-US" smtClean="0"/>
               <a:pPr/>
-              <a:t>3/1/2018</a:t>
+              <a:t>3/2/2018</a:t>
             </a:fld>
             <a:endParaRPr lang="en-US"/>
           </a:p>
@@ -482,7 +491,7 @@
             <a:fld id="{1D8BD707-D9CF-40AE-B4C6-C98DA3205C09}" type="datetimeFigureOut">
               <a:rPr lang="en-US" smtClean="0"/>
               <a:pPr/>
-              <a:t>3/1/2018</a:t>
+              <a:t>3/2/2018</a:t>
             </a:fld>
             <a:endParaRPr lang="en-US"/>
           </a:p>
@@ -659,7 +668,7 @@
             <a:fld id="{1D8BD707-D9CF-40AE-B4C6-C98DA3205C09}" type="datetimeFigureOut">
               <a:rPr lang="en-US" smtClean="0"/>
               <a:pPr/>
-              <a:t>3/1/2018</a:t>
+              <a:t>3/2/2018</a:t>
             </a:fld>
             <a:endParaRPr lang="en-US"/>
           </a:p>
@@ -826,7 +835,7 @@
             <a:fld id="{1D8BD707-D9CF-40AE-B4C6-C98DA3205C09}" type="datetimeFigureOut">
               <a:rPr lang="en-US" smtClean="0"/>
               <a:pPr/>
-              <a:t>3/1/2018</a:t>
+              <a:t>3/2/2018</a:t>
             </a:fld>
             <a:endParaRPr lang="en-US"/>
           </a:p>
@@ -1069,7 +1078,7 @@
             <a:fld id="{1D8BD707-D9CF-40AE-B4C6-C98DA3205C09}" type="datetimeFigureOut">
               <a:rPr lang="en-US" smtClean="0"/>
               <a:pPr/>
-              <a:t>3/1/2018</a:t>
+              <a:t>3/2/2018</a:t>
             </a:fld>
             <a:endParaRPr lang="en-US"/>
           </a:p>
@@ -1354,7 +1363,7 @@
             <a:fld id="{1D8BD707-D9CF-40AE-B4C6-C98DA3205C09}" type="datetimeFigureOut">
               <a:rPr lang="en-US" smtClean="0"/>
               <a:pPr/>
-              <a:t>3/1/2018</a:t>
+              <a:t>3/2/2018</a:t>
             </a:fld>
             <a:endParaRPr lang="en-US"/>
           </a:p>
@@ -1773,7 +1782,7 @@
             <a:fld id="{1D8BD707-D9CF-40AE-B4C6-C98DA3205C09}" type="datetimeFigureOut">
               <a:rPr lang="en-US" smtClean="0"/>
               <a:pPr/>
-              <a:t>3/1/2018</a:t>
+              <a:t>3/2/2018</a:t>
             </a:fld>
             <a:endParaRPr lang="en-US"/>
           </a:p>
@@ -1888,7 +1897,7 @@
             <a:fld id="{1D8BD707-D9CF-40AE-B4C6-C98DA3205C09}" type="datetimeFigureOut">
               <a:rPr lang="en-US" smtClean="0"/>
               <a:pPr/>
-              <a:t>3/1/2018</a:t>
+              <a:t>3/2/2018</a:t>
             </a:fld>
             <a:endParaRPr lang="en-US"/>
           </a:p>
@@ -1980,7 +1989,7 @@
             <a:fld id="{1D8BD707-D9CF-40AE-B4C6-C98DA3205C09}" type="datetimeFigureOut">
               <a:rPr lang="en-US" smtClean="0"/>
               <a:pPr/>
-              <a:t>3/1/2018</a:t>
+              <a:t>3/2/2018</a:t>
             </a:fld>
             <a:endParaRPr lang="en-US"/>
           </a:p>
@@ -2254,7 +2263,7 @@
             <a:fld id="{1D8BD707-D9CF-40AE-B4C6-C98DA3205C09}" type="datetimeFigureOut">
               <a:rPr lang="en-US" smtClean="0"/>
               <a:pPr/>
-              <a:t>3/1/2018</a:t>
+              <a:t>3/2/2018</a:t>
             </a:fld>
             <a:endParaRPr lang="en-US"/>
           </a:p>
@@ -2504,7 +2513,7 @@
             <a:fld id="{1D8BD707-D9CF-40AE-B4C6-C98DA3205C09}" type="datetimeFigureOut">
               <a:rPr lang="en-US" smtClean="0"/>
               <a:pPr/>
-              <a:t>3/1/2018</a:t>
+              <a:t>3/2/2018</a:t>
             </a:fld>
             <a:endParaRPr lang="en-US"/>
           </a:p>
@@ -2714,7 +2723,7 @@
             <a:fld id="{1D8BD707-D9CF-40AE-B4C6-C98DA3205C09}" type="datetimeFigureOut">
               <a:rPr lang="en-US" smtClean="0"/>
               <a:pPr/>
-              <a:t>3/1/2018</a:t>
+              <a:t>3/2/2018</a:t>
             </a:fld>
             <a:endParaRPr lang="en-US"/>
           </a:p>
@@ -3106,13 +3115,93 @@
           <a:lstStyle/>
           <a:p>
             <a:r>
-              <a:rPr lang="en-US" dirty="0" err="1" smtClean="0"/>
-              <a:t>Redux</a:t>
+              <a:rPr lang="en-US" dirty="0" smtClean="0"/>
+              <a:t> </a:t>
             </a:r>
             <a:endParaRPr lang="en-US" dirty="0"/>
           </a:p>
         </p:txBody>
       </p:sp>
+      <p:sp>
+        <p:nvSpPr>
+          <p:cNvPr id="3" name="AutoShape 7" descr="http://img0.imgtn.bdimg.com/it/u=3321137140,2955918084&amp;fm=27&amp;gp=0.jpg"/>
+          <p:cNvSpPr>
+            <a:spLocks noChangeAspect="1" noChangeArrowheads="1"/>
+          </p:cNvSpPr>
+          <p:nvPr/>
+        </p:nvSpPr>
+        <p:spPr bwMode="auto">
+          <a:xfrm>
+            <a:off x="155575" y="-144463"/>
+            <a:ext cx="304800" cy="304801"/>
+          </a:xfrm>
+          <a:prstGeom prst="rect">
+            <a:avLst/>
+          </a:prstGeom>
+          <a:noFill/>
+          <a:extLst>
+            <a:ext uri="{909E8E84-426E-40DD-AFC4-6F175D3DCCD1}">
+              <a14:hiddenFill xmlns:a14="http://schemas.microsoft.com/office/drawing/2010/main">
+                <a:solidFill>
+                  <a:srgbClr val="FFFFFF"/>
+                </a:solidFill>
+              </a14:hiddenFill>
+            </a:ext>
+          </a:extLst>
+        </p:spPr>
+        <p:txBody>
+          <a:bodyPr vert="horz" wrap="square" lIns="91440" tIns="45720" rIns="91440" bIns="45720" numCol="1" anchor="t" anchorCtr="0" compatLnSpc="1">
+            <a:prstTxWarp prst="textNoShape">
+              <a:avLst/>
+            </a:prstTxWarp>
+          </a:bodyPr>
+          <a:lstStyle/>
+          <a:p>
+            <a:endParaRPr lang="en-US"/>
+          </a:p>
+        </p:txBody>
+      </p:sp>
+      <p:pic>
+        <p:nvPicPr>
+          <p:cNvPr id="2057" name="Picture 9" descr="https://ss0.bdstatic.com/70cFvHSh_Q1YnxGkpoWK1HF6hhy/it/u=3321137140,2955918084&amp;fm=27&amp;gp=0.jpg"/>
+          <p:cNvPicPr>
+            <a:picLocks noChangeAspect="1" noChangeArrowheads="1"/>
+          </p:cNvPicPr>
+          <p:nvPr/>
+        </p:nvPicPr>
+        <p:blipFill>
+          <a:blip r:embed="rId2">
+            <a:extLst>
+              <a:ext uri="{28A0092B-C50C-407E-A947-70E740481C1C}">
+                <a14:useLocalDpi xmlns:a14="http://schemas.microsoft.com/office/drawing/2010/main" val="0"/>
+              </a:ext>
+            </a:extLst>
+          </a:blip>
+          <a:srcRect/>
+          <a:stretch>
+            <a:fillRect/>
+          </a:stretch>
+        </p:blipFill>
+        <p:spPr bwMode="auto">
+          <a:xfrm>
+            <a:off x="2438400" y="2895600"/>
+            <a:ext cx="4229100" cy="1143001"/>
+          </a:xfrm>
+          <a:prstGeom prst="rect">
+            <a:avLst/>
+          </a:prstGeom>
+          <a:noFill/>
+          <a:extLst>
+            <a:ext uri="{909E8E84-426E-40DD-AFC4-6F175D3DCCD1}">
+              <a14:hiddenFill xmlns:a14="http://schemas.microsoft.com/office/drawing/2010/main">
+                <a:solidFill>
+                  <a:srgbClr val="FFFFFF"/>
+                </a:solidFill>
+              </a14:hiddenFill>
+            </a:ext>
+          </a:extLst>
+        </p:spPr>
+      </p:pic>
     </p:spTree>
     <p:extLst>
       <p:ext uri="{BB962C8B-B14F-4D97-AF65-F5344CB8AC3E}">
@@ -3162,6 +3251,456 @@
           <a:p>
             <a:r>
               <a:rPr lang="en-US" dirty="0" smtClean="0"/>
+              <a:t>Store</a:t>
+            </a:r>
+            <a:endParaRPr lang="en-US" dirty="0"/>
+          </a:p>
+        </p:txBody>
+      </p:sp>
+      <p:sp>
+        <p:nvSpPr>
+          <p:cNvPr id="3" name="Content Placeholder 2"/>
+          <p:cNvSpPr>
+            <a:spLocks noGrp="1"/>
+          </p:cNvSpPr>
+          <p:nvPr>
+            <p:ph idx="1"/>
+          </p:nvPr>
+        </p:nvSpPr>
+        <p:spPr/>
+        <p:txBody>
+          <a:bodyPr/>
+          <a:lstStyle/>
+          <a:p>
+            <a:r>
+              <a:rPr lang="en-US" dirty="0"/>
+              <a:t>Store </a:t>
+            </a:r>
+            <a:r>
+              <a:rPr lang="zh-CN" altLang="en-US" dirty="0"/>
+              <a:t>就是保存数据的地方，你可以把它看成一个容器。整个应用只能有一个 </a:t>
+            </a:r>
+            <a:r>
+              <a:rPr lang="en-US" dirty="0"/>
+              <a:t>Store。</a:t>
+            </a:r>
+          </a:p>
+          <a:p>
+            <a:r>
+              <a:rPr lang="en-US" dirty="0" err="1"/>
+              <a:t>Redux</a:t>
+            </a:r>
+            <a:r>
+              <a:rPr lang="en-US" dirty="0"/>
+              <a:t> </a:t>
+            </a:r>
+            <a:r>
+              <a:rPr lang="zh-CN" altLang="en-US" dirty="0"/>
+              <a:t>提供</a:t>
+            </a:r>
+            <a:r>
+              <a:rPr lang="en-US" dirty="0" err="1"/>
+              <a:t>createStore</a:t>
+            </a:r>
+            <a:r>
+              <a:rPr lang="zh-CN" altLang="en-US" dirty="0"/>
+              <a:t>这个函数，用来生成 </a:t>
+            </a:r>
+            <a:r>
+              <a:rPr lang="en-US" dirty="0"/>
+              <a:t>Store。</a:t>
+            </a:r>
+          </a:p>
+          <a:p>
+            <a:endParaRPr lang="en-US" dirty="0" smtClean="0"/>
+          </a:p>
+          <a:p>
+            <a:endParaRPr lang="en-US" dirty="0"/>
+          </a:p>
+          <a:p>
+            <a:r>
+              <a:rPr lang="en-US" dirty="0" smtClean="0"/>
+              <a:t>import </a:t>
+            </a:r>
+            <a:r>
+              <a:rPr lang="en-US" dirty="0"/>
+              <a:t>{ </a:t>
+            </a:r>
+            <a:r>
+              <a:rPr lang="en-US" dirty="0" err="1"/>
+              <a:t>createStore</a:t>
+            </a:r>
+            <a:r>
+              <a:rPr lang="en-US" dirty="0"/>
+              <a:t> } from '</a:t>
+            </a:r>
+            <a:r>
+              <a:rPr lang="en-US" dirty="0" err="1"/>
+              <a:t>redux</a:t>
+            </a:r>
+            <a:r>
+              <a:rPr lang="en-US" dirty="0"/>
+              <a:t>'; </a:t>
+            </a:r>
+            <a:endParaRPr lang="en-US" dirty="0" smtClean="0"/>
+          </a:p>
+          <a:p>
+            <a:r>
+              <a:rPr lang="en-US" dirty="0" err="1" smtClean="0"/>
+              <a:t>const</a:t>
+            </a:r>
+            <a:r>
+              <a:rPr lang="en-US" dirty="0" smtClean="0"/>
+              <a:t> </a:t>
+            </a:r>
+            <a:r>
+              <a:rPr lang="en-US" dirty="0"/>
+              <a:t>store = </a:t>
+            </a:r>
+            <a:r>
+              <a:rPr lang="en-US" dirty="0" err="1"/>
+              <a:t>createStore</a:t>
+            </a:r>
+            <a:r>
+              <a:rPr lang="en-US" dirty="0"/>
+              <a:t>(</a:t>
+            </a:r>
+            <a:r>
+              <a:rPr lang="en-US" dirty="0" err="1"/>
+              <a:t>fn</a:t>
+            </a:r>
+            <a:r>
+              <a:rPr lang="en-US" dirty="0"/>
+              <a:t>);</a:t>
+            </a:r>
+          </a:p>
+        </p:txBody>
+      </p:sp>
+    </p:spTree>
+    <p:extLst>
+      <p:ext uri="{BB962C8B-B14F-4D97-AF65-F5344CB8AC3E}">
+        <p14:creationId xmlns:p14="http://schemas.microsoft.com/office/powerpoint/2010/main" val="3686925452"/>
+      </p:ext>
+    </p:extLst>
+  </p:cSld>
+  <p:clrMapOvr>
+    <a:masterClrMapping/>
+  </p:clrMapOvr>
+</p:sld>
+</file>
+
+<file path=ppt/slides/slide11.xml><?xml version="1.0" encoding="utf-8"?>
+<p:sld xmlns:a="http://schemas.openxmlformats.org/drawingml/2006/main" xmlns:r="http://schemas.openxmlformats.org/officeDocument/2006/relationships" xmlns:p="http://schemas.openxmlformats.org/presentationml/2006/main">
+  <p:cSld>
+    <p:spTree>
+      <p:nvGrpSpPr>
+        <p:cNvPr id="1" name=""/>
+        <p:cNvGrpSpPr/>
+        <p:nvPr/>
+      </p:nvGrpSpPr>
+      <p:grpSpPr>
+        <a:xfrm>
+          <a:off x="0" y="0"/>
+          <a:ext cx="0" cy="0"/>
+          <a:chOff x="0" y="0"/>
+          <a:chExt cx="0" cy="0"/>
+        </a:xfrm>
+      </p:grpSpPr>
+      <p:sp>
+        <p:nvSpPr>
+          <p:cNvPr id="2" name="Title 1"/>
+          <p:cNvSpPr>
+            <a:spLocks noGrp="1"/>
+          </p:cNvSpPr>
+          <p:nvPr>
+            <p:ph type="title"/>
+          </p:nvPr>
+        </p:nvSpPr>
+        <p:spPr/>
+        <p:txBody>
+          <a:bodyPr/>
+          <a:lstStyle/>
+          <a:p>
+            <a:r>
+              <a:rPr lang="en-US" altLang="zh-CN" dirty="0" smtClean="0"/>
+              <a:t>State</a:t>
+            </a:r>
+            <a:endParaRPr lang="en-US" dirty="0"/>
+          </a:p>
+        </p:txBody>
+      </p:sp>
+      <p:sp>
+        <p:nvSpPr>
+          <p:cNvPr id="3" name="Content Placeholder 2"/>
+          <p:cNvSpPr>
+            <a:spLocks noGrp="1"/>
+          </p:cNvSpPr>
+          <p:nvPr>
+            <p:ph idx="1"/>
+          </p:nvPr>
+        </p:nvSpPr>
+        <p:spPr/>
+        <p:txBody>
+          <a:bodyPr>
+            <a:normAutofit fontScale="77500" lnSpcReduction="20000"/>
+          </a:bodyPr>
+          <a:lstStyle/>
+          <a:p>
+            <a:r>
+              <a:rPr lang="en-US" dirty="0"/>
+              <a:t>Store</a:t>
+            </a:r>
+            <a:r>
+              <a:rPr lang="zh-CN" altLang="en-US" dirty="0"/>
+              <a:t>对象包含所有数据。如果想得到某个时点的数据，就要对 </a:t>
+            </a:r>
+            <a:r>
+              <a:rPr lang="en-US" dirty="0"/>
+              <a:t>Store </a:t>
+            </a:r>
+            <a:r>
+              <a:rPr lang="zh-CN" altLang="en-US" dirty="0"/>
+              <a:t>生成快照。这种时点的数据集合，就叫做 </a:t>
+            </a:r>
+            <a:r>
+              <a:rPr lang="en-US" dirty="0"/>
+              <a:t>State。</a:t>
+            </a:r>
+          </a:p>
+          <a:p>
+            <a:r>
+              <a:rPr lang="zh-CN" altLang="en-US" dirty="0"/>
+              <a:t>当前时刻的 </a:t>
+            </a:r>
+            <a:r>
+              <a:rPr lang="en-US" dirty="0"/>
+              <a:t>State，</a:t>
+            </a:r>
+            <a:r>
+              <a:rPr lang="zh-CN" altLang="en-US" dirty="0"/>
+              <a:t>可以通过</a:t>
+            </a:r>
+            <a:r>
+              <a:rPr lang="en-US" dirty="0" err="1"/>
+              <a:t>store.getState</a:t>
+            </a:r>
+            <a:r>
+              <a:rPr lang="en-US" dirty="0"/>
+              <a:t>()</a:t>
+            </a:r>
+            <a:r>
+              <a:rPr lang="zh-CN" altLang="en-US" dirty="0"/>
+              <a:t>拿到</a:t>
+            </a:r>
+            <a:r>
+              <a:rPr lang="zh-CN" altLang="en-US" dirty="0" smtClean="0"/>
+              <a:t>。</a:t>
+            </a:r>
+            <a:endParaRPr lang="en-US" altLang="zh-CN" dirty="0" smtClean="0"/>
+          </a:p>
+          <a:p>
+            <a:r>
+              <a:rPr lang="en-US" dirty="0" err="1"/>
+              <a:t>Redux</a:t>
+            </a:r>
+            <a:r>
+              <a:rPr lang="en-US" dirty="0"/>
+              <a:t> </a:t>
+            </a:r>
+            <a:r>
+              <a:rPr lang="zh-CN" altLang="en-US" dirty="0"/>
+              <a:t>规定， 一个 </a:t>
+            </a:r>
+            <a:r>
+              <a:rPr lang="en-US" dirty="0"/>
+              <a:t>State </a:t>
+            </a:r>
+            <a:r>
+              <a:rPr lang="zh-CN" altLang="en-US" dirty="0"/>
+              <a:t>对应一个 </a:t>
+            </a:r>
+            <a:r>
+              <a:rPr lang="en-US" dirty="0"/>
+              <a:t>View。</a:t>
+            </a:r>
+            <a:r>
+              <a:rPr lang="zh-CN" altLang="en-US" dirty="0"/>
+              <a:t>只要 </a:t>
+            </a:r>
+            <a:r>
+              <a:rPr lang="en-US" dirty="0"/>
+              <a:t>State </a:t>
+            </a:r>
+            <a:r>
+              <a:rPr lang="zh-CN" altLang="en-US" dirty="0"/>
+              <a:t>相同，</a:t>
+            </a:r>
+            <a:r>
+              <a:rPr lang="en-US" dirty="0"/>
+              <a:t>View </a:t>
+            </a:r>
+            <a:r>
+              <a:rPr lang="zh-CN" altLang="en-US" dirty="0"/>
+              <a:t>就相同。你知道 </a:t>
+            </a:r>
+            <a:r>
+              <a:rPr lang="en-US" dirty="0"/>
+              <a:t>State，</a:t>
+            </a:r>
+            <a:r>
+              <a:rPr lang="zh-CN" altLang="en-US" dirty="0"/>
+              <a:t>就知道 </a:t>
+            </a:r>
+            <a:r>
+              <a:rPr lang="en-US" dirty="0"/>
+              <a:t>View </a:t>
+            </a:r>
+            <a:r>
+              <a:rPr lang="zh-CN" altLang="en-US" dirty="0"/>
+              <a:t>是什么样，反之亦然</a:t>
+            </a:r>
+            <a:r>
+              <a:rPr lang="en-US" dirty="0"/>
+              <a:t>。</a:t>
+            </a:r>
+            <a:endParaRPr lang="zh-CN" altLang="en-US" dirty="0"/>
+          </a:p>
+          <a:p>
+            <a:endParaRPr lang="en-US" altLang="zh-CN" dirty="0" smtClean="0"/>
+          </a:p>
+          <a:p>
+            <a:pPr marL="0" indent="0">
+              <a:buNone/>
+            </a:pPr>
+            <a:endParaRPr lang="en-US" dirty="0" smtClean="0"/>
+          </a:p>
+          <a:p>
+            <a:r>
+              <a:rPr lang="en-US" dirty="0"/>
+              <a:t>import { </a:t>
+            </a:r>
+            <a:r>
+              <a:rPr lang="en-US" dirty="0" err="1"/>
+              <a:t>createStore</a:t>
+            </a:r>
+            <a:r>
+              <a:rPr lang="en-US" dirty="0"/>
+              <a:t> } from '</a:t>
+            </a:r>
+            <a:r>
+              <a:rPr lang="en-US" dirty="0" err="1"/>
+              <a:t>redux</a:t>
+            </a:r>
+            <a:r>
+              <a:rPr lang="en-US" dirty="0"/>
+              <a:t>'; </a:t>
+            </a:r>
+            <a:endParaRPr lang="en-US" dirty="0" smtClean="0"/>
+          </a:p>
+          <a:p>
+            <a:r>
+              <a:rPr lang="en-US" dirty="0" err="1" smtClean="0"/>
+              <a:t>const</a:t>
+            </a:r>
+            <a:r>
+              <a:rPr lang="en-US" dirty="0" smtClean="0"/>
+              <a:t> </a:t>
+            </a:r>
+            <a:r>
+              <a:rPr lang="en-US" dirty="0"/>
+              <a:t>store = </a:t>
+            </a:r>
+            <a:r>
+              <a:rPr lang="en-US" dirty="0" err="1"/>
+              <a:t>createStore</a:t>
+            </a:r>
+            <a:r>
+              <a:rPr lang="en-US" dirty="0"/>
+              <a:t>(</a:t>
+            </a:r>
+            <a:r>
+              <a:rPr lang="en-US" dirty="0" err="1"/>
+              <a:t>fn</a:t>
+            </a:r>
+            <a:r>
+              <a:rPr lang="en-US" dirty="0"/>
+              <a:t>); </a:t>
+            </a:r>
+            <a:endParaRPr lang="en-US" dirty="0" smtClean="0"/>
+          </a:p>
+          <a:p>
+            <a:r>
+              <a:rPr lang="en-US" dirty="0" err="1" smtClean="0"/>
+              <a:t>const</a:t>
+            </a:r>
+            <a:r>
+              <a:rPr lang="en-US" dirty="0" smtClean="0"/>
+              <a:t> </a:t>
+            </a:r>
+            <a:r>
+              <a:rPr lang="en-US" dirty="0"/>
+              <a:t>state = </a:t>
+            </a:r>
+            <a:r>
+              <a:rPr lang="en-US" dirty="0" err="1"/>
+              <a:t>store.getState</a:t>
+            </a:r>
+            <a:r>
+              <a:rPr lang="en-US" dirty="0"/>
+              <a:t>();</a:t>
+            </a:r>
+          </a:p>
+        </p:txBody>
+      </p:sp>
+    </p:spTree>
+    <p:extLst>
+      <p:ext uri="{BB962C8B-B14F-4D97-AF65-F5344CB8AC3E}">
+        <p14:creationId xmlns:p14="http://schemas.microsoft.com/office/powerpoint/2010/main" val="2423650869"/>
+      </p:ext>
+    </p:extLst>
+  </p:cSld>
+  <p:clrMapOvr>
+    <a:masterClrMapping/>
+  </p:clrMapOvr>
+</p:sld>
+</file>
+
+<file path=ppt/slides/slide12.xml><?xml version="1.0" encoding="utf-8"?>
+<p:sld xmlns:a="http://schemas.openxmlformats.org/drawingml/2006/main" xmlns:r="http://schemas.openxmlformats.org/officeDocument/2006/relationships" xmlns:p="http://schemas.openxmlformats.org/presentationml/2006/main">
+  <p:cSld>
+    <p:spTree>
+      <p:nvGrpSpPr>
+        <p:cNvPr id="1" name=""/>
+        <p:cNvGrpSpPr/>
+        <p:nvPr/>
+      </p:nvGrpSpPr>
+      <p:grpSpPr>
+        <a:xfrm>
+          <a:off x="0" y="0"/>
+          <a:ext cx="0" cy="0"/>
+          <a:chOff x="0" y="0"/>
+          <a:chExt cx="0" cy="0"/>
+        </a:xfrm>
+      </p:grpSpPr>
+      <p:sp>
+        <p:nvSpPr>
+          <p:cNvPr id="2" name="Title 1"/>
+          <p:cNvSpPr>
+            <a:spLocks noGrp="1"/>
+          </p:cNvSpPr>
+          <p:nvPr>
+            <p:ph type="title"/>
+          </p:nvPr>
+        </p:nvSpPr>
+        <p:spPr/>
+        <p:txBody>
+          <a:bodyPr>
+            <a:normAutofit/>
+          </a:bodyPr>
+          <a:lstStyle/>
+          <a:p>
+            <a:r>
+              <a:rPr lang="en-US" dirty="0" smtClean="0"/>
               <a:t>Action</a:t>
             </a:r>
             <a:endParaRPr lang="en-US" dirty="0"/>
@@ -3367,7 +3906,7 @@
 </p:sld>
 </file>
 
-<file path=ppt/slides/slide11.xml><?xml version="1.0" encoding="utf-8"?>
+<file path=ppt/slides/slide13.xml><?xml version="1.0" encoding="utf-8"?>
 <p:sld xmlns:a="http://schemas.openxmlformats.org/drawingml/2006/main" xmlns:r="http://schemas.openxmlformats.org/officeDocument/2006/relationships" xmlns:p="http://schemas.openxmlformats.org/presentationml/2006/main">
   <p:cSld>
     <p:spTree>
@@ -3486,426 +4025,6 @@
 </p:sld>
 </file>
 
-<file path=ppt/slides/slide12.xml><?xml version="1.0" encoding="utf-8"?>
-<p:sld xmlns:a="http://schemas.openxmlformats.org/drawingml/2006/main" xmlns:r="http://schemas.openxmlformats.org/officeDocument/2006/relationships" xmlns:p="http://schemas.openxmlformats.org/presentationml/2006/main">
-  <p:cSld>
-    <p:spTree>
-      <p:nvGrpSpPr>
-        <p:cNvPr id="1" name=""/>
-        <p:cNvGrpSpPr/>
-        <p:nvPr/>
-      </p:nvGrpSpPr>
-      <p:grpSpPr>
-        <a:xfrm>
-          <a:off x="0" y="0"/>
-          <a:ext cx="0" cy="0"/>
-          <a:chOff x="0" y="0"/>
-          <a:chExt cx="0" cy="0"/>
-        </a:xfrm>
-      </p:grpSpPr>
-      <p:sp>
-        <p:nvSpPr>
-          <p:cNvPr id="2" name="Title 1"/>
-          <p:cNvSpPr>
-            <a:spLocks noGrp="1"/>
-          </p:cNvSpPr>
-          <p:nvPr>
-            <p:ph type="title"/>
-          </p:nvPr>
-        </p:nvSpPr>
-        <p:spPr/>
-        <p:txBody>
-          <a:bodyPr>
-            <a:normAutofit fontScale="90000"/>
-          </a:bodyPr>
-          <a:lstStyle/>
-          <a:p>
-            <a:r>
-              <a:rPr lang="en-US" dirty="0" err="1"/>
-              <a:t>store.dispatch</a:t>
-            </a:r>
-            <a:r>
-              <a:rPr lang="en-US" dirty="0" smtClean="0"/>
-              <a:t>()</a:t>
-            </a:r>
-            <a:br>
-              <a:rPr lang="en-US" dirty="0" smtClean="0"/>
-            </a:br>
-            <a:r>
-              <a:rPr lang="en-US" dirty="0" smtClean="0"/>
-              <a:t>View </a:t>
-            </a:r>
-            <a:r>
-              <a:rPr lang="zh-CN" altLang="en-US" dirty="0"/>
-              <a:t>发出 </a:t>
-            </a:r>
-            <a:r>
-              <a:rPr lang="en-US" dirty="0" smtClean="0"/>
-              <a:t>Action</a:t>
-            </a:r>
-            <a:endParaRPr lang="en-US" dirty="0"/>
-          </a:p>
-        </p:txBody>
-      </p:sp>
-      <p:sp>
-        <p:nvSpPr>
-          <p:cNvPr id="3" name="Content Placeholder 2"/>
-          <p:cNvSpPr>
-            <a:spLocks noGrp="1"/>
-          </p:cNvSpPr>
-          <p:nvPr>
-            <p:ph idx="1"/>
-          </p:nvPr>
-        </p:nvSpPr>
-        <p:spPr/>
-        <p:txBody>
-          <a:bodyPr>
-            <a:normAutofit fontScale="92500" lnSpcReduction="20000"/>
-          </a:bodyPr>
-          <a:lstStyle/>
-          <a:p>
-            <a:r>
-              <a:rPr lang="en-US" dirty="0"/>
-              <a:t>import { </a:t>
-            </a:r>
-            <a:r>
-              <a:rPr lang="en-US" dirty="0" err="1"/>
-              <a:t>createStore</a:t>
-            </a:r>
-            <a:r>
-              <a:rPr lang="en-US" dirty="0"/>
-              <a:t> } from '</a:t>
-            </a:r>
-            <a:r>
-              <a:rPr lang="en-US" dirty="0" err="1"/>
-              <a:t>redux</a:t>
-            </a:r>
-            <a:r>
-              <a:rPr lang="en-US" dirty="0"/>
-              <a:t>'; </a:t>
-            </a:r>
-            <a:endParaRPr lang="en-US" dirty="0" smtClean="0"/>
-          </a:p>
-          <a:p>
-            <a:r>
-              <a:rPr lang="en-US" dirty="0" err="1" smtClean="0"/>
-              <a:t>const</a:t>
-            </a:r>
-            <a:r>
-              <a:rPr lang="en-US" dirty="0" smtClean="0"/>
-              <a:t> </a:t>
-            </a:r>
-            <a:r>
-              <a:rPr lang="en-US" dirty="0"/>
-              <a:t>store = </a:t>
-            </a:r>
-            <a:r>
-              <a:rPr lang="en-US" dirty="0" err="1"/>
-              <a:t>createStore</a:t>
-            </a:r>
-            <a:r>
-              <a:rPr lang="en-US" dirty="0"/>
-              <a:t>(</a:t>
-            </a:r>
-            <a:r>
-              <a:rPr lang="en-US" dirty="0" err="1"/>
-              <a:t>fn</a:t>
-            </a:r>
-            <a:r>
-              <a:rPr lang="en-US" dirty="0"/>
-              <a:t>); </a:t>
-            </a:r>
-            <a:endParaRPr lang="en-US" dirty="0" smtClean="0"/>
-          </a:p>
-          <a:p>
-            <a:endParaRPr lang="en-US" dirty="0"/>
-          </a:p>
-          <a:p>
-            <a:r>
-              <a:rPr lang="en-US" dirty="0" err="1"/>
-              <a:t>const</a:t>
-            </a:r>
-            <a:r>
-              <a:rPr lang="en-US" dirty="0"/>
-              <a:t> action = { </a:t>
-            </a:r>
-            <a:endParaRPr lang="en-US" dirty="0" smtClean="0"/>
-          </a:p>
-          <a:p>
-            <a:r>
-              <a:rPr lang="en-US" dirty="0" smtClean="0"/>
-              <a:t>type</a:t>
-            </a:r>
-            <a:r>
-              <a:rPr lang="en-US" dirty="0"/>
-              <a:t>: 'ADD_TODO', </a:t>
-            </a:r>
-            <a:endParaRPr lang="en-US" dirty="0" smtClean="0"/>
-          </a:p>
-          <a:p>
-            <a:r>
-              <a:rPr lang="en-US" dirty="0" smtClean="0"/>
-              <a:t>payload</a:t>
-            </a:r>
-            <a:r>
-              <a:rPr lang="en-US" dirty="0"/>
-              <a:t>: 'Learn </a:t>
-            </a:r>
-            <a:r>
-              <a:rPr lang="en-US" dirty="0" err="1"/>
-              <a:t>Redux</a:t>
-            </a:r>
-            <a:r>
-              <a:rPr lang="en-US" dirty="0"/>
-              <a:t>' </a:t>
-            </a:r>
-            <a:endParaRPr lang="en-US" dirty="0" smtClean="0"/>
-          </a:p>
-          <a:p>
-            <a:r>
-              <a:rPr lang="en-US" dirty="0" smtClean="0"/>
-              <a:t>};</a:t>
-            </a:r>
-          </a:p>
-          <a:p>
-            <a:endParaRPr lang="en-US" dirty="0" smtClean="0"/>
-          </a:p>
-          <a:p>
-            <a:r>
-              <a:rPr lang="en-US" dirty="0" err="1" smtClean="0"/>
-              <a:t>store.dispatch</a:t>
-            </a:r>
-            <a:r>
-              <a:rPr lang="en-US" dirty="0" smtClean="0"/>
-              <a:t>(</a:t>
-            </a:r>
-            <a:r>
-              <a:rPr lang="en-US" altLang="zh-CN" dirty="0" smtClean="0"/>
-              <a:t>action</a:t>
-            </a:r>
-            <a:r>
-              <a:rPr lang="en-US" dirty="0" smtClean="0"/>
-              <a:t>);</a:t>
-            </a:r>
-            <a:endParaRPr lang="en-US" dirty="0"/>
-          </a:p>
-        </p:txBody>
-      </p:sp>
-    </p:spTree>
-    <p:extLst>
-      <p:ext uri="{BB962C8B-B14F-4D97-AF65-F5344CB8AC3E}">
-        <p14:creationId xmlns:p14="http://schemas.microsoft.com/office/powerpoint/2010/main" val="1305899042"/>
-      </p:ext>
-    </p:extLst>
-  </p:cSld>
-  <p:clrMapOvr>
-    <a:masterClrMapping/>
-  </p:clrMapOvr>
-</p:sld>
-</file>
-
-<file path=ppt/slides/slide13.xml><?xml version="1.0" encoding="utf-8"?>
-<p:sld xmlns:a="http://schemas.openxmlformats.org/drawingml/2006/main" xmlns:r="http://schemas.openxmlformats.org/officeDocument/2006/relationships" xmlns:p="http://schemas.openxmlformats.org/presentationml/2006/main">
-  <p:cSld>
-    <p:spTree>
-      <p:nvGrpSpPr>
-        <p:cNvPr id="1" name=""/>
-        <p:cNvGrpSpPr/>
-        <p:nvPr/>
-      </p:nvGrpSpPr>
-      <p:grpSpPr>
-        <a:xfrm>
-          <a:off x="0" y="0"/>
-          <a:ext cx="0" cy="0"/>
-          <a:chOff x="0" y="0"/>
-          <a:chExt cx="0" cy="0"/>
-        </a:xfrm>
-      </p:grpSpPr>
-      <p:sp>
-        <p:nvSpPr>
-          <p:cNvPr id="2" name="Title 1"/>
-          <p:cNvSpPr>
-            <a:spLocks noGrp="1"/>
-          </p:cNvSpPr>
-          <p:nvPr>
-            <p:ph type="title"/>
-          </p:nvPr>
-        </p:nvSpPr>
-        <p:spPr/>
-        <p:txBody>
-          <a:bodyPr/>
-          <a:lstStyle/>
-          <a:p>
-            <a:r>
-              <a:rPr lang="en-US" dirty="0" smtClean="0"/>
-              <a:t>Reducer</a:t>
-            </a:r>
-            <a:endParaRPr lang="en-US" dirty="0"/>
-          </a:p>
-        </p:txBody>
-      </p:sp>
-      <p:sp>
-        <p:nvSpPr>
-          <p:cNvPr id="3" name="Content Placeholder 2"/>
-          <p:cNvSpPr>
-            <a:spLocks noGrp="1"/>
-          </p:cNvSpPr>
-          <p:nvPr>
-            <p:ph idx="1"/>
-          </p:nvPr>
-        </p:nvSpPr>
-        <p:spPr/>
-        <p:txBody>
-          <a:bodyPr>
-            <a:normAutofit fontScale="92500" lnSpcReduction="10000"/>
-          </a:bodyPr>
-          <a:lstStyle/>
-          <a:p>
-            <a:r>
-              <a:rPr lang="en-US" dirty="0"/>
-              <a:t>Store </a:t>
-            </a:r>
-            <a:r>
-              <a:rPr lang="zh-CN" altLang="en-US" dirty="0"/>
-              <a:t>收到 </a:t>
-            </a:r>
-            <a:r>
-              <a:rPr lang="en-US" dirty="0"/>
-              <a:t>Action </a:t>
-            </a:r>
-            <a:r>
-              <a:rPr lang="zh-CN" altLang="en-US" dirty="0"/>
-              <a:t>以后，必须给出一个新的 </a:t>
-            </a:r>
-            <a:r>
-              <a:rPr lang="en-US" dirty="0"/>
-              <a:t>State，</a:t>
-            </a:r>
-            <a:r>
-              <a:rPr lang="zh-CN" altLang="en-US" dirty="0"/>
-              <a:t>这样 </a:t>
-            </a:r>
-            <a:r>
-              <a:rPr lang="en-US" dirty="0"/>
-              <a:t>View </a:t>
-            </a:r>
-            <a:r>
-              <a:rPr lang="zh-CN" altLang="en-US" dirty="0"/>
-              <a:t>才会发生变化。这种 </a:t>
-            </a:r>
-            <a:r>
-              <a:rPr lang="en-US" dirty="0"/>
-              <a:t>State </a:t>
-            </a:r>
-            <a:r>
-              <a:rPr lang="zh-CN" altLang="en-US" dirty="0"/>
-              <a:t>的计算过程就叫做 </a:t>
-            </a:r>
-            <a:r>
-              <a:rPr lang="en-US" dirty="0"/>
-              <a:t>Reducer</a:t>
-            </a:r>
-            <a:r>
-              <a:rPr lang="en-US" dirty="0" smtClean="0"/>
-              <a:t>。</a:t>
-            </a:r>
-          </a:p>
-          <a:p>
-            <a:r>
-              <a:rPr lang="en-US" dirty="0"/>
-              <a:t>Reducer </a:t>
-            </a:r>
-            <a:r>
-              <a:rPr lang="zh-CN" altLang="en-US" dirty="0"/>
-              <a:t>是一个函数，它接受 </a:t>
-            </a:r>
-            <a:r>
-              <a:rPr lang="en-US" dirty="0"/>
-              <a:t>Action </a:t>
-            </a:r>
-            <a:r>
-              <a:rPr lang="zh-CN" altLang="en-US" dirty="0"/>
-              <a:t>和当前 </a:t>
-            </a:r>
-            <a:r>
-              <a:rPr lang="en-US" dirty="0"/>
-              <a:t>State </a:t>
-            </a:r>
-            <a:r>
-              <a:rPr lang="zh-CN" altLang="en-US" dirty="0"/>
-              <a:t>作为参数，返</a:t>
-            </a:r>
-            <a:r>
-              <a:rPr lang="zh-CN" altLang="en-US" dirty="0" smtClean="0"/>
-              <a:t>回</a:t>
-            </a:r>
-            <a:endParaRPr lang="en-US" altLang="zh-CN" dirty="0" smtClean="0"/>
-          </a:p>
-          <a:p>
-            <a:r>
-              <a:rPr lang="en-US" dirty="0" err="1"/>
-              <a:t>const</a:t>
-            </a:r>
-            <a:r>
-              <a:rPr lang="en-US" dirty="0"/>
-              <a:t> reducer = function (state, action) { </a:t>
-            </a:r>
-            <a:endParaRPr lang="en-US" dirty="0" smtClean="0"/>
-          </a:p>
-          <a:p>
-            <a:r>
-              <a:rPr lang="en-US" dirty="0" smtClean="0"/>
-              <a:t>// </a:t>
-            </a:r>
-            <a:r>
-              <a:rPr lang="en-US" dirty="0"/>
-              <a:t>... return </a:t>
-            </a:r>
-            <a:r>
-              <a:rPr lang="en-US" dirty="0" err="1"/>
-              <a:t>new_state</a:t>
-            </a:r>
-            <a:r>
-              <a:rPr lang="en-US" dirty="0"/>
-              <a:t>; </a:t>
-            </a:r>
-            <a:endParaRPr lang="en-US" dirty="0" smtClean="0"/>
-          </a:p>
-          <a:p>
-            <a:r>
-              <a:rPr lang="en-US" dirty="0" smtClean="0"/>
-              <a:t>};</a:t>
-            </a:r>
-          </a:p>
-          <a:p>
-            <a:r>
-              <a:rPr lang="zh-CN" altLang="en-US" dirty="0" smtClean="0"/>
-              <a:t>一</a:t>
-            </a:r>
-            <a:r>
-              <a:rPr lang="zh-CN" altLang="en-US" dirty="0"/>
-              <a:t>个新的 </a:t>
-            </a:r>
-            <a:r>
-              <a:rPr lang="en-US" dirty="0"/>
-              <a:t>State。</a:t>
-            </a:r>
-          </a:p>
-        </p:txBody>
-      </p:sp>
-    </p:spTree>
-    <p:extLst>
-      <p:ext uri="{BB962C8B-B14F-4D97-AF65-F5344CB8AC3E}">
-        <p14:creationId xmlns:p14="http://schemas.microsoft.com/office/powerpoint/2010/main" val="1057862140"/>
-      </p:ext>
-    </p:extLst>
-  </p:cSld>
-  <p:clrMapOvr>
-    <a:masterClrMapping/>
-  </p:clrMapOvr>
-</p:sld>
-</file>
-
 <file path=ppt/slides/slide14.xml><?xml version="1.0" encoding="utf-8"?>
 <p:sld xmlns:a="http://schemas.openxmlformats.org/drawingml/2006/main" xmlns:r="http://schemas.openxmlformats.org/officeDocument/2006/relationships" xmlns:p="http://schemas.openxmlformats.org/presentationml/2006/main">
   <p:cSld>
@@ -3925,6 +4044,50 @@
       </p:grpSpPr>
       <p:sp>
         <p:nvSpPr>
+          <p:cNvPr id="2" name="Title 1"/>
+          <p:cNvSpPr>
+            <a:spLocks noGrp="1"/>
+          </p:cNvSpPr>
+          <p:nvPr>
+            <p:ph type="title"/>
+          </p:nvPr>
+        </p:nvSpPr>
+        <p:spPr/>
+        <p:txBody>
+          <a:bodyPr>
+            <a:normAutofit fontScale="90000"/>
+          </a:bodyPr>
+          <a:lstStyle/>
+          <a:p>
+            <a:r>
+              <a:rPr lang="en-US" dirty="0" err="1"/>
+              <a:t>store.dispatch</a:t>
+            </a:r>
+            <a:r>
+              <a:rPr lang="en-US" dirty="0" smtClean="0"/>
+              <a:t>()</a:t>
+            </a:r>
+            <a:br>
+              <a:rPr lang="en-US" dirty="0" smtClean="0"/>
+            </a:br>
+            <a:r>
+              <a:rPr lang="en-US" dirty="0" smtClean="0"/>
+              <a:t>View </a:t>
+            </a:r>
+            <a:r>
+              <a:rPr lang="zh-CN" altLang="en-US" dirty="0"/>
+              <a:t>发出 </a:t>
+            </a:r>
+            <a:r>
+              <a:rPr lang="en-US" dirty="0" smtClean="0"/>
+              <a:t>Action</a:t>
+            </a:r>
+            <a:endParaRPr lang="en-US" dirty="0"/>
+          </a:p>
+        </p:txBody>
+      </p:sp>
+      <p:sp>
+        <p:nvSpPr>
           <p:cNvPr id="3" name="Content Placeholder 2"/>
           <p:cNvSpPr>
             <a:spLocks noGrp="1"/>
@@ -3933,187 +4096,132 @@
             <p:ph idx="1"/>
           </p:nvPr>
         </p:nvSpPr>
-        <p:spPr>
-          <a:xfrm>
-            <a:off x="457200" y="381000"/>
-            <a:ext cx="8229600" cy="5745163"/>
-          </a:xfrm>
-        </p:spPr>
+        <p:spPr/>
         <p:txBody>
           <a:bodyPr>
-            <a:normAutofit lnSpcReduction="10000"/>
+            <a:normAutofit fontScale="92500" lnSpcReduction="20000"/>
           </a:bodyPr>
           <a:lstStyle/>
           <a:p>
-            <a:pPr marL="0" indent="0">
-              <a:buNone/>
-            </a:pPr>
+            <a:r>
+              <a:rPr lang="en-US" dirty="0"/>
+              <a:t>import { </a:t>
+            </a:r>
+            <a:r>
+              <a:rPr lang="en-US" dirty="0" err="1"/>
+              <a:t>createStore</a:t>
+            </a:r>
+            <a:r>
+              <a:rPr lang="en-US" dirty="0"/>
+              <a:t> } from '</a:t>
+            </a:r>
+            <a:r>
+              <a:rPr lang="en-US" dirty="0" err="1"/>
+              <a:t>redux</a:t>
+            </a:r>
+            <a:r>
+              <a:rPr lang="en-US" dirty="0"/>
+              <a:t>'; </a:t>
+            </a:r>
+            <a:endParaRPr lang="en-US" dirty="0" smtClean="0"/>
+          </a:p>
+          <a:p>
+            <a:r>
+              <a:rPr lang="en-US" dirty="0" err="1" smtClean="0"/>
+              <a:t>const</a:t>
+            </a:r>
+            <a:r>
+              <a:rPr lang="en-US" dirty="0" smtClean="0"/>
+              <a:t> </a:t>
+            </a:r>
+            <a:r>
+              <a:rPr lang="en-US" dirty="0"/>
+              <a:t>store = </a:t>
+            </a:r>
+            <a:r>
+              <a:rPr lang="en-US" dirty="0" err="1"/>
+              <a:t>createStore</a:t>
+            </a:r>
+            <a:r>
+              <a:rPr lang="en-US" dirty="0"/>
+              <a:t>(</a:t>
+            </a:r>
+            <a:r>
+              <a:rPr lang="en-US" dirty="0" err="1"/>
+              <a:t>fn</a:t>
+            </a:r>
+            <a:r>
+              <a:rPr lang="en-US" dirty="0"/>
+              <a:t>); </a:t>
+            </a:r>
+            <a:endParaRPr lang="en-US" dirty="0" smtClean="0"/>
+          </a:p>
+          <a:p>
+            <a:endParaRPr lang="en-US" dirty="0"/>
+          </a:p>
+          <a:p>
             <a:r>
               <a:rPr lang="en-US" dirty="0" err="1"/>
               <a:t>const</a:t>
             </a:r>
             <a:r>
               <a:rPr lang="en-US" dirty="0"/>
-              <a:t> </a:t>
+              <a:t> action = { </a:t>
+            </a:r>
+            <a:endParaRPr lang="en-US" dirty="0" smtClean="0"/>
+          </a:p>
+          <a:p>
+            <a:r>
+              <a:rPr lang="en-US" dirty="0" smtClean="0"/>
+              <a:t>type</a:t>
+            </a:r>
+            <a:r>
+              <a:rPr lang="en-US" dirty="0"/>
+              <a:t>: 'ADD_TODO', </a:t>
+            </a:r>
+            <a:endParaRPr lang="en-US" dirty="0" smtClean="0"/>
+          </a:p>
+          <a:p>
+            <a:r>
+              <a:rPr lang="en-US" dirty="0" smtClean="0"/>
+              <a:t>payload</a:t>
+            </a:r>
+            <a:r>
+              <a:rPr lang="en-US" dirty="0"/>
+              <a:t>: 'Learn </a:t>
             </a:r>
             <a:r>
               <a:rPr lang="en-US" dirty="0" err="1"/>
-              <a:t>defaultState</a:t>
-            </a:r>
-            <a:r>
-              <a:rPr lang="en-US" dirty="0"/>
-              <a:t> = 0; </a:t>
+              <a:t>Redux</a:t>
+            </a:r>
+            <a:r>
+              <a:rPr lang="en-US" dirty="0"/>
+              <a:t>' </a:t>
             </a:r>
             <a:endParaRPr lang="en-US" dirty="0" smtClean="0"/>
           </a:p>
           <a:p>
-            <a:pPr marL="0" indent="0">
-              <a:buNone/>
-            </a:pPr>
+            <a:r>
+              <a:rPr lang="en-US" dirty="0" smtClean="0"/>
+              <a:t>};</a:t>
+            </a:r>
+          </a:p>
+          <a:p>
+            <a:endParaRPr lang="en-US" dirty="0" smtClean="0"/>
+          </a:p>
+          <a:p>
             <a:r>
               <a:rPr lang="en-US" dirty="0" err="1" smtClean="0"/>
-              <a:t>const</a:t>
-            </a:r>
-            <a:r>
-              <a:rPr lang="en-US" dirty="0" smtClean="0"/>
-              <a:t> </a:t>
-            </a:r>
-            <a:r>
-              <a:rPr lang="en-US" dirty="0"/>
-              <a:t>reducer = (state = </a:t>
-            </a:r>
-            <a:r>
-              <a:rPr lang="en-US" dirty="0" err="1"/>
-              <a:t>defaultState</a:t>
-            </a:r>
-            <a:r>
-              <a:rPr lang="en-US" dirty="0"/>
-              <a:t>, action) =&gt; { </a:t>
-            </a:r>
-            <a:endParaRPr lang="en-US" dirty="0" smtClean="0"/>
-          </a:p>
-          <a:p>
-            <a:pPr marL="0" indent="0">
-              <a:buNone/>
-            </a:pPr>
-            <a:r>
-              <a:rPr lang="en-US" dirty="0" smtClean="0"/>
-              <a:t>  switch </a:t>
-            </a:r>
-            <a:r>
-              <a:rPr lang="en-US" dirty="0"/>
-              <a:t>(</a:t>
-            </a:r>
-            <a:r>
-              <a:rPr lang="en-US" dirty="0" err="1"/>
-              <a:t>action.type</a:t>
-            </a:r>
-            <a:r>
-              <a:rPr lang="en-US" dirty="0"/>
-              <a:t>) { </a:t>
-            </a:r>
-            <a:endParaRPr lang="en-US" dirty="0" smtClean="0"/>
-          </a:p>
-          <a:p>
-            <a:pPr marL="0" indent="0">
-              <a:buNone/>
-            </a:pPr>
-            <a:r>
-              <a:rPr lang="en-US" dirty="0" smtClean="0"/>
-              <a:t>    case </a:t>
-            </a:r>
-            <a:r>
-              <a:rPr lang="en-US" dirty="0"/>
-              <a:t>'ADD': return state + </a:t>
-            </a:r>
-            <a:r>
-              <a:rPr lang="en-US" dirty="0" err="1"/>
-              <a:t>action.payload</a:t>
-            </a:r>
-            <a:r>
-              <a:rPr lang="en-US" dirty="0"/>
-              <a:t>; </a:t>
-            </a:r>
-            <a:endParaRPr lang="en-US" dirty="0" smtClean="0"/>
-          </a:p>
-          <a:p>
-            <a:pPr marL="0" indent="0">
-              <a:buNone/>
-            </a:pPr>
-            <a:r>
-              <a:rPr lang="en-US" dirty="0"/>
-              <a:t> </a:t>
-            </a:r>
-            <a:r>
-              <a:rPr lang="en-US" dirty="0" smtClean="0"/>
-              <a:t>   default</a:t>
-            </a:r>
-            <a:r>
-              <a:rPr lang="en-US" dirty="0"/>
-              <a:t>: return state; </a:t>
-            </a:r>
-            <a:endParaRPr lang="en-US" dirty="0" smtClean="0"/>
-          </a:p>
-          <a:p>
-            <a:pPr marL="0" indent="0">
-              <a:buNone/>
-            </a:pPr>
-            <a:r>
-              <a:rPr lang="en-US" dirty="0" smtClean="0"/>
-              <a:t>  } </a:t>
-            </a:r>
-          </a:p>
-          <a:p>
-            <a:pPr marL="0" indent="0">
-              <a:buNone/>
-            </a:pPr>
-            <a:r>
-              <a:rPr lang="en-US" dirty="0" smtClean="0"/>
-              <a:t>}; </a:t>
-            </a:r>
-          </a:p>
-          <a:p>
-            <a:pPr marL="0" indent="0">
-              <a:buNone/>
-            </a:pPr>
-            <a:r>
-              <a:rPr lang="en-US" dirty="0" err="1" smtClean="0"/>
-              <a:t>const</a:t>
-            </a:r>
-            <a:r>
-              <a:rPr lang="en-US" dirty="0" smtClean="0"/>
-              <a:t> </a:t>
-            </a:r>
-            <a:r>
-              <a:rPr lang="en-US" dirty="0"/>
-              <a:t>state = reducer</a:t>
+              <a:t>store.dispatch</a:t>
             </a:r>
             <a:r>
               <a:rPr lang="en-US" dirty="0" smtClean="0"/>
               <a:t>(</a:t>
             </a:r>
-          </a:p>
-          <a:p>
-            <a:pPr marL="0" indent="0">
-              <a:buNone/>
-            </a:pPr>
-            <a:r>
-              <a:rPr lang="en-US" dirty="0" smtClean="0"/>
-              <a:t>1</a:t>
-            </a:r>
-            <a:r>
-              <a:rPr lang="en-US" dirty="0"/>
-              <a:t>, { type: 'ADD', payload: 2 </a:t>
-            </a:r>
-            <a:r>
-              <a:rPr lang="en-US" dirty="0" smtClean="0"/>
-              <a:t>}</a:t>
-            </a:r>
-          </a:p>
-          <a:p>
-            <a:pPr marL="0" indent="0">
-              <a:buNone/>
-            </a:pPr>
+            <a:r>
+              <a:rPr lang="en-US" altLang="zh-CN" dirty="0" smtClean="0"/>
+              <a:t>action</a:t>
+            </a:r>
             <a:r>
               <a:rPr lang="en-US" dirty="0" smtClean="0"/>
               <a:t>);</a:t>
@@ -4125,7 +4233,7 @@
     </p:spTree>
     <p:extLst>
       <p:ext uri="{BB962C8B-B14F-4D97-AF65-F5344CB8AC3E}">
-        <p14:creationId xmlns:p14="http://schemas.microsoft.com/office/powerpoint/2010/main" val="3453396219"/>
+        <p14:creationId xmlns:p14="http://schemas.microsoft.com/office/powerpoint/2010/main" val="1305899042"/>
       </p:ext>
     </p:extLst>
   </p:cSld>
@@ -4168,15 +4276,7 @@
           <a:lstStyle/>
           <a:p>
             <a:r>
-              <a:rPr lang="zh-CN" altLang="en-US" dirty="0"/>
-              <a:t>不</a:t>
-            </a:r>
-            <a:r>
-              <a:rPr lang="zh-CN" altLang="en-US" dirty="0" smtClean="0"/>
-              <a:t>要手动调用</a:t>
-            </a:r>
-            <a:r>
-              <a:rPr lang="en-US" altLang="zh-CN" dirty="0" smtClean="0"/>
+              <a:rPr lang="en-US" dirty="0" smtClean="0"/>
               <a:t>Reducer</a:t>
             </a:r>
             <a:endParaRPr lang="en-US" dirty="0"/>
@@ -4196,191 +4296,53 @@
         <p:spPr/>
         <p:txBody>
           <a:bodyPr>
-            <a:normAutofit fontScale="77500" lnSpcReduction="20000"/>
+            <a:normAutofit fontScale="92500" lnSpcReduction="10000"/>
           </a:bodyPr>
           <a:lstStyle/>
           <a:p>
             <a:r>
-              <a:rPr lang="zh-CN" altLang="en-US" dirty="0"/>
-              <a:t>实际应用中，</a:t>
-            </a:r>
-            <a:r>
-              <a:rPr lang="en-US" dirty="0"/>
-              <a:t>Reducer </a:t>
-            </a:r>
-            <a:r>
-              <a:rPr lang="zh-CN" altLang="en-US" dirty="0"/>
-              <a:t>函数不用像上面这样手动调用，</a:t>
-            </a:r>
-            <a:r>
-              <a:rPr lang="en-US" dirty="0" err="1"/>
-              <a:t>store.dispatch</a:t>
-            </a:r>
-            <a:r>
-              <a:rPr lang="zh-CN" altLang="en-US" dirty="0"/>
-              <a:t>方法会触发 </a:t>
-            </a:r>
-            <a:r>
-              <a:rPr lang="en-US" dirty="0"/>
-              <a:t>Reducer </a:t>
-            </a:r>
-            <a:r>
-              <a:rPr lang="zh-CN" altLang="en-US" dirty="0"/>
-              <a:t>的自动执行。为此，</a:t>
-            </a:r>
-            <a:r>
               <a:rPr lang="en-US" dirty="0"/>
               <a:t>Store </a:t>
             </a:r>
             <a:r>
               <a:rPr lang="zh-CN" altLang="en-US" dirty="0"/>
-              <a:t>需要知道 </a:t>
-            </a:r>
-            <a:r>
-              <a:rPr lang="en-US" dirty="0"/>
-              <a:t>Reducer </a:t>
-            </a:r>
-            <a:r>
-              <a:rPr lang="zh-CN" altLang="en-US" dirty="0"/>
-              <a:t>函数，做法就是在生成 </a:t>
-            </a:r>
-            <a:r>
-              <a:rPr lang="en-US" dirty="0"/>
-              <a:t>Store </a:t>
-            </a:r>
-            <a:r>
-              <a:rPr lang="zh-CN" altLang="en-US" dirty="0"/>
-              <a:t>的时候，将 </a:t>
-            </a:r>
-            <a:r>
-              <a:rPr lang="en-US" dirty="0"/>
-              <a:t>Reducer </a:t>
-            </a:r>
-            <a:r>
-              <a:rPr lang="zh-CN" altLang="en-US" dirty="0"/>
-              <a:t>传入</a:t>
-            </a:r>
-            <a:r>
-              <a:rPr lang="en-US" dirty="0" err="1"/>
-              <a:t>createStore</a:t>
-            </a:r>
-            <a:r>
-              <a:rPr lang="zh-CN" altLang="en-US" dirty="0"/>
-              <a:t>方法。</a:t>
-            </a:r>
-            <a:endParaRPr lang="en-US" dirty="0" smtClean="0"/>
-          </a:p>
-          <a:p>
-            <a:endParaRPr lang="en-US" dirty="0"/>
-          </a:p>
-          <a:p>
-            <a:r>
-              <a:rPr lang="en-US" dirty="0" smtClean="0"/>
-              <a:t>import </a:t>
-            </a:r>
-            <a:r>
-              <a:rPr lang="en-US" dirty="0"/>
-              <a:t>{ </a:t>
-            </a:r>
-            <a:r>
-              <a:rPr lang="en-US" dirty="0" err="1"/>
-              <a:t>createStore</a:t>
-            </a:r>
-            <a:r>
-              <a:rPr lang="en-US" dirty="0"/>
-              <a:t> } from '</a:t>
-            </a:r>
-            <a:r>
-              <a:rPr lang="en-US" dirty="0" err="1"/>
-              <a:t>redux</a:t>
-            </a:r>
-            <a:r>
-              <a:rPr lang="en-US" dirty="0"/>
-              <a:t>'; </a:t>
-            </a:r>
-            <a:endParaRPr lang="en-US" dirty="0" smtClean="0"/>
-          </a:p>
-          <a:p>
-            <a:r>
-              <a:rPr lang="en-US" dirty="0" err="1" smtClean="0"/>
-              <a:t>const</a:t>
-            </a:r>
-            <a:r>
-              <a:rPr lang="en-US" dirty="0" smtClean="0"/>
-              <a:t> </a:t>
-            </a:r>
-            <a:r>
-              <a:rPr lang="en-US" dirty="0"/>
-              <a:t>store = </a:t>
-            </a:r>
-            <a:r>
-              <a:rPr lang="en-US" dirty="0" err="1"/>
-              <a:t>createStore</a:t>
-            </a:r>
-            <a:r>
-              <a:rPr lang="en-US" dirty="0"/>
-              <a:t>(reducer</a:t>
-            </a:r>
-            <a:r>
-              <a:rPr lang="en-US" dirty="0" smtClean="0"/>
-              <a:t>);</a:t>
-            </a:r>
-          </a:p>
-          <a:p>
-            <a:endParaRPr lang="en-US" dirty="0" smtClean="0"/>
-          </a:p>
-          <a:p>
-            <a:r>
-              <a:rPr lang="en-US" dirty="0" err="1"/>
-              <a:t>createStore</a:t>
-            </a:r>
-            <a:r>
-              <a:rPr lang="zh-CN" altLang="en-US" dirty="0"/>
-              <a:t>接受 </a:t>
-            </a:r>
-            <a:r>
-              <a:rPr lang="en-US" dirty="0"/>
-              <a:t>Reducer </a:t>
-            </a:r>
-            <a:r>
-              <a:rPr lang="zh-CN" altLang="en-US" dirty="0"/>
-              <a:t>作为参数，生成一个新的 </a:t>
-            </a:r>
-            <a:r>
-              <a:rPr lang="en-US" dirty="0"/>
-              <a:t>Store。</a:t>
-            </a:r>
-            <a:r>
-              <a:rPr lang="zh-CN" altLang="en-US" dirty="0"/>
-              <a:t>以后每当</a:t>
-            </a:r>
-            <a:r>
-              <a:rPr lang="en-US" dirty="0" err="1"/>
-              <a:t>store.dispatch</a:t>
-            </a:r>
-            <a:r>
-              <a:rPr lang="zh-CN" altLang="en-US" dirty="0"/>
-              <a:t>发送过来一个新的 </a:t>
-            </a:r>
-            <a:r>
-              <a:rPr lang="en-US" dirty="0"/>
-              <a:t>Action，</a:t>
-            </a:r>
-            <a:r>
-              <a:rPr lang="zh-CN" altLang="en-US" dirty="0"/>
-              <a:t>就会自动调用 </a:t>
-            </a:r>
-            <a:r>
-              <a:rPr lang="en-US" dirty="0"/>
-              <a:t>Reducer，</a:t>
-            </a:r>
-            <a:r>
-              <a:rPr lang="zh-CN" altLang="en-US" dirty="0"/>
-              <a:t>得到新的 </a:t>
-            </a:r>
-            <a:r>
-              <a:rPr lang="en-US" dirty="0"/>
-              <a:t>State</a:t>
+              <a:t>收到 </a:t>
+            </a:r>
+            <a:r>
+              <a:rPr lang="en-US" dirty="0"/>
+              <a:t>Action </a:t>
+            </a:r>
+            <a:r>
+              <a:rPr lang="zh-CN" altLang="en-US" dirty="0"/>
+              <a:t>以后，必须给出一个新的 </a:t>
+            </a:r>
+            <a:r>
+              <a:rPr lang="en-US" dirty="0"/>
+              <a:t>State，</a:t>
+            </a:r>
+            <a:r>
+              <a:rPr lang="zh-CN" altLang="en-US" dirty="0"/>
+              <a:t>这样 </a:t>
+            </a:r>
+            <a:r>
+              <a:rPr lang="en-US" dirty="0"/>
+              <a:t>View </a:t>
+            </a:r>
+            <a:r>
+              <a:rPr lang="zh-CN" altLang="en-US" dirty="0"/>
+              <a:t>才会发生变化。这种 </a:t>
+            </a:r>
+            <a:r>
+              <a:rPr lang="en-US" dirty="0"/>
+              <a:t>State </a:t>
+            </a:r>
+            <a:r>
+              <a:rPr lang="zh-CN" altLang="en-US" dirty="0"/>
+              <a:t>的计算过程就叫做 </a:t>
+            </a:r>
+            <a:r>
+              <a:rPr lang="en-US" dirty="0"/>
+              <a:t>Reducer</a:t>
             </a:r>
             <a:r>
               <a:rPr lang="en-US" dirty="0" smtClean="0"/>
@@ -4389,49 +4351,91 @@
           </a:p>
           <a:p>
             <a:r>
-              <a:rPr lang="en-US" dirty="0">
-                <a:solidFill>
-                  <a:srgbClr val="FF0000"/>
-                </a:solidFill>
-              </a:rPr>
+              <a:rPr lang="en-US" dirty="0"/>
               <a:t>Reducer </a:t>
             </a:r>
             <a:r>
-              <a:rPr lang="zh-CN" altLang="en-US" dirty="0">
-                <a:solidFill>
-                  <a:srgbClr val="FF0000"/>
-                </a:solidFill>
-              </a:rPr>
-              <a:t>函数里面不能改变 </a:t>
-            </a:r>
-            <a:r>
-              <a:rPr lang="en-US" dirty="0">
-                <a:solidFill>
-                  <a:srgbClr val="FF0000"/>
-                </a:solidFill>
-              </a:rPr>
-              <a:t>State，</a:t>
-            </a:r>
-            <a:r>
-              <a:rPr lang="zh-CN" altLang="en-US" dirty="0">
-                <a:solidFill>
-                  <a:srgbClr val="FF0000"/>
-                </a:solidFill>
-              </a:rPr>
-              <a:t>必须返回一个全新的对象</a:t>
-            </a:r>
-            <a:endParaRPr lang="en-US" dirty="0">
-              <a:solidFill>
-                <a:srgbClr val="FF0000"/>
-              </a:solidFill>
-            </a:endParaRPr>
+              <a:rPr lang="zh-CN" altLang="en-US" dirty="0"/>
+              <a:t>是一个函数，它接受 </a:t>
+            </a:r>
+            <a:r>
+              <a:rPr lang="en-US" dirty="0"/>
+              <a:t>Action </a:t>
+            </a:r>
+            <a:r>
+              <a:rPr lang="zh-CN" altLang="en-US" dirty="0"/>
+              <a:t>和当前 </a:t>
+            </a:r>
+            <a:r>
+              <a:rPr lang="en-US" dirty="0"/>
+              <a:t>State </a:t>
+            </a:r>
+            <a:r>
+              <a:rPr lang="zh-CN" altLang="en-US" dirty="0"/>
+              <a:t>作为参数，返</a:t>
+            </a:r>
+            <a:r>
+              <a:rPr lang="zh-CN" altLang="en-US" dirty="0" smtClean="0"/>
+              <a:t>回</a:t>
+            </a:r>
+            <a:endParaRPr lang="en-US" altLang="zh-CN" dirty="0" smtClean="0"/>
+          </a:p>
+          <a:p>
+            <a:r>
+              <a:rPr lang="en-US" dirty="0" err="1"/>
+              <a:t>const</a:t>
+            </a:r>
+            <a:r>
+              <a:rPr lang="en-US" dirty="0"/>
+              <a:t> reducer = function (state, action) { </a:t>
+            </a:r>
+            <a:endParaRPr lang="en-US" dirty="0" smtClean="0"/>
+          </a:p>
+          <a:p>
+            <a:r>
+              <a:rPr lang="en-US" dirty="0" smtClean="0"/>
+              <a:t>// </a:t>
+            </a:r>
+            <a:r>
+              <a:rPr lang="en-US" dirty="0"/>
+              <a:t>... return </a:t>
+            </a:r>
+            <a:r>
+              <a:rPr lang="en-US" dirty="0" err="1"/>
+              <a:t>new_state</a:t>
+            </a:r>
+            <a:r>
+              <a:rPr lang="en-US" dirty="0"/>
+              <a:t>; </a:t>
+            </a:r>
+            <a:endParaRPr lang="en-US" dirty="0" smtClean="0"/>
+          </a:p>
+          <a:p>
+            <a:r>
+              <a:rPr lang="en-US" dirty="0" smtClean="0"/>
+              <a:t>};</a:t>
+            </a:r>
+          </a:p>
+          <a:p>
+            <a:r>
+              <a:rPr lang="zh-CN" altLang="en-US" dirty="0" smtClean="0"/>
+              <a:t>一</a:t>
+            </a:r>
+            <a:r>
+              <a:rPr lang="zh-CN" altLang="en-US" dirty="0"/>
+              <a:t>个新的 </a:t>
+            </a:r>
+            <a:r>
+              <a:rPr lang="en-US" dirty="0"/>
+              <a:t>State。</a:t>
+            </a:r>
           </a:p>
         </p:txBody>
       </p:sp>
     </p:spTree>
     <p:extLst>
       <p:ext uri="{BB962C8B-B14F-4D97-AF65-F5344CB8AC3E}">
-        <p14:creationId xmlns:p14="http://schemas.microsoft.com/office/powerpoint/2010/main" val="4153045542"/>
+        <p14:creationId xmlns:p14="http://schemas.microsoft.com/office/powerpoint/2010/main" val="1057862140"/>
       </p:ext>
     </p:extLst>
   </p:cSld>
@@ -4458,167 +4462,66 @@
           <a:chExt cx="0" cy="0"/>
         </a:xfrm>
       </p:grpSpPr>
-      <p:sp>
-        <p:nvSpPr>
-          <p:cNvPr id="3" name="Content Placeholder 2"/>
-          <p:cNvSpPr>
-            <a:spLocks noGrp="1"/>
-          </p:cNvSpPr>
+      <p:pic>
+        <p:nvPicPr>
+          <p:cNvPr id="8194" name="Picture 2"/>
+          <p:cNvPicPr>
+            <a:picLocks noGrp="1" noChangeAspect="1" noChangeArrowheads="1"/>
+          </p:cNvPicPr>
           <p:nvPr>
             <p:ph idx="1"/>
           </p:nvPr>
-        </p:nvSpPr>
-        <p:spPr>
+        </p:nvPicPr>
+        <p:blipFill>
+          <a:blip r:embed="rId2">
+            <a:extLst>
+              <a:ext uri="{28A0092B-C50C-407E-A947-70E740481C1C}">
+                <a14:useLocalDpi xmlns:a14="http://schemas.microsoft.com/office/drawing/2010/main" val="0"/>
+              </a:ext>
+            </a:extLst>
+          </a:blip>
+          <a:srcRect/>
+          <a:stretch>
+            <a:fillRect/>
+          </a:stretch>
+        </p:blipFill>
+        <p:spPr bwMode="auto">
           <a:xfrm>
-            <a:off x="457200" y="381000"/>
-            <a:ext cx="8229600" cy="5745163"/>
+            <a:off x="3276600" y="1295400"/>
+            <a:ext cx="2595635" cy="4525963"/>
           </a:xfrm>
+          <a:prstGeom prst="rect">
+            <a:avLst/>
+          </a:prstGeom>
+          <a:noFill/>
+          <a:ln>
+            <a:noFill/>
+          </a:ln>
+          <a:extLst>
+            <a:ext uri="{909E8E84-426E-40DD-AFC4-6F175D3DCCD1}">
+              <a14:hiddenFill xmlns:a14="http://schemas.microsoft.com/office/drawing/2010/main">
+                <a:solidFill>
+                  <a:schemeClr val="accent1"/>
+                </a:solidFill>
+              </a14:hiddenFill>
+            </a:ext>
+            <a:ext uri="{91240B29-F687-4F45-9708-019B960494DF}">
+              <a14:hiddenLine xmlns:a14="http://schemas.microsoft.com/office/drawing/2010/main" w="9525">
+                <a:solidFill>
+                  <a:schemeClr val="tx1"/>
+                </a:solidFill>
+                <a:miter lim="800000"/>
+                <a:headEnd/>
+                <a:tailEnd/>
+              </a14:hiddenLine>
+            </a:ext>
+          </a:extLst>
         </p:spPr>
-        <p:txBody>
-          <a:bodyPr>
-            <a:normAutofit lnSpcReduction="10000"/>
-          </a:bodyPr>
-          <a:lstStyle/>
-          <a:p>
-            <a:r>
-              <a:rPr lang="zh-CN" altLang="en-US" dirty="0"/>
-              <a:t>为什么这个函数叫做 </a:t>
-            </a:r>
-            <a:r>
-              <a:rPr lang="en-US" altLang="zh-CN" dirty="0"/>
-              <a:t>Reducer </a:t>
-            </a:r>
-            <a:r>
-              <a:rPr lang="zh-CN" altLang="en-US" dirty="0"/>
-              <a:t>呢？因为它可以作为数组的</a:t>
-            </a:r>
-            <a:r>
-              <a:rPr lang="en-US" altLang="zh-CN" dirty="0"/>
-              <a:t>reduce</a:t>
-            </a:r>
-            <a:r>
-              <a:rPr lang="zh-CN" altLang="en-US" dirty="0"/>
-              <a:t>方法的参数。请看下面的例子，一系列 </a:t>
-            </a:r>
-            <a:r>
-              <a:rPr lang="en-US" altLang="zh-CN" dirty="0"/>
-              <a:t>Action </a:t>
-            </a:r>
-            <a:r>
-              <a:rPr lang="zh-CN" altLang="en-US" dirty="0"/>
-              <a:t>对象按照顺序作为一个数组。</a:t>
-            </a:r>
-          </a:p>
-          <a:p>
-            <a:r>
-              <a:rPr lang="en-US" dirty="0" err="1"/>
-              <a:t>const</a:t>
-            </a:r>
-            <a:r>
-              <a:rPr lang="en-US" dirty="0"/>
-              <a:t> actions = </a:t>
-            </a:r>
-            <a:r>
-              <a:rPr lang="en-US" dirty="0" smtClean="0"/>
-              <a:t>[</a:t>
-            </a:r>
-          </a:p>
-          <a:p>
-            <a:pPr marL="0" indent="0">
-              <a:buNone/>
-            </a:pPr>
-            <a:r>
-              <a:rPr lang="en-US" dirty="0"/>
-              <a:t>	</a:t>
-            </a:r>
-            <a:r>
-              <a:rPr lang="en-US" dirty="0" smtClean="0"/>
-              <a:t>{ </a:t>
-            </a:r>
-            <a:r>
-              <a:rPr lang="en-US" dirty="0"/>
-              <a:t>type: 'ADD', payload: 0 }, </a:t>
-            </a:r>
-            <a:endParaRPr lang="en-US" dirty="0" smtClean="0"/>
-          </a:p>
-          <a:p>
-            <a:pPr marL="0" indent="0">
-              <a:buNone/>
-            </a:pPr>
-            <a:r>
-              <a:rPr lang="en-US" dirty="0" smtClean="0"/>
-              <a:t>	{ </a:t>
-            </a:r>
-            <a:r>
-              <a:rPr lang="en-US" dirty="0"/>
-              <a:t>type: 'ADD', payload: 1 }, </a:t>
-            </a:r>
-            <a:endParaRPr lang="en-US" dirty="0" smtClean="0"/>
-          </a:p>
-          <a:p>
-            <a:pPr marL="0" indent="0">
-              <a:buNone/>
-            </a:pPr>
-            <a:r>
-              <a:rPr lang="en-US" dirty="0" smtClean="0"/>
-              <a:t>	{ </a:t>
-            </a:r>
-            <a:r>
-              <a:rPr lang="en-US" dirty="0"/>
-              <a:t>type: 'ADD', payload: 2 </a:t>
-            </a:r>
-            <a:r>
-              <a:rPr lang="en-US" dirty="0" smtClean="0"/>
-              <a:t>}</a:t>
-            </a:r>
-          </a:p>
-          <a:p>
-            <a:r>
-              <a:rPr lang="en-US" dirty="0" smtClean="0"/>
-              <a:t> </a:t>
-            </a:r>
-            <a:r>
-              <a:rPr lang="en-US" dirty="0"/>
-              <a:t>]; </a:t>
-            </a:r>
-            <a:endParaRPr lang="en-US" dirty="0" smtClean="0"/>
-          </a:p>
-          <a:p>
-            <a:r>
-              <a:rPr lang="en-US" dirty="0" err="1" smtClean="0"/>
-              <a:t>const</a:t>
-            </a:r>
-            <a:r>
-              <a:rPr lang="en-US" dirty="0" smtClean="0"/>
-              <a:t> </a:t>
-            </a:r>
-            <a:r>
-              <a:rPr lang="en-US" dirty="0"/>
-              <a:t>total = </a:t>
-            </a:r>
-            <a:r>
-              <a:rPr lang="en-US" dirty="0" err="1"/>
-              <a:t>actions.reduce</a:t>
-            </a:r>
-            <a:r>
-              <a:rPr lang="en-US" dirty="0"/>
-              <a:t>(reducer, 0); // 3</a:t>
-            </a:r>
-            <a:r>
-              <a:rPr lang="zh-CN" altLang="en-US" dirty="0"/>
-              <a:t/>
-            </a:r>
-            <a:br>
-              <a:rPr lang="zh-CN" altLang="en-US" dirty="0"/>
-            </a:br>
-            <a:endParaRPr lang="en-US" dirty="0"/>
-          </a:p>
-        </p:txBody>
-      </p:sp>
+      </p:pic>
     </p:spTree>
     <p:extLst>
       <p:ext uri="{BB962C8B-B14F-4D97-AF65-F5344CB8AC3E}">
-        <p14:creationId xmlns:p14="http://schemas.microsoft.com/office/powerpoint/2010/main" val="1638485204"/>
+        <p14:creationId xmlns:p14="http://schemas.microsoft.com/office/powerpoint/2010/main" val="1314206903"/>
       </p:ext>
     </p:extLst>
   </p:cSld>
@@ -4647,33 +4550,6 @@
       </p:grpSpPr>
       <p:sp>
         <p:nvSpPr>
-          <p:cNvPr id="2" name="Title 1"/>
-          <p:cNvSpPr>
-            <a:spLocks noGrp="1"/>
-          </p:cNvSpPr>
-          <p:nvPr>
-            <p:ph type="title"/>
-          </p:nvPr>
-        </p:nvSpPr>
-        <p:spPr/>
-        <p:txBody>
-          <a:bodyPr/>
-          <a:lstStyle/>
-          <a:p>
-            <a:r>
-              <a:rPr lang="en-US" altLang="zh-CN" dirty="0" smtClean="0"/>
-              <a:t>Reducer</a:t>
-            </a:r>
-            <a:r>
-              <a:rPr lang="zh-CN" altLang="en-US" dirty="0" smtClean="0"/>
-              <a:t>函数需要是幂等的</a:t>
-            </a:r>
-            <a:endParaRPr lang="en-US" dirty="0"/>
-          </a:p>
-        </p:txBody>
-      </p:sp>
-      <p:sp>
-        <p:nvSpPr>
           <p:cNvPr id="3" name="Content Placeholder 2"/>
           <p:cNvSpPr>
             <a:spLocks noGrp="1"/>
@@ -4682,80 +4558,191 @@
             <p:ph idx="1"/>
           </p:nvPr>
         </p:nvSpPr>
-        <p:spPr/>
-        <p:txBody>
-          <a:bodyPr/>
-          <a:lstStyle/>
-          <a:p>
-            <a:r>
-              <a:rPr lang="en-US" altLang="zh-CN" dirty="0"/>
-              <a:t>Reducer </a:t>
-            </a:r>
-            <a:r>
-              <a:rPr lang="zh-CN" altLang="en-US" dirty="0"/>
-              <a:t>函数最重要的特征是，它是一个纯函数。也就是说，只要是同样的输入，必定得到同样的输出</a:t>
-            </a:r>
-            <a:r>
-              <a:rPr lang="zh-CN" altLang="en-US" dirty="0" smtClean="0"/>
-              <a:t>。</a:t>
-            </a:r>
-            <a:endParaRPr lang="en-US" altLang="zh-CN" dirty="0" smtClean="0"/>
-          </a:p>
-          <a:p>
-            <a:r>
-              <a:rPr lang="zh-CN" altLang="en-US" dirty="0"/>
-              <a:t>不得改写参数</a:t>
-            </a:r>
-          </a:p>
-          <a:p>
-            <a:r>
-              <a:rPr lang="zh-CN" altLang="en-US" dirty="0"/>
-              <a:t>不能调用系统 </a:t>
-            </a:r>
-            <a:r>
-              <a:rPr lang="en-US" altLang="zh-CN" dirty="0"/>
-              <a:t>I/O </a:t>
-            </a:r>
-            <a:r>
-              <a:rPr lang="zh-CN" altLang="en-US" dirty="0"/>
-              <a:t>的</a:t>
-            </a:r>
-            <a:r>
-              <a:rPr lang="en-US" altLang="zh-CN" dirty="0"/>
-              <a:t>API</a:t>
-            </a:r>
-          </a:p>
-          <a:p>
-            <a:r>
-              <a:rPr lang="zh-CN" altLang="en-US" dirty="0"/>
-              <a:t>不能调用</a:t>
-            </a:r>
-            <a:r>
-              <a:rPr lang="en-US" altLang="zh-CN" dirty="0" err="1"/>
-              <a:t>Date.now</a:t>
-            </a:r>
-            <a:r>
-              <a:rPr lang="en-US" altLang="zh-CN" dirty="0"/>
-              <a:t>()</a:t>
-            </a:r>
-            <a:r>
-              <a:rPr lang="zh-CN" altLang="en-US" dirty="0"/>
-              <a:t>或者</a:t>
-            </a:r>
-            <a:r>
-              <a:rPr lang="en-US" altLang="zh-CN" dirty="0" err="1"/>
-              <a:t>Math.random</a:t>
-            </a:r>
-            <a:r>
-              <a:rPr lang="en-US" altLang="zh-CN" dirty="0"/>
-              <a:t>()</a:t>
-            </a:r>
-            <a:r>
-              <a:rPr lang="zh-CN" altLang="en-US" dirty="0"/>
-              <a:t>等不纯的方法，因为每次会得到不一样的结果</a:t>
-            </a:r>
-          </a:p>
-          <a:p>
+        <p:spPr>
+          <a:xfrm>
+            <a:off x="457200" y="381000"/>
+            <a:ext cx="8229600" cy="5745163"/>
+          </a:xfrm>
+        </p:spPr>
+        <p:txBody>
+          <a:bodyPr>
+            <a:normAutofit lnSpcReduction="10000"/>
+          </a:bodyPr>
+          <a:lstStyle/>
+          <a:p>
+            <a:pPr marL="0" indent="0">
+              <a:buNone/>
+            </a:pPr>
+            <a:r>
+              <a:rPr lang="en-US" dirty="0" err="1"/>
+              <a:t>const</a:t>
+            </a:r>
+            <a:r>
+              <a:rPr lang="en-US" dirty="0"/>
+              <a:t> </a:t>
+            </a:r>
+            <a:r>
+              <a:rPr lang="en-US" dirty="0" err="1"/>
+              <a:t>defaultState</a:t>
+            </a:r>
+            <a:r>
+              <a:rPr lang="en-US" dirty="0"/>
+              <a:t> = 0; </a:t>
+            </a:r>
+            <a:endParaRPr lang="en-US" dirty="0" smtClean="0"/>
+          </a:p>
+          <a:p>
+            <a:pPr marL="0" indent="0">
+              <a:buNone/>
+            </a:pPr>
+            <a:r>
+              <a:rPr lang="en-US" dirty="0" err="1" smtClean="0"/>
+              <a:t>const</a:t>
+            </a:r>
+            <a:r>
+              <a:rPr lang="en-US" dirty="0" smtClean="0"/>
+              <a:t> </a:t>
+            </a:r>
+            <a:r>
+              <a:rPr lang="en-US" dirty="0"/>
+              <a:t>reducer = (state = </a:t>
+            </a:r>
+            <a:r>
+              <a:rPr lang="en-US" dirty="0" err="1"/>
+              <a:t>defaultState</a:t>
+            </a:r>
+            <a:r>
+              <a:rPr lang="en-US" dirty="0"/>
+              <a:t>, action) =&gt; { </a:t>
+            </a:r>
+            <a:endParaRPr lang="en-US" dirty="0" smtClean="0"/>
+          </a:p>
+          <a:p>
+            <a:pPr marL="0" indent="0">
+              <a:buNone/>
+            </a:pPr>
+            <a:r>
+              <a:rPr lang="en-US" dirty="0" smtClean="0"/>
+              <a:t>  switch </a:t>
+            </a:r>
+            <a:r>
+              <a:rPr lang="en-US" dirty="0"/>
+              <a:t>(</a:t>
+            </a:r>
+            <a:r>
+              <a:rPr lang="en-US" dirty="0" err="1"/>
+              <a:t>action.type</a:t>
+            </a:r>
+            <a:r>
+              <a:rPr lang="en-US" dirty="0"/>
+              <a:t>) { </a:t>
+            </a:r>
+            <a:endParaRPr lang="en-US" dirty="0" smtClean="0"/>
+          </a:p>
+          <a:p>
+            <a:pPr marL="0" indent="0">
+              <a:buNone/>
+            </a:pPr>
+            <a:r>
+              <a:rPr lang="en-US" dirty="0" smtClean="0"/>
+              <a:t>    case </a:t>
+            </a:r>
+            <a:r>
+              <a:rPr lang="en-US" dirty="0"/>
+              <a:t>'ADD': return state + </a:t>
+            </a:r>
+            <a:r>
+              <a:rPr lang="en-US" dirty="0" err="1"/>
+              <a:t>action.payload</a:t>
+            </a:r>
+            <a:r>
+              <a:rPr lang="en-US" dirty="0"/>
+              <a:t>; </a:t>
+            </a:r>
+            <a:endParaRPr lang="en-US" dirty="0" smtClean="0"/>
+          </a:p>
+          <a:p>
+            <a:pPr marL="0" indent="0">
+              <a:buNone/>
+            </a:pPr>
+            <a:r>
+              <a:rPr lang="en-US" dirty="0"/>
+              <a:t> </a:t>
+            </a:r>
+            <a:r>
+              <a:rPr lang="en-US" dirty="0" smtClean="0"/>
+              <a:t>   default</a:t>
+            </a:r>
+            <a:r>
+              <a:rPr lang="en-US" dirty="0"/>
+              <a:t>: return state; </a:t>
+            </a:r>
+            <a:endParaRPr lang="en-US" dirty="0" smtClean="0"/>
+          </a:p>
+          <a:p>
+            <a:pPr marL="0" indent="0">
+              <a:buNone/>
+            </a:pPr>
+            <a:r>
+              <a:rPr lang="en-US" dirty="0" smtClean="0"/>
+              <a:t>  } </a:t>
+            </a:r>
+          </a:p>
+          <a:p>
+            <a:pPr marL="0" indent="0">
+              <a:buNone/>
+            </a:pPr>
+            <a:r>
+              <a:rPr lang="en-US" dirty="0" smtClean="0"/>
+              <a:t>}; </a:t>
+            </a:r>
+          </a:p>
+          <a:p>
+            <a:pPr marL="0" indent="0">
+              <a:buNone/>
+            </a:pPr>
+            <a:r>
+              <a:rPr lang="en-US" dirty="0" err="1" smtClean="0"/>
+              <a:t>const</a:t>
+            </a:r>
+            <a:r>
+              <a:rPr lang="en-US" dirty="0" smtClean="0"/>
+              <a:t> </a:t>
+            </a:r>
+            <a:r>
+              <a:rPr lang="en-US" dirty="0"/>
+              <a:t>state = reducer</a:t>
+            </a:r>
+            <a:r>
+              <a:rPr lang="en-US" dirty="0" smtClean="0"/>
+              <a:t>(</a:t>
+            </a:r>
+          </a:p>
+          <a:p>
+            <a:pPr marL="0" indent="0">
+              <a:buNone/>
+            </a:pPr>
+            <a:r>
+              <a:rPr lang="en-US" dirty="0" smtClean="0"/>
+              <a:t>1</a:t>
+            </a:r>
+            <a:r>
+              <a:rPr lang="en-US" dirty="0"/>
+              <a:t>, { type: 'ADD', payload: 2 </a:t>
+            </a:r>
+            <a:r>
+              <a:rPr lang="en-US" dirty="0" smtClean="0"/>
+              <a:t>}</a:t>
+            </a:r>
+          </a:p>
+          <a:p>
+            <a:pPr marL="0" indent="0">
+              <a:buNone/>
+            </a:pPr>
+            <a:r>
+              <a:rPr lang="en-US" dirty="0" smtClean="0"/>
+              <a:t>);</a:t>
+            </a:r>
             <a:endParaRPr lang="en-US" dirty="0"/>
           </a:p>
         </p:txBody>
@@ -4763,7 +4750,7 @@
     </p:spTree>
     <p:extLst>
       <p:ext uri="{BB962C8B-B14F-4D97-AF65-F5344CB8AC3E}">
-        <p14:creationId xmlns:p14="http://schemas.microsoft.com/office/powerpoint/2010/main" val="315247004"/>
+        <p14:creationId xmlns:p14="http://schemas.microsoft.com/office/powerpoint/2010/main" val="3453396219"/>
       </p:ext>
     </p:extLst>
   </p:cSld>
@@ -4802,81 +4789,129 @@
         </p:nvSpPr>
         <p:spPr/>
         <p:txBody>
+          <a:bodyPr/>
+          <a:lstStyle/>
+          <a:p>
+            <a:r>
+              <a:rPr lang="zh-CN" altLang="en-US" dirty="0"/>
+              <a:t>不</a:t>
+            </a:r>
+            <a:r>
+              <a:rPr lang="zh-CN" altLang="en-US" dirty="0" smtClean="0"/>
+              <a:t>要手动调用</a:t>
+            </a:r>
+            <a:r>
+              <a:rPr lang="en-US" altLang="zh-CN" dirty="0" smtClean="0"/>
+              <a:t>Reducer</a:t>
+            </a:r>
+            <a:endParaRPr lang="en-US" dirty="0"/>
+          </a:p>
+        </p:txBody>
+      </p:sp>
+      <p:sp>
+        <p:nvSpPr>
+          <p:cNvPr id="3" name="Content Placeholder 2"/>
+          <p:cNvSpPr>
+            <a:spLocks noGrp="1"/>
+          </p:cNvSpPr>
+          <p:nvPr>
+            <p:ph idx="1"/>
+          </p:nvPr>
+        </p:nvSpPr>
+        <p:spPr/>
+        <p:txBody>
           <a:bodyPr>
-            <a:normAutofit/>
+            <a:normAutofit fontScale="77500" lnSpcReduction="20000"/>
           </a:bodyPr>
           <a:lstStyle/>
           <a:p>
             <a:r>
+              <a:rPr lang="zh-CN" altLang="en-US" dirty="0"/>
+              <a:t>实际应用中，</a:t>
+            </a:r>
+            <a:r>
+              <a:rPr lang="en-US" dirty="0"/>
+              <a:t>Reducer </a:t>
+            </a:r>
+            <a:r>
+              <a:rPr lang="zh-CN" altLang="en-US" dirty="0"/>
+              <a:t>函数不用像上面这样手动调用，</a:t>
+            </a:r>
+            <a:r>
               <a:rPr lang="en-US" dirty="0" err="1"/>
-              <a:t>store.subscribe</a:t>
-            </a:r>
-            <a:r>
-              <a:rPr lang="en-US" dirty="0" smtClean="0"/>
-              <a:t>()</a:t>
-            </a:r>
-            <a:endParaRPr lang="en-US" dirty="0"/>
-          </a:p>
-        </p:txBody>
-      </p:sp>
-      <p:sp>
-        <p:nvSpPr>
-          <p:cNvPr id="3" name="Content Placeholder 2"/>
-          <p:cNvSpPr>
-            <a:spLocks noGrp="1"/>
-          </p:cNvSpPr>
-          <p:nvPr>
-            <p:ph idx="1"/>
-          </p:nvPr>
-        </p:nvSpPr>
-        <p:spPr/>
-        <p:txBody>
-          <a:bodyPr/>
-          <a:lstStyle/>
-          <a:p>
-            <a:r>
-              <a:rPr lang="en-US" altLang="zh-CN" dirty="0"/>
+              <a:t>store.dispatch</a:t>
+            </a:r>
+            <a:r>
+              <a:rPr lang="zh-CN" altLang="en-US" dirty="0"/>
+              <a:t>方法会触发 </a:t>
+            </a:r>
+            <a:r>
+              <a:rPr lang="en-US" dirty="0"/>
+              <a:t>Reducer </a:t>
+            </a:r>
+            <a:r>
+              <a:rPr lang="zh-CN" altLang="en-US" dirty="0"/>
+              <a:t>的自动执行。为此，</a:t>
+            </a:r>
+            <a:r>
+              <a:rPr lang="en-US" dirty="0"/>
               <a:t>Store </a:t>
             </a:r>
             <a:r>
               <a:rPr lang="zh-CN" altLang="en-US" dirty="0"/>
-              <a:t>允许使用</a:t>
-            </a:r>
-            <a:r>
-              <a:rPr lang="en-US" altLang="zh-CN" dirty="0" err="1"/>
-              <a:t>store.subscribe</a:t>
-            </a:r>
-            <a:r>
-              <a:rPr lang="zh-CN" altLang="en-US" dirty="0"/>
-              <a:t>方法设置监听函数，一旦 </a:t>
-            </a:r>
-            <a:r>
-              <a:rPr lang="en-US" altLang="zh-CN" dirty="0"/>
-              <a:t>State </a:t>
-            </a:r>
-            <a:r>
-              <a:rPr lang="zh-CN" altLang="en-US" dirty="0"/>
-              <a:t>发生变化，就自动执行这个函</a:t>
-            </a:r>
-            <a:r>
-              <a:rPr lang="zh-CN" altLang="en-US" dirty="0" smtClean="0"/>
-              <a:t>数</a:t>
-            </a:r>
-            <a:endParaRPr lang="en-US" altLang="zh-CN" dirty="0" smtClean="0"/>
-          </a:p>
-          <a:p>
-            <a:endParaRPr lang="en-US" dirty="0"/>
-          </a:p>
-          <a:p>
-            <a:r>
-              <a:rPr lang="en-US" dirty="0"/>
-              <a:t>import { </a:t>
+              <a:t>需要知道 </a:t>
+            </a:r>
+            <a:r>
+              <a:rPr lang="en-US" dirty="0"/>
+              <a:t>Reducer </a:t>
+            </a:r>
+            <a:r>
+              <a:rPr lang="zh-CN" altLang="en-US" dirty="0"/>
+              <a:t>函数，做法就是在生成 </a:t>
+            </a:r>
+            <a:r>
+              <a:rPr lang="en-US" dirty="0"/>
+              <a:t>Store </a:t>
+            </a:r>
+            <a:r>
+              <a:rPr lang="zh-CN" altLang="en-US" dirty="0"/>
+              <a:t>的时候，将 </a:t>
+            </a:r>
+            <a:r>
+              <a:rPr lang="en-US" dirty="0"/>
+              <a:t>Reducer </a:t>
+            </a:r>
+            <a:r>
+              <a:rPr lang="zh-CN" altLang="en-US" dirty="0"/>
+              <a:t>传入</a:t>
             </a:r>
             <a:r>
               <a:rPr lang="en-US" dirty="0" err="1"/>
               <a:t>createStore</a:t>
             </a:r>
             <a:r>
+              <a:rPr lang="zh-CN" altLang="en-US" dirty="0"/>
+              <a:t>方法。</a:t>
+            </a:r>
+            <a:endParaRPr lang="en-US" dirty="0" smtClean="0"/>
+          </a:p>
+          <a:p>
+            <a:endParaRPr lang="en-US" dirty="0"/>
+          </a:p>
+          <a:p>
+            <a:r>
+              <a:rPr lang="en-US" dirty="0" smtClean="0"/>
+              <a:t>import </a:t>
+            </a:r>
+            <a:r>
+              <a:rPr lang="en-US" dirty="0"/>
+              <a:t>{ </a:t>
+            </a:r>
+            <a:r>
+              <a:rPr lang="en-US" dirty="0" err="1"/>
+              <a:t>createStore</a:t>
+            </a:r>
+            <a:r>
               <a:rPr lang="en-US" dirty="0"/>
               <a:t> } from '</a:t>
             </a:r>
@@ -4891,13 +4926,6 @@
             <a:endParaRPr lang="en-US" dirty="0" smtClean="0"/>
           </a:p>
           <a:p>
-            <a:pPr marL="0" indent="0">
-              <a:buNone/>
-            </a:pPr>
-            <a:r>
-              <a:rPr lang="en-US" dirty="0" smtClean="0"/>
-              <a:t>   </a:t>
-            </a:r>
             <a:r>
               <a:rPr lang="en-US" dirty="0" err="1" smtClean="0"/>
               <a:t>const</a:t>
@@ -4916,44 +4944,119 @@
             </a:r>
             <a:r>
               <a:rPr lang="en-US" dirty="0"/>
-              <a:t>(reducer); </a:t>
+              <a:t>(reducer</a:t>
             </a:r>
             <a:r>
               <a:rPr lang="en-US" dirty="0" smtClean="0"/>
-              <a:t>   </a:t>
-            </a:r>
-          </a:p>
-          <a:p>
-            <a:pPr marL="0" indent="0">
-              <a:buNone/>
-            </a:pPr>
-            <a:r>
-              <a:rPr lang="en-US" dirty="0"/>
-              <a:t> </a:t>
+              <a:t>);</a:t>
+            </a:r>
+          </a:p>
+          <a:p>
+            <a:endParaRPr lang="en-US" dirty="0" smtClean="0"/>
+          </a:p>
+          <a:p>
+            <a:r>
+              <a:rPr lang="en-US" dirty="0" err="1"/>
+              <a:t>createStore</a:t>
+            </a:r>
+            <a:r>
+              <a:rPr lang="zh-CN" altLang="en-US" dirty="0"/>
+              <a:t>接受 </a:t>
+            </a:r>
+            <a:r>
+              <a:rPr lang="en-US" dirty="0"/>
+              <a:t>Reducer </a:t>
+            </a:r>
+            <a:r>
+              <a:rPr lang="zh-CN" altLang="en-US" dirty="0"/>
+              <a:t>作为参数，生成一个新的 </a:t>
+            </a:r>
+            <a:r>
+              <a:rPr lang="en-US" dirty="0"/>
+              <a:t>Store。</a:t>
+            </a:r>
+            <a:r>
+              <a:rPr lang="zh-CN" altLang="en-US" dirty="0"/>
+              <a:t>以后每当</a:t>
+            </a:r>
+            <a:r>
+              <a:rPr lang="en-US" dirty="0" err="1"/>
+              <a:t>store.dispatch</a:t>
+            </a:r>
+            <a:r>
+              <a:rPr lang="zh-CN" altLang="en-US" dirty="0"/>
+              <a:t>发送过来一个新的 </a:t>
+            </a:r>
+            <a:r>
+              <a:rPr lang="en-US" dirty="0"/>
+              <a:t>Action，</a:t>
+            </a:r>
+            <a:r>
+              <a:rPr lang="zh-CN" altLang="en-US" dirty="0"/>
+              <a:t>就会自动调用 </a:t>
+            </a:r>
+            <a:r>
+              <a:rPr lang="en-US" dirty="0"/>
+              <a:t>Reducer，</a:t>
+            </a:r>
+            <a:r>
+              <a:rPr lang="zh-CN" altLang="en-US" dirty="0"/>
+              <a:t>得到新的 </a:t>
+            </a:r>
+            <a:r>
+              <a:rPr lang="en-US" dirty="0"/>
+              <a:t>State</a:t>
             </a:r>
             <a:r>
               <a:rPr lang="en-US" dirty="0" smtClean="0"/>
-              <a:t>  </a:t>
-            </a:r>
-            <a:r>
-              <a:rPr lang="en-US" dirty="0" err="1" smtClean="0"/>
-              <a:t>store.subscribe</a:t>
-            </a:r>
-            <a:r>
-              <a:rPr lang="en-US" dirty="0" smtClean="0"/>
-              <a:t>(listener</a:t>
-            </a:r>
-            <a:r>
-              <a:rPr lang="en-US" dirty="0"/>
-              <a:t>);</a:t>
-            </a:r>
+              <a:t>。</a:t>
+            </a:r>
+          </a:p>
+          <a:p>
+            <a:r>
+              <a:rPr lang="en-US" dirty="0">
+                <a:solidFill>
+                  <a:srgbClr val="FF0000"/>
+                </a:solidFill>
+              </a:rPr>
+              <a:t>Reducer </a:t>
+            </a:r>
+            <a:r>
+              <a:rPr lang="zh-CN" altLang="en-US" dirty="0">
+                <a:solidFill>
+                  <a:srgbClr val="FF0000"/>
+                </a:solidFill>
+              </a:rPr>
+              <a:t>函数里面不能改变 </a:t>
+            </a:r>
+            <a:r>
+              <a:rPr lang="en-US" dirty="0">
+                <a:solidFill>
+                  <a:srgbClr val="FF0000"/>
+                </a:solidFill>
+              </a:rPr>
+              <a:t>State，</a:t>
+            </a:r>
+            <a:r>
+              <a:rPr lang="zh-CN" altLang="en-US" dirty="0">
+                <a:solidFill>
+                  <a:srgbClr val="FF0000"/>
+                </a:solidFill>
+              </a:rPr>
+              <a:t>必须返回一个全新的对象</a:t>
+            </a:r>
+            <a:endParaRPr lang="en-US" dirty="0">
+              <a:solidFill>
+                <a:srgbClr val="FF0000"/>
+              </a:solidFill>
+            </a:endParaRPr>
           </a:p>
         </p:txBody>
       </p:sp>
     </p:spTree>
     <p:extLst>
       <p:ext uri="{BB962C8B-B14F-4D97-AF65-F5344CB8AC3E}">
-        <p14:creationId xmlns:p14="http://schemas.microsoft.com/office/powerpoint/2010/main" val="3860099794"/>
+        <p14:creationId xmlns:p14="http://schemas.microsoft.com/office/powerpoint/2010/main" val="4153045542"/>
       </p:ext>
     </p:extLst>
   </p:cSld>
@@ -4982,127 +5085,165 @@
       </p:grpSpPr>
       <p:sp>
         <p:nvSpPr>
-          <p:cNvPr id="2" name="Title 1"/>
-          <p:cNvSpPr>
-            <a:spLocks noGrp="1"/>
-          </p:cNvSpPr>
-          <p:nvPr>
-            <p:ph type="title"/>
-          </p:nvPr>
-        </p:nvSpPr>
-        <p:spPr/>
-        <p:txBody>
-          <a:bodyPr/>
-          <a:lstStyle/>
-          <a:p>
-            <a:r>
-              <a:rPr lang="zh-CN" altLang="en-US" dirty="0" smtClean="0"/>
-              <a:t>如何卸载监听器</a:t>
-            </a:r>
+          <p:cNvPr id="3" name="Content Placeholder 2"/>
+          <p:cNvSpPr>
+            <a:spLocks noGrp="1"/>
+          </p:cNvSpPr>
+          <p:nvPr>
+            <p:ph idx="1"/>
+          </p:nvPr>
+        </p:nvSpPr>
+        <p:spPr>
+          <a:xfrm>
+            <a:off x="457200" y="381000"/>
+            <a:ext cx="8229600" cy="5745163"/>
+          </a:xfrm>
+        </p:spPr>
+        <p:txBody>
+          <a:bodyPr>
+            <a:normAutofit lnSpcReduction="10000"/>
+          </a:bodyPr>
+          <a:lstStyle/>
+          <a:p>
+            <a:r>
+              <a:rPr lang="zh-CN" altLang="en-US" dirty="0"/>
+              <a:t>为什么这个函数叫做 </a:t>
+            </a:r>
+            <a:r>
+              <a:rPr lang="en-US" altLang="zh-CN" dirty="0"/>
+              <a:t>Reducer </a:t>
+            </a:r>
+            <a:r>
+              <a:rPr lang="zh-CN" altLang="en-US" dirty="0"/>
+              <a:t>呢？因为它可以作为数组的</a:t>
+            </a:r>
+            <a:r>
+              <a:rPr lang="en-US" altLang="zh-CN" dirty="0"/>
+              <a:t>reduce</a:t>
+            </a:r>
+            <a:r>
+              <a:rPr lang="zh-CN" altLang="en-US" dirty="0"/>
+              <a:t>方法的参数。请看下面的例子，一系列 </a:t>
+            </a:r>
+            <a:r>
+              <a:rPr lang="en-US" altLang="zh-CN" dirty="0"/>
+              <a:t>Action </a:t>
+            </a:r>
+            <a:r>
+              <a:rPr lang="zh-CN" altLang="en-US" dirty="0"/>
+              <a:t>对象按照顺序作为一个数组。</a:t>
+            </a:r>
+          </a:p>
+          <a:p>
+            <a:r>
+              <a:rPr lang="en-US" dirty="0" err="1"/>
+              <a:t>const</a:t>
+            </a:r>
+            <a:r>
+              <a:rPr lang="en-US" dirty="0"/>
+              <a:t> actions = </a:t>
+            </a:r>
+            <a:r>
+              <a:rPr lang="en-US" dirty="0" smtClean="0"/>
+              <a:t>[</a:t>
+            </a:r>
+          </a:p>
+          <a:p>
+            <a:pPr marL="0" indent="0">
+              <a:buNone/>
+            </a:pPr>
+            <a:r>
+              <a:rPr lang="en-US" dirty="0"/>
+              <a:t>	</a:t>
+            </a:r>
+            <a:r>
+              <a:rPr lang="en-US" dirty="0" smtClean="0"/>
+              <a:t>{ </a:t>
+            </a:r>
+            <a:r>
+              <a:rPr lang="en-US" dirty="0"/>
+              <a:t>type: 'ADD', payload: 0 }, </a:t>
+            </a:r>
+            <a:endParaRPr lang="en-US" dirty="0" smtClean="0"/>
+          </a:p>
+          <a:p>
+            <a:pPr marL="0" indent="0">
+              <a:buNone/>
+            </a:pPr>
+            <a:r>
+              <a:rPr lang="en-US" dirty="0" smtClean="0"/>
+              <a:t>	{ </a:t>
+            </a:r>
+            <a:r>
+              <a:rPr lang="en-US" dirty="0"/>
+              <a:t>type: 'ADD', payload: 1 }, </a:t>
+            </a:r>
+            <a:endParaRPr lang="en-US" dirty="0" smtClean="0"/>
+          </a:p>
+          <a:p>
+            <a:pPr marL="0" indent="0">
+              <a:buNone/>
+            </a:pPr>
+            <a:r>
+              <a:rPr lang="en-US" dirty="0" smtClean="0"/>
+              <a:t>	{ </a:t>
+            </a:r>
+            <a:r>
+              <a:rPr lang="en-US" dirty="0"/>
+              <a:t>type: 'ADD', payload: 2 </a:t>
+            </a:r>
+            <a:r>
+              <a:rPr lang="en-US" dirty="0" smtClean="0"/>
+              <a:t>}</a:t>
+            </a:r>
+          </a:p>
+          <a:p>
+            <a:r>
+              <a:rPr lang="en-US" dirty="0" smtClean="0"/>
+              <a:t> </a:t>
+            </a:r>
+            <a:r>
+              <a:rPr lang="en-US" dirty="0"/>
+              <a:t>]; </a:t>
+            </a:r>
+            <a:endParaRPr lang="en-US" dirty="0" smtClean="0"/>
+          </a:p>
+          <a:p>
+            <a:r>
+              <a:rPr lang="en-US" dirty="0" err="1" smtClean="0"/>
+              <a:t>const</a:t>
+            </a:r>
+            <a:r>
+              <a:rPr lang="en-US" dirty="0" smtClean="0"/>
+              <a:t> </a:t>
+            </a:r>
+            <a:r>
+              <a:rPr lang="en-US" dirty="0"/>
+              <a:t>total = </a:t>
+            </a:r>
+            <a:r>
+              <a:rPr lang="en-US" dirty="0" err="1"/>
+              <a:t>actions.reduce</a:t>
+            </a:r>
+            <a:r>
+              <a:rPr lang="en-US" dirty="0"/>
+              <a:t>(reducer, 0); // 3</a:t>
+            </a:r>
+            <a:r>
+              <a:rPr lang="zh-CN" altLang="en-US" dirty="0"/>
+              <a:t/>
+            </a:r>
+            <a:br>
+              <a:rPr lang="zh-CN" altLang="en-US" dirty="0"/>
+            </a:br>
             <a:endParaRPr lang="en-US" dirty="0"/>
-          </a:p>
-        </p:txBody>
-      </p:sp>
-      <p:sp>
-        <p:nvSpPr>
-          <p:cNvPr id="3" name="Content Placeholder 2"/>
-          <p:cNvSpPr>
-            <a:spLocks noGrp="1"/>
-          </p:cNvSpPr>
-          <p:nvPr>
-            <p:ph idx="1"/>
-          </p:nvPr>
-        </p:nvSpPr>
-        <p:spPr/>
-        <p:txBody>
-          <a:bodyPr/>
-          <a:lstStyle/>
-          <a:p>
-            <a:r>
-              <a:rPr lang="en-US" altLang="zh-CN" dirty="0" err="1"/>
-              <a:t>store.subscribe</a:t>
-            </a:r>
-            <a:r>
-              <a:rPr lang="zh-CN" altLang="en-US" dirty="0"/>
-              <a:t>方法返回一个函数，调用这个函数就可以解除监听</a:t>
-            </a:r>
-            <a:endParaRPr lang="en-US" dirty="0" smtClean="0"/>
-          </a:p>
-          <a:p>
-            <a:r>
-              <a:rPr lang="en-US" dirty="0" smtClean="0"/>
-              <a:t>let </a:t>
-            </a:r>
-            <a:r>
-              <a:rPr lang="en-US" dirty="0"/>
-              <a:t>unsubscribe = </a:t>
-            </a:r>
-            <a:r>
-              <a:rPr lang="en-US" dirty="0" err="1"/>
-              <a:t>store.subscribe</a:t>
-            </a:r>
-            <a:r>
-              <a:rPr lang="en-US" dirty="0"/>
-              <a:t>(() =&gt; </a:t>
-            </a:r>
-            <a:endParaRPr lang="en-US" dirty="0" smtClean="0"/>
-          </a:p>
-          <a:p>
-            <a:pPr marL="0" indent="0">
-              <a:buNone/>
-            </a:pPr>
-            <a:r>
-              <a:rPr lang="en-US" dirty="0" smtClean="0"/>
-              <a:t>        console.log(</a:t>
-            </a:r>
-            <a:r>
-              <a:rPr lang="en-US" dirty="0" err="1" smtClean="0"/>
-              <a:t>store.getState</a:t>
-            </a:r>
-            <a:r>
-              <a:rPr lang="en-US" dirty="0"/>
-              <a:t>()) </a:t>
-            </a:r>
-            <a:endParaRPr lang="en-US" dirty="0" smtClean="0"/>
-          </a:p>
-          <a:p>
-            <a:pPr marL="0" indent="0">
-              <a:buNone/>
-            </a:pPr>
-            <a:r>
-              <a:rPr lang="en-US" dirty="0"/>
-              <a:t> </a:t>
-            </a:r>
-            <a:r>
-              <a:rPr lang="en-US" dirty="0" smtClean="0"/>
-              <a:t>   ); </a:t>
-            </a:r>
-          </a:p>
-          <a:p>
-            <a:pPr marL="0" indent="0">
-              <a:buNone/>
-            </a:pPr>
-            <a:endParaRPr lang="en-US" dirty="0"/>
-          </a:p>
-          <a:p>
-            <a:pPr marL="0" indent="0">
-              <a:buNone/>
-            </a:pPr>
-            <a:r>
-              <a:rPr lang="en-US" dirty="0" smtClean="0"/>
-              <a:t>    unsubscribe</a:t>
-            </a:r>
-            <a:r>
-              <a:rPr lang="en-US" dirty="0"/>
-              <a:t>();</a:t>
-            </a:r>
           </a:p>
         </p:txBody>
       </p:sp>
     </p:spTree>
     <p:extLst>
       <p:ext uri="{BB962C8B-B14F-4D97-AF65-F5344CB8AC3E}">
-        <p14:creationId xmlns:p14="http://schemas.microsoft.com/office/powerpoint/2010/main" val="473266155"/>
+        <p14:creationId xmlns:p14="http://schemas.microsoft.com/office/powerpoint/2010/main" val="1638485204"/>
       </p:ext>
     </p:extLst>
   </p:cSld>
@@ -5251,20 +5392,12 @@
           <a:lstStyle/>
           <a:p>
             <a:r>
-              <a:rPr lang="en-US" dirty="0"/>
-              <a:t>Store </a:t>
-            </a:r>
-            <a:r>
-              <a:rPr lang="zh-CN" altLang="en-US" dirty="0"/>
-              <a:t>提</a:t>
+              <a:rPr lang="en-US" altLang="zh-CN" dirty="0" smtClean="0"/>
+              <a:t>Reducer</a:t>
             </a:r>
             <a:r>
               <a:rPr lang="zh-CN" altLang="en-US" dirty="0" smtClean="0"/>
-              <a:t>供的三</a:t>
-            </a:r>
-            <a:r>
-              <a:rPr lang="zh-CN" altLang="en-US" dirty="0"/>
-              <a:t>个方法</a:t>
+              <a:t>函数需要是幂等的</a:t>
             </a:r>
             <a:endParaRPr lang="en-US" dirty="0"/>
           </a:p>
@@ -5286,32 +5419,71 @@
           <a:lstStyle/>
           <a:p>
             <a:r>
-              <a:rPr lang="en-US" dirty="0" err="1"/>
-              <a:t>store.getState</a:t>
-            </a:r>
-            <a:r>
-              <a:rPr lang="en-US" dirty="0"/>
+              <a:rPr lang="en-US" altLang="zh-CN" dirty="0"/>
+              <a:t>Reducer </a:t>
+            </a:r>
+            <a:r>
+              <a:rPr lang="zh-CN" altLang="en-US" dirty="0"/>
+              <a:t>函数最重要的特征是，它是一个纯函数。也就是说，只要是同样的输入，必定得到同样的输出</a:t>
+            </a:r>
+            <a:r>
+              <a:rPr lang="zh-CN" altLang="en-US" dirty="0" smtClean="0"/>
+              <a:t>。</a:t>
+            </a:r>
+            <a:endParaRPr lang="en-US" altLang="zh-CN" dirty="0" smtClean="0"/>
+          </a:p>
+          <a:p>
+            <a:r>
+              <a:rPr lang="zh-CN" altLang="en-US" dirty="0"/>
+              <a:t>不得改写参数</a:t>
+            </a:r>
+          </a:p>
+          <a:p>
+            <a:r>
+              <a:rPr lang="zh-CN" altLang="en-US" dirty="0"/>
+              <a:t>不能调用系统 </a:t>
+            </a:r>
+            <a:r>
+              <a:rPr lang="en-US" altLang="zh-CN" dirty="0"/>
+              <a:t>I/O </a:t>
+            </a:r>
+            <a:r>
+              <a:rPr lang="zh-CN" altLang="en-US" dirty="0"/>
+              <a:t>的</a:t>
+            </a:r>
+            <a:r>
+              <a:rPr lang="en-US" altLang="zh-CN" dirty="0"/>
+              <a:t>API</a:t>
+            </a:r>
+          </a:p>
+          <a:p>
+            <a:r>
+              <a:rPr lang="zh-CN" altLang="en-US" dirty="0"/>
+              <a:t>不能调用</a:t>
+            </a:r>
+            <a:r>
+              <a:rPr lang="en-US" altLang="zh-CN" dirty="0" err="1"/>
+              <a:t>Date.now</a:t>
+            </a:r>
+            <a:r>
+              <a:rPr lang="en-US" altLang="zh-CN" dirty="0"/>
               <a:t>()</a:t>
             </a:r>
-          </a:p>
-          <a:p>
-            <a:r>
-              <a:rPr lang="en-US" dirty="0" err="1"/>
-              <a:t>store.dispatch</a:t>
-            </a:r>
-            <a:r>
-              <a:rPr lang="en-US" dirty="0"/>
+            <a:r>
+              <a:rPr lang="zh-CN" altLang="en-US" dirty="0"/>
+              <a:t>或者</a:t>
+            </a:r>
+            <a:r>
+              <a:rPr lang="en-US" altLang="zh-CN" dirty="0" err="1"/>
+              <a:t>Math.random</a:t>
+            </a:r>
+            <a:r>
+              <a:rPr lang="en-US" altLang="zh-CN" dirty="0"/>
               <a:t>()</a:t>
             </a:r>
-          </a:p>
-          <a:p>
-            <a:r>
-              <a:rPr lang="en-US" dirty="0" err="1"/>
-              <a:t>store.subscribe</a:t>
-            </a:r>
-            <a:r>
-              <a:rPr lang="en-US" dirty="0"/>
-              <a:t>()</a:t>
+            <a:r>
+              <a:rPr lang="zh-CN" altLang="en-US" dirty="0"/>
+              <a:t>等不纯的方法，因为每次会得到不一样的结果</a:t>
             </a:r>
           </a:p>
           <a:p>
@@ -5322,7 +5494,7 @@
     </p:spTree>
     <p:extLst>
       <p:ext uri="{BB962C8B-B14F-4D97-AF65-F5344CB8AC3E}">
-        <p14:creationId xmlns:p14="http://schemas.microsoft.com/office/powerpoint/2010/main" val="2078354147"/>
+        <p14:creationId xmlns:p14="http://schemas.microsoft.com/office/powerpoint/2010/main" val="315247004"/>
       </p:ext>
     </p:extLst>
   </p:cSld>
@@ -5349,9 +5521,462 @@
           <a:chExt cx="0" cy="0"/>
         </a:xfrm>
       </p:grpSpPr>
+      <p:sp>
+        <p:nvSpPr>
+          <p:cNvPr id="2" name="Title 1"/>
+          <p:cNvSpPr>
+            <a:spLocks noGrp="1"/>
+          </p:cNvSpPr>
+          <p:nvPr>
+            <p:ph type="title"/>
+          </p:nvPr>
+        </p:nvSpPr>
+        <p:spPr/>
+        <p:txBody>
+          <a:bodyPr>
+            <a:normAutofit/>
+          </a:bodyPr>
+          <a:lstStyle/>
+          <a:p>
+            <a:r>
+              <a:rPr lang="en-US" dirty="0" err="1"/>
+              <a:t>store.subscribe</a:t>
+            </a:r>
+            <a:r>
+              <a:rPr lang="en-US" dirty="0" smtClean="0"/>
+              <a:t>()</a:t>
+            </a:r>
+            <a:endParaRPr lang="en-US" dirty="0"/>
+          </a:p>
+        </p:txBody>
+      </p:sp>
+      <p:sp>
+        <p:nvSpPr>
+          <p:cNvPr id="3" name="Content Placeholder 2"/>
+          <p:cNvSpPr>
+            <a:spLocks noGrp="1"/>
+          </p:cNvSpPr>
+          <p:nvPr>
+            <p:ph idx="1"/>
+          </p:nvPr>
+        </p:nvSpPr>
+        <p:spPr/>
+        <p:txBody>
+          <a:bodyPr/>
+          <a:lstStyle/>
+          <a:p>
+            <a:r>
+              <a:rPr lang="en-US" altLang="zh-CN" dirty="0"/>
+              <a:t>Store </a:t>
+            </a:r>
+            <a:r>
+              <a:rPr lang="zh-CN" altLang="en-US" dirty="0"/>
+              <a:t>允许使用</a:t>
+            </a:r>
+            <a:r>
+              <a:rPr lang="en-US" altLang="zh-CN" dirty="0" err="1"/>
+              <a:t>store.subscribe</a:t>
+            </a:r>
+            <a:r>
+              <a:rPr lang="zh-CN" altLang="en-US" dirty="0"/>
+              <a:t>方法设置监听函数，一旦 </a:t>
+            </a:r>
+            <a:r>
+              <a:rPr lang="en-US" altLang="zh-CN" dirty="0"/>
+              <a:t>State </a:t>
+            </a:r>
+            <a:r>
+              <a:rPr lang="zh-CN" altLang="en-US" dirty="0"/>
+              <a:t>发生变化，就自动执行这个函</a:t>
+            </a:r>
+            <a:r>
+              <a:rPr lang="zh-CN" altLang="en-US" dirty="0" smtClean="0"/>
+              <a:t>数</a:t>
+            </a:r>
+            <a:endParaRPr lang="en-US" altLang="zh-CN" dirty="0" smtClean="0"/>
+          </a:p>
+          <a:p>
+            <a:endParaRPr lang="en-US" dirty="0"/>
+          </a:p>
+          <a:p>
+            <a:r>
+              <a:rPr lang="en-US" dirty="0"/>
+              <a:t>import { </a:t>
+            </a:r>
+            <a:r>
+              <a:rPr lang="en-US" dirty="0" err="1"/>
+              <a:t>createStore</a:t>
+            </a:r>
+            <a:r>
+              <a:rPr lang="en-US" dirty="0"/>
+              <a:t> } from '</a:t>
+            </a:r>
+            <a:r>
+              <a:rPr lang="en-US" dirty="0" err="1"/>
+              <a:t>redux</a:t>
+            </a:r>
+            <a:r>
+              <a:rPr lang="en-US" dirty="0"/>
+              <a:t>'; </a:t>
+            </a:r>
+            <a:endParaRPr lang="en-US" dirty="0" smtClean="0"/>
+          </a:p>
+          <a:p>
+            <a:pPr marL="0" indent="0">
+              <a:buNone/>
+            </a:pPr>
+            <a:r>
+              <a:rPr lang="en-US" dirty="0" smtClean="0"/>
+              <a:t>   </a:t>
+            </a:r>
+            <a:r>
+              <a:rPr lang="en-US" dirty="0" err="1" smtClean="0"/>
+              <a:t>const</a:t>
+            </a:r>
+            <a:r>
+              <a:rPr lang="en-US" dirty="0" smtClean="0"/>
+              <a:t> </a:t>
+            </a:r>
+            <a:r>
+              <a:rPr lang="en-US" dirty="0"/>
+              <a:t>store = </a:t>
+            </a:r>
+            <a:r>
+              <a:rPr lang="en-US" dirty="0" err="1"/>
+              <a:t>createStore</a:t>
+            </a:r>
+            <a:r>
+              <a:rPr lang="en-US" dirty="0"/>
+              <a:t>(reducer); </a:t>
+            </a:r>
+            <a:r>
+              <a:rPr lang="en-US" dirty="0" smtClean="0"/>
+              <a:t>   </a:t>
+            </a:r>
+          </a:p>
+          <a:p>
+            <a:pPr marL="0" indent="0">
+              <a:buNone/>
+            </a:pPr>
+            <a:r>
+              <a:rPr lang="en-US" dirty="0"/>
+              <a:t> </a:t>
+            </a:r>
+            <a:r>
+              <a:rPr lang="en-US" dirty="0" smtClean="0"/>
+              <a:t>  </a:t>
+            </a:r>
+            <a:r>
+              <a:rPr lang="en-US" dirty="0" err="1" smtClean="0"/>
+              <a:t>store.subscribe</a:t>
+            </a:r>
+            <a:r>
+              <a:rPr lang="en-US" dirty="0" smtClean="0"/>
+              <a:t>(listener</a:t>
+            </a:r>
+            <a:r>
+              <a:rPr lang="en-US" dirty="0"/>
+              <a:t>);</a:t>
+            </a:r>
+          </a:p>
+        </p:txBody>
+      </p:sp>
+    </p:spTree>
+    <p:extLst>
+      <p:ext uri="{BB962C8B-B14F-4D97-AF65-F5344CB8AC3E}">
+        <p14:creationId xmlns:p14="http://schemas.microsoft.com/office/powerpoint/2010/main" val="3860099794"/>
+      </p:ext>
+    </p:extLst>
+  </p:cSld>
+  <p:clrMapOvr>
+    <a:masterClrMapping/>
+  </p:clrMapOvr>
+</p:sld>
+</file>
+
+<file path=ppt/slides/slide22.xml><?xml version="1.0" encoding="utf-8"?>
+<p:sld xmlns:a="http://schemas.openxmlformats.org/drawingml/2006/main" xmlns:r="http://schemas.openxmlformats.org/officeDocument/2006/relationships" xmlns:p="http://schemas.openxmlformats.org/presentationml/2006/main">
+  <p:cSld>
+    <p:spTree>
+      <p:nvGrpSpPr>
+        <p:cNvPr id="1" name=""/>
+        <p:cNvGrpSpPr/>
+        <p:nvPr/>
+      </p:nvGrpSpPr>
+      <p:grpSpPr>
+        <a:xfrm>
+          <a:off x="0" y="0"/>
+          <a:ext cx="0" cy="0"/>
+          <a:chOff x="0" y="0"/>
+          <a:chExt cx="0" cy="0"/>
+        </a:xfrm>
+      </p:grpSpPr>
+      <p:sp>
+        <p:nvSpPr>
+          <p:cNvPr id="2" name="Title 1"/>
+          <p:cNvSpPr>
+            <a:spLocks noGrp="1"/>
+          </p:cNvSpPr>
+          <p:nvPr>
+            <p:ph type="title"/>
+          </p:nvPr>
+        </p:nvSpPr>
+        <p:spPr/>
+        <p:txBody>
+          <a:bodyPr/>
+          <a:lstStyle/>
+          <a:p>
+            <a:r>
+              <a:rPr lang="zh-CN" altLang="en-US" dirty="0" smtClean="0"/>
+              <a:t>如何卸载监听器</a:t>
+            </a:r>
+            <a:endParaRPr lang="en-US" dirty="0"/>
+          </a:p>
+        </p:txBody>
+      </p:sp>
+      <p:sp>
+        <p:nvSpPr>
+          <p:cNvPr id="3" name="Content Placeholder 2"/>
+          <p:cNvSpPr>
+            <a:spLocks noGrp="1"/>
+          </p:cNvSpPr>
+          <p:nvPr>
+            <p:ph idx="1"/>
+          </p:nvPr>
+        </p:nvSpPr>
+        <p:spPr/>
+        <p:txBody>
+          <a:bodyPr/>
+          <a:lstStyle/>
+          <a:p>
+            <a:r>
+              <a:rPr lang="en-US" altLang="zh-CN" dirty="0" err="1"/>
+              <a:t>store.subscribe</a:t>
+            </a:r>
+            <a:r>
+              <a:rPr lang="zh-CN" altLang="en-US" dirty="0"/>
+              <a:t>方法返回一个函数，调用这个函数就可以解除监听</a:t>
+            </a:r>
+            <a:endParaRPr lang="en-US" dirty="0" smtClean="0"/>
+          </a:p>
+          <a:p>
+            <a:r>
+              <a:rPr lang="en-US" dirty="0" smtClean="0"/>
+              <a:t>let </a:t>
+            </a:r>
+            <a:r>
+              <a:rPr lang="en-US" dirty="0"/>
+              <a:t>unsubscribe = </a:t>
+            </a:r>
+            <a:r>
+              <a:rPr lang="en-US" dirty="0" err="1"/>
+              <a:t>store.subscribe</a:t>
+            </a:r>
+            <a:r>
+              <a:rPr lang="en-US" dirty="0"/>
+              <a:t>(() =&gt; </a:t>
+            </a:r>
+            <a:endParaRPr lang="en-US" dirty="0" smtClean="0"/>
+          </a:p>
+          <a:p>
+            <a:pPr marL="0" indent="0">
+              <a:buNone/>
+            </a:pPr>
+            <a:r>
+              <a:rPr lang="en-US" dirty="0" smtClean="0"/>
+              <a:t>        console.log(</a:t>
+            </a:r>
+            <a:r>
+              <a:rPr lang="en-US" dirty="0" err="1" smtClean="0"/>
+              <a:t>store.getState</a:t>
+            </a:r>
+            <a:r>
+              <a:rPr lang="en-US" dirty="0"/>
+              <a:t>()) </a:t>
+            </a:r>
+            <a:endParaRPr lang="en-US" dirty="0" smtClean="0"/>
+          </a:p>
+          <a:p>
+            <a:pPr marL="0" indent="0">
+              <a:buNone/>
+            </a:pPr>
+            <a:r>
+              <a:rPr lang="en-US" dirty="0"/>
+              <a:t> </a:t>
+            </a:r>
+            <a:r>
+              <a:rPr lang="en-US" dirty="0" smtClean="0"/>
+              <a:t>   ); </a:t>
+            </a:r>
+          </a:p>
+          <a:p>
+            <a:pPr marL="0" indent="0">
+              <a:buNone/>
+            </a:pPr>
+            <a:endParaRPr lang="en-US" dirty="0"/>
+          </a:p>
+          <a:p>
+            <a:pPr marL="0" indent="0">
+              <a:buNone/>
+            </a:pPr>
+            <a:r>
+              <a:rPr lang="en-US" dirty="0" smtClean="0"/>
+              <a:t>    unsubscribe</a:t>
+            </a:r>
+            <a:r>
+              <a:rPr lang="en-US" dirty="0"/>
+              <a:t>();</a:t>
+            </a:r>
+          </a:p>
+        </p:txBody>
+      </p:sp>
+    </p:spTree>
+    <p:extLst>
+      <p:ext uri="{BB962C8B-B14F-4D97-AF65-F5344CB8AC3E}">
+        <p14:creationId xmlns:p14="http://schemas.microsoft.com/office/powerpoint/2010/main" val="473266155"/>
+      </p:ext>
+    </p:extLst>
+  </p:cSld>
+  <p:clrMapOvr>
+    <a:masterClrMapping/>
+  </p:clrMapOvr>
+</p:sld>
+</file>
+
+<file path=ppt/slides/slide23.xml><?xml version="1.0" encoding="utf-8"?>
+<p:sld xmlns:a="http://schemas.openxmlformats.org/drawingml/2006/main" xmlns:r="http://schemas.openxmlformats.org/officeDocument/2006/relationships" xmlns:p="http://schemas.openxmlformats.org/presentationml/2006/main">
+  <p:cSld>
+    <p:spTree>
+      <p:nvGrpSpPr>
+        <p:cNvPr id="1" name=""/>
+        <p:cNvGrpSpPr/>
+        <p:nvPr/>
+      </p:nvGrpSpPr>
+      <p:grpSpPr>
+        <a:xfrm>
+          <a:off x="0" y="0"/>
+          <a:ext cx="0" cy="0"/>
+          <a:chOff x="0" y="0"/>
+          <a:chExt cx="0" cy="0"/>
+        </a:xfrm>
+      </p:grpSpPr>
+      <p:sp>
+        <p:nvSpPr>
+          <p:cNvPr id="2" name="Title 1"/>
+          <p:cNvSpPr>
+            <a:spLocks noGrp="1"/>
+          </p:cNvSpPr>
+          <p:nvPr>
+            <p:ph type="title"/>
+          </p:nvPr>
+        </p:nvSpPr>
+        <p:spPr/>
+        <p:txBody>
+          <a:bodyPr/>
+          <a:lstStyle/>
+          <a:p>
+            <a:r>
+              <a:rPr lang="en-US" dirty="0"/>
+              <a:t>Store </a:t>
+            </a:r>
+            <a:r>
+              <a:rPr lang="zh-CN" altLang="en-US" dirty="0"/>
+              <a:t>提</a:t>
+            </a:r>
+            <a:r>
+              <a:rPr lang="zh-CN" altLang="en-US" dirty="0" smtClean="0"/>
+              <a:t>供的三</a:t>
+            </a:r>
+            <a:r>
+              <a:rPr lang="zh-CN" altLang="en-US" dirty="0"/>
+              <a:t>个方法</a:t>
+            </a:r>
+            <a:endParaRPr lang="en-US" dirty="0"/>
+          </a:p>
+        </p:txBody>
+      </p:sp>
+      <p:sp>
+        <p:nvSpPr>
+          <p:cNvPr id="3" name="Content Placeholder 2"/>
+          <p:cNvSpPr>
+            <a:spLocks noGrp="1"/>
+          </p:cNvSpPr>
+          <p:nvPr>
+            <p:ph idx="1"/>
+          </p:nvPr>
+        </p:nvSpPr>
+        <p:spPr/>
+        <p:txBody>
+          <a:bodyPr/>
+          <a:lstStyle/>
+          <a:p>
+            <a:r>
+              <a:rPr lang="en-US" dirty="0" err="1"/>
+              <a:t>store.getState</a:t>
+            </a:r>
+            <a:r>
+              <a:rPr lang="en-US" dirty="0"/>
+              <a:t>()</a:t>
+            </a:r>
+          </a:p>
+          <a:p>
+            <a:r>
+              <a:rPr lang="en-US" dirty="0" err="1"/>
+              <a:t>store.dispatch</a:t>
+            </a:r>
+            <a:r>
+              <a:rPr lang="en-US" dirty="0"/>
+              <a:t>()</a:t>
+            </a:r>
+          </a:p>
+          <a:p>
+            <a:r>
+              <a:rPr lang="en-US" dirty="0" err="1"/>
+              <a:t>store.subscribe</a:t>
+            </a:r>
+            <a:r>
+              <a:rPr lang="en-US" dirty="0"/>
+              <a:t>()</a:t>
+            </a:r>
+          </a:p>
+          <a:p>
+            <a:endParaRPr lang="en-US" dirty="0"/>
+          </a:p>
+        </p:txBody>
+      </p:sp>
+    </p:spTree>
+    <p:extLst>
+      <p:ext uri="{BB962C8B-B14F-4D97-AF65-F5344CB8AC3E}">
+        <p14:creationId xmlns:p14="http://schemas.microsoft.com/office/powerpoint/2010/main" val="2078354147"/>
+      </p:ext>
+    </p:extLst>
+  </p:cSld>
+  <p:clrMapOvr>
+    <a:masterClrMapping/>
+  </p:clrMapOvr>
+</p:sld>
+</file>
+
+<file path=ppt/slides/slide24.xml><?xml version="1.0" encoding="utf-8"?>
+<p:sld xmlns:a="http://schemas.openxmlformats.org/drawingml/2006/main" xmlns:r="http://schemas.openxmlformats.org/officeDocument/2006/relationships" xmlns:p="http://schemas.openxmlformats.org/presentationml/2006/main">
+  <p:cSld>
+    <p:spTree>
+      <p:nvGrpSpPr>
+        <p:cNvPr id="1" name=""/>
+        <p:cNvGrpSpPr/>
+        <p:nvPr/>
+      </p:nvGrpSpPr>
+      <p:grpSpPr>
+        <a:xfrm>
+          <a:off x="0" y="0"/>
+          <a:ext cx="0" cy="0"/>
+          <a:chOff x="0" y="0"/>
+          <a:chExt cx="0" cy="0"/>
+        </a:xfrm>
+      </p:grpSpPr>
       <p:pic>
         <p:nvPicPr>
-          <p:cNvPr id="3074" name="Picture 2"/>
+          <p:cNvPr id="3075" name="Picture 3"/>
           <p:cNvPicPr>
             <a:picLocks noGrp="1" noChangeAspect="1" noChangeArrowheads="1"/>
           </p:cNvPicPr>
@@ -5374,8 +5999,8 @@
         </p:blipFill>
         <p:spPr bwMode="auto">
           <a:xfrm>
-            <a:off x="1524000" y="1066800"/>
-            <a:ext cx="6028318" cy="4525963"/>
+            <a:off x="457200" y="1295400"/>
+            <a:ext cx="8332216" cy="4495800"/>
           </a:xfrm>
           <a:prstGeom prst="rect">
             <a:avLst/>
@@ -5418,680 +6043,6 @@
 </p:sld>
 </file>
 
-<file path=ppt/slides/slide22.xml><?xml version="1.0" encoding="utf-8"?>
-<p:sld xmlns:a="http://schemas.openxmlformats.org/drawingml/2006/main" xmlns:r="http://schemas.openxmlformats.org/officeDocument/2006/relationships" xmlns:p="http://schemas.openxmlformats.org/presentationml/2006/main">
-  <p:cSld>
-    <p:spTree>
-      <p:nvGrpSpPr>
-        <p:cNvPr id="1" name=""/>
-        <p:cNvGrpSpPr/>
-        <p:nvPr/>
-      </p:nvGrpSpPr>
-      <p:grpSpPr>
-        <a:xfrm>
-          <a:off x="0" y="0"/>
-          <a:ext cx="0" cy="0"/>
-          <a:chOff x="0" y="0"/>
-          <a:chExt cx="0" cy="0"/>
-        </a:xfrm>
-      </p:grpSpPr>
-      <p:sp>
-        <p:nvSpPr>
-          <p:cNvPr id="2" name="Title 1"/>
-          <p:cNvSpPr>
-            <a:spLocks noGrp="1"/>
-          </p:cNvSpPr>
-          <p:nvPr>
-            <p:ph type="title"/>
-          </p:nvPr>
-        </p:nvSpPr>
-        <p:spPr/>
-        <p:txBody>
-          <a:bodyPr>
-            <a:normAutofit fontScale="90000"/>
-          </a:bodyPr>
-          <a:lstStyle/>
-          <a:p>
-            <a:r>
-              <a:rPr lang="en-US" sz="4000" b="1" dirty="0" err="1"/>
-              <a:t>React.createClass</a:t>
-            </a:r>
-            <a:r>
-              <a:rPr lang="en-US" sz="4000" b="1" dirty="0"/>
-              <a:t> </a:t>
-            </a:r>
-            <a:r>
-              <a:rPr lang="zh-CN" altLang="en-US" sz="4000" b="1" dirty="0"/>
-              <a:t>与 </a:t>
-            </a:r>
-            <a:r>
-              <a:rPr lang="en-US" sz="4000" b="1" dirty="0" err="1" smtClean="0"/>
-              <a:t>React.Component</a:t>
-            </a:r>
-            <a:endParaRPr lang="en-US" dirty="0"/>
-          </a:p>
-        </p:txBody>
-      </p:sp>
-      <p:sp>
-        <p:nvSpPr>
-          <p:cNvPr id="3" name="Content Placeholder 2"/>
-          <p:cNvSpPr>
-            <a:spLocks noGrp="1"/>
-          </p:cNvSpPr>
-          <p:nvPr>
-            <p:ph idx="1"/>
-          </p:nvPr>
-        </p:nvSpPr>
-        <p:spPr/>
-        <p:txBody>
-          <a:bodyPr>
-            <a:normAutofit/>
-          </a:bodyPr>
-          <a:lstStyle/>
-          <a:p>
-            <a:r>
-              <a:rPr lang="zh-CN" altLang="en-US" b="1" dirty="0"/>
-              <a:t>组件初始状态</a:t>
-            </a:r>
-            <a:r>
-              <a:rPr lang="en-US" b="1" dirty="0"/>
-              <a:t>state</a:t>
-            </a:r>
-            <a:r>
-              <a:rPr lang="zh-CN" altLang="en-US" b="1" dirty="0"/>
-              <a:t>的配置不同</a:t>
-            </a:r>
-          </a:p>
-          <a:p>
-            <a:pPr marL="400050" lvl="1" indent="0">
-              <a:buNone/>
-            </a:pPr>
-            <a:r>
-              <a:rPr lang="en-US" sz="2600" dirty="0" err="1"/>
-              <a:t>React.createClass</a:t>
-            </a:r>
-            <a:r>
-              <a:rPr lang="zh-CN" altLang="en-US" sz="2600" dirty="0"/>
-              <a:t>创建的组件，其状态</a:t>
-            </a:r>
-            <a:r>
-              <a:rPr lang="en-US" sz="2600" dirty="0"/>
-              <a:t>state</a:t>
-            </a:r>
-            <a:r>
-              <a:rPr lang="zh-CN" altLang="en-US" sz="2600" dirty="0"/>
-              <a:t>是通过</a:t>
-            </a:r>
-            <a:r>
-              <a:rPr lang="en-US" sz="2600" b="1" dirty="0" err="1"/>
-              <a:t>getInitialState</a:t>
-            </a:r>
-            <a:r>
-              <a:rPr lang="zh-CN" altLang="en-US" sz="2600" dirty="0"/>
-              <a:t>方法来配置组件相关的状态；</a:t>
-            </a:r>
-          </a:p>
-          <a:p>
-            <a:pPr marL="400050" lvl="1" indent="0">
-              <a:buNone/>
-            </a:pPr>
-            <a:r>
-              <a:rPr lang="en-US" sz="2600" dirty="0" err="1"/>
-              <a:t>React.Component</a:t>
-            </a:r>
-            <a:r>
-              <a:rPr lang="zh-CN" altLang="en-US" sz="2600" dirty="0"/>
-              <a:t>创建的组件，其状态</a:t>
-            </a:r>
-            <a:r>
-              <a:rPr lang="en-US" sz="2600" dirty="0"/>
-              <a:t>state</a:t>
-            </a:r>
-            <a:r>
-              <a:rPr lang="zh-CN" altLang="en-US" sz="2600" dirty="0"/>
-              <a:t>是在</a:t>
-            </a:r>
-            <a:r>
-              <a:rPr lang="en-US" sz="2600" b="1" dirty="0"/>
-              <a:t>constructor</a:t>
-            </a:r>
-            <a:r>
-              <a:rPr lang="zh-CN" altLang="en-US" sz="2600" dirty="0"/>
-              <a:t>中像初始化组件属性一样声明的。</a:t>
-            </a:r>
-          </a:p>
-          <a:p>
-            <a:r>
-              <a:rPr lang="zh-CN" altLang="en-US" b="1" dirty="0"/>
-              <a:t>函数</a:t>
-            </a:r>
-            <a:r>
-              <a:rPr lang="en-US" b="1" dirty="0"/>
-              <a:t>this</a:t>
-            </a:r>
-            <a:r>
-              <a:rPr lang="zh-CN" altLang="en-US" b="1" dirty="0"/>
-              <a:t>自绑定</a:t>
-            </a:r>
-          </a:p>
-          <a:p>
-            <a:pPr marL="400050" lvl="1" indent="0">
-              <a:buNone/>
-            </a:pPr>
-            <a:r>
-              <a:rPr lang="en-US" sz="2600" dirty="0" err="1"/>
-              <a:t>React.createClass</a:t>
-            </a:r>
-            <a:r>
-              <a:rPr lang="zh-CN" altLang="en-US" sz="2600" dirty="0"/>
-              <a:t>创建的组件，其每一个成员函数的</a:t>
-            </a:r>
-            <a:r>
-              <a:rPr lang="en-US" sz="2600" dirty="0"/>
-              <a:t>this</a:t>
-            </a:r>
-            <a:r>
-              <a:rPr lang="zh-CN" altLang="en-US" sz="2600" dirty="0"/>
-              <a:t>都有</a:t>
-            </a:r>
-            <a:r>
-              <a:rPr lang="en-US" sz="2600" dirty="0"/>
-              <a:t>React</a:t>
-            </a:r>
-            <a:r>
-              <a:rPr lang="zh-CN" altLang="en-US" sz="2600" dirty="0"/>
-              <a:t>自动绑定，任何时候使用，直接使用</a:t>
-            </a:r>
-            <a:r>
-              <a:rPr lang="en-US" sz="2600" dirty="0" err="1"/>
-              <a:t>this.method</a:t>
-            </a:r>
-            <a:r>
-              <a:rPr lang="zh-CN" altLang="en-US" sz="2600" dirty="0"/>
-              <a:t>即可，函数中的</a:t>
-            </a:r>
-            <a:r>
-              <a:rPr lang="en-US" sz="2600" dirty="0"/>
-              <a:t>this</a:t>
-            </a:r>
-            <a:r>
-              <a:rPr lang="zh-CN" altLang="en-US" sz="2600" dirty="0"/>
-              <a:t>会被正确设置。</a:t>
-            </a:r>
-          </a:p>
-          <a:p>
-            <a:endParaRPr lang="en-US" dirty="0"/>
-          </a:p>
-        </p:txBody>
-      </p:sp>
-    </p:spTree>
-    <p:extLst>
-      <p:ext uri="{BB962C8B-B14F-4D97-AF65-F5344CB8AC3E}">
-        <p14:creationId xmlns:p14="http://schemas.microsoft.com/office/powerpoint/2010/main" val="459263903"/>
-      </p:ext>
-    </p:extLst>
-  </p:cSld>
-  <p:clrMapOvr>
-    <a:masterClrMapping/>
-  </p:clrMapOvr>
-</p:sld>
-</file>
-
-<file path=ppt/slides/slide23.xml><?xml version="1.0" encoding="utf-8"?>
-<p:sld xmlns:a="http://schemas.openxmlformats.org/drawingml/2006/main" xmlns:r="http://schemas.openxmlformats.org/officeDocument/2006/relationships" xmlns:p="http://schemas.openxmlformats.org/presentationml/2006/main">
-  <p:cSld>
-    <p:spTree>
-      <p:nvGrpSpPr>
-        <p:cNvPr id="1" name=""/>
-        <p:cNvGrpSpPr/>
-        <p:nvPr/>
-      </p:nvGrpSpPr>
-      <p:grpSpPr>
-        <a:xfrm>
-          <a:off x="0" y="0"/>
-          <a:ext cx="0" cy="0"/>
-          <a:chOff x="0" y="0"/>
-          <a:chExt cx="0" cy="0"/>
-        </a:xfrm>
-      </p:grpSpPr>
-      <p:sp>
-        <p:nvSpPr>
-          <p:cNvPr id="2" name="Title 1"/>
-          <p:cNvSpPr>
-            <a:spLocks noGrp="1"/>
-          </p:cNvSpPr>
-          <p:nvPr>
-            <p:ph type="title"/>
-          </p:nvPr>
-        </p:nvSpPr>
-        <p:spPr/>
-        <p:txBody>
-          <a:bodyPr>
-            <a:normAutofit fontScale="90000"/>
-          </a:bodyPr>
-          <a:lstStyle/>
-          <a:p>
-            <a:r>
-              <a:rPr lang="en-US" dirty="0" err="1"/>
-              <a:t>React.Component</a:t>
-            </a:r>
-            <a:r>
-              <a:rPr lang="en-US" dirty="0"/>
-              <a:t> </a:t>
-            </a:r>
-            <a:r>
-              <a:rPr lang="en-US" dirty="0" smtClean="0"/>
-              <a:t/>
-            </a:r>
-            <a:br>
-              <a:rPr lang="en-US" dirty="0" smtClean="0"/>
-            </a:br>
-            <a:r>
-              <a:rPr lang="en-US" dirty="0" smtClean="0"/>
-              <a:t>3</a:t>
-            </a:r>
-            <a:r>
-              <a:rPr lang="zh-CN" altLang="en-US" dirty="0"/>
-              <a:t>种手动绑定</a:t>
-            </a:r>
-            <a:r>
-              <a:rPr lang="en-US" dirty="0"/>
-              <a:t>this</a:t>
-            </a:r>
-            <a:r>
-              <a:rPr lang="zh-CN" altLang="en-US" dirty="0"/>
-              <a:t>的方法</a:t>
-            </a:r>
-            <a:endParaRPr lang="en-US" dirty="0"/>
-          </a:p>
-        </p:txBody>
-      </p:sp>
-      <p:sp>
-        <p:nvSpPr>
-          <p:cNvPr id="3" name="Content Placeholder 2"/>
-          <p:cNvSpPr>
-            <a:spLocks noGrp="1"/>
-          </p:cNvSpPr>
-          <p:nvPr>
-            <p:ph idx="1"/>
-          </p:nvPr>
-        </p:nvSpPr>
-        <p:spPr/>
-        <p:txBody>
-          <a:bodyPr>
-            <a:normAutofit/>
-          </a:bodyPr>
-          <a:lstStyle/>
-          <a:p>
-            <a:r>
-              <a:rPr lang="zh-CN" altLang="en-US" b="1" dirty="0" smtClean="0"/>
-              <a:t>在</a:t>
-            </a:r>
-            <a:r>
-              <a:rPr lang="zh-CN" altLang="en-US" b="1" dirty="0"/>
-              <a:t>构造函数中完成绑</a:t>
-            </a:r>
-            <a:r>
-              <a:rPr lang="zh-CN" altLang="en-US" b="1" dirty="0" smtClean="0"/>
-              <a:t>定</a:t>
-            </a:r>
-            <a:endParaRPr lang="en-US" altLang="zh-CN" b="1" dirty="0" smtClean="0"/>
-          </a:p>
-          <a:p>
-            <a:pPr marL="400050" lvl="1" indent="0">
-              <a:buNone/>
-            </a:pPr>
-            <a:r>
-              <a:rPr lang="en-US" sz="2000" dirty="0"/>
-              <a:t>constructor(props) { </a:t>
-            </a:r>
-            <a:endParaRPr lang="en-US" sz="2000" dirty="0" smtClean="0"/>
-          </a:p>
-          <a:p>
-            <a:pPr marL="400050" lvl="1" indent="0">
-              <a:buNone/>
-            </a:pPr>
-            <a:r>
-              <a:rPr lang="en-US" sz="2000" dirty="0" smtClean="0"/>
-              <a:t>super(props</a:t>
-            </a:r>
-            <a:r>
-              <a:rPr lang="en-US" sz="2000" dirty="0"/>
-              <a:t>); </a:t>
-            </a:r>
-            <a:endParaRPr lang="en-US" sz="2000" dirty="0" smtClean="0"/>
-          </a:p>
-          <a:p>
-            <a:pPr marL="400050" lvl="1" indent="0">
-              <a:buNone/>
-            </a:pPr>
-            <a:r>
-              <a:rPr lang="en-US" sz="2000" dirty="0" err="1" smtClean="0"/>
-              <a:t>this.handleClick</a:t>
-            </a:r>
-            <a:r>
-              <a:rPr lang="en-US" sz="2000" dirty="0" smtClean="0"/>
-              <a:t> </a:t>
-            </a:r>
-            <a:r>
-              <a:rPr lang="en-US" sz="2000" dirty="0"/>
-              <a:t>= </a:t>
-            </a:r>
-            <a:r>
-              <a:rPr lang="en-US" sz="2000" dirty="0" err="1"/>
-              <a:t>this.handleClick.bind</a:t>
-            </a:r>
-            <a:r>
-              <a:rPr lang="en-US" sz="2000" dirty="0"/>
-              <a:t>(this</a:t>
-            </a:r>
-            <a:r>
-              <a:rPr lang="en-US" sz="2000" dirty="0" smtClean="0"/>
-              <a:t>);</a:t>
-            </a:r>
-          </a:p>
-          <a:p>
-            <a:pPr marL="400050" lvl="1" indent="0">
-              <a:buNone/>
-            </a:pPr>
-            <a:r>
-              <a:rPr lang="en-US" altLang="zh-CN" sz="2000" dirty="0" smtClean="0"/>
-              <a:t>}</a:t>
-            </a:r>
-            <a:endParaRPr lang="zh-CN" altLang="en-US" sz="2000" dirty="0"/>
-          </a:p>
-          <a:p>
-            <a:r>
-              <a:rPr lang="zh-CN" altLang="en-US" b="1" dirty="0"/>
-              <a:t>调用时使用</a:t>
-            </a:r>
-            <a:r>
-              <a:rPr lang="en-US" b="1" dirty="0" err="1"/>
-              <a:t>method.bind</a:t>
-            </a:r>
-            <a:r>
-              <a:rPr lang="en-US" b="1" dirty="0"/>
-              <a:t>(this</a:t>
-            </a:r>
-            <a:r>
-              <a:rPr lang="en-US" b="1" dirty="0" smtClean="0"/>
-              <a:t>)</a:t>
-            </a:r>
-          </a:p>
-          <a:p>
-            <a:pPr marL="400050" lvl="1" indent="0">
-              <a:buNone/>
-            </a:pPr>
-            <a:r>
-              <a:rPr lang="en-US" sz="2000" dirty="0"/>
-              <a:t>&lt;div </a:t>
-            </a:r>
-            <a:r>
-              <a:rPr lang="en-US" sz="2000" dirty="0" err="1"/>
-              <a:t>onClick</a:t>
-            </a:r>
-            <a:r>
-              <a:rPr lang="en-US" sz="2000" dirty="0"/>
-              <a:t>={</a:t>
-            </a:r>
-            <a:r>
-              <a:rPr lang="en-US" sz="2000" dirty="0" err="1"/>
-              <a:t>this.handleClick.bind</a:t>
-            </a:r>
-            <a:r>
-              <a:rPr lang="en-US" sz="2000" dirty="0"/>
-              <a:t>(this)}&gt;&lt;/div&gt;</a:t>
-            </a:r>
-          </a:p>
-          <a:p>
-            <a:r>
-              <a:rPr lang="zh-CN" altLang="en-US" b="1" dirty="0"/>
-              <a:t>使用</a:t>
-            </a:r>
-            <a:r>
-              <a:rPr lang="en-US" b="1" dirty="0"/>
-              <a:t>arrow function</a:t>
-            </a:r>
-            <a:r>
-              <a:rPr lang="zh-CN" altLang="en-US" b="1" dirty="0"/>
-              <a:t>来绑</a:t>
-            </a:r>
-            <a:r>
-              <a:rPr lang="zh-CN" altLang="en-US" b="1" dirty="0" smtClean="0"/>
-              <a:t>定</a:t>
-            </a:r>
-            <a:endParaRPr lang="en-US" altLang="zh-CN" b="1" dirty="0" smtClean="0"/>
-          </a:p>
-          <a:p>
-            <a:pPr marL="400050" lvl="1" indent="0">
-              <a:buNone/>
-            </a:pPr>
-            <a:r>
-              <a:rPr lang="en-US" sz="2200" dirty="0"/>
-              <a:t>&lt;div </a:t>
-            </a:r>
-            <a:r>
-              <a:rPr lang="en-US" sz="2200" dirty="0" err="1"/>
-              <a:t>onClick</a:t>
-            </a:r>
-            <a:r>
-              <a:rPr lang="en-US" sz="2200" dirty="0"/>
-              <a:t>={()=&gt;</a:t>
-            </a:r>
-            <a:r>
-              <a:rPr lang="en-US" sz="2200" dirty="0" err="1"/>
-              <a:t>this.handleClick</a:t>
-            </a:r>
-            <a:r>
-              <a:rPr lang="en-US" sz="2200" dirty="0"/>
-              <a:t>()}&gt;&lt;/div&gt;</a:t>
-            </a:r>
-            <a:endParaRPr lang="zh-CN" altLang="en-US" sz="2200" dirty="0"/>
-          </a:p>
-          <a:p>
-            <a:endParaRPr lang="en-US" dirty="0"/>
-          </a:p>
-        </p:txBody>
-      </p:sp>
-    </p:spTree>
-    <p:extLst>
-      <p:ext uri="{BB962C8B-B14F-4D97-AF65-F5344CB8AC3E}">
-        <p14:creationId xmlns:p14="http://schemas.microsoft.com/office/powerpoint/2010/main" val="3292111289"/>
-      </p:ext>
-    </p:extLst>
-  </p:cSld>
-  <p:clrMapOvr>
-    <a:masterClrMapping/>
-  </p:clrMapOvr>
-</p:sld>
-</file>
-
-<file path=ppt/slides/slide24.xml><?xml version="1.0" encoding="utf-8"?>
-<p:sld xmlns:a="http://schemas.openxmlformats.org/drawingml/2006/main" xmlns:r="http://schemas.openxmlformats.org/officeDocument/2006/relationships" xmlns:p="http://schemas.openxmlformats.org/presentationml/2006/main">
-  <p:cSld>
-    <p:spTree>
-      <p:nvGrpSpPr>
-        <p:cNvPr id="1" name=""/>
-        <p:cNvGrpSpPr/>
-        <p:nvPr/>
-      </p:nvGrpSpPr>
-      <p:grpSpPr>
-        <a:xfrm>
-          <a:off x="0" y="0"/>
-          <a:ext cx="0" cy="0"/>
-          <a:chOff x="0" y="0"/>
-          <a:chExt cx="0" cy="0"/>
-        </a:xfrm>
-      </p:grpSpPr>
-      <p:sp>
-        <p:nvSpPr>
-          <p:cNvPr id="2" name="Title 1"/>
-          <p:cNvSpPr>
-            <a:spLocks noGrp="1"/>
-          </p:cNvSpPr>
-          <p:nvPr>
-            <p:ph type="title"/>
-          </p:nvPr>
-        </p:nvSpPr>
-        <p:spPr/>
-        <p:txBody>
-          <a:bodyPr>
-            <a:normAutofit/>
-          </a:bodyPr>
-          <a:lstStyle/>
-          <a:p>
-            <a:r>
-              <a:rPr lang="zh-CN" altLang="en-US" dirty="0"/>
-              <a:t>无状态组件的特点</a:t>
-            </a:r>
-            <a:r>
-              <a:rPr lang="zh-CN" altLang="en-US" dirty="0" smtClean="0"/>
-              <a:t>：</a:t>
-            </a:r>
-            <a:endParaRPr lang="en-US" dirty="0"/>
-          </a:p>
-        </p:txBody>
-      </p:sp>
-      <p:sp>
-        <p:nvSpPr>
-          <p:cNvPr id="3" name="Content Placeholder 2"/>
-          <p:cNvSpPr>
-            <a:spLocks noGrp="1"/>
-          </p:cNvSpPr>
-          <p:nvPr>
-            <p:ph idx="1"/>
-          </p:nvPr>
-        </p:nvSpPr>
-        <p:spPr/>
-        <p:txBody>
-          <a:bodyPr>
-            <a:normAutofit fontScale="70000" lnSpcReduction="20000"/>
-          </a:bodyPr>
-          <a:lstStyle/>
-          <a:p>
-            <a:r>
-              <a:rPr lang="zh-CN" altLang="en-US" b="1" dirty="0" smtClean="0"/>
-              <a:t>组</a:t>
-            </a:r>
-            <a:r>
-              <a:rPr lang="zh-CN" altLang="en-US" b="1" dirty="0"/>
-              <a:t>件不会被实例化，整体渲染性能得到提升</a:t>
-            </a:r>
-            <a:endParaRPr lang="zh-CN" altLang="en-US" dirty="0"/>
-          </a:p>
-          <a:p>
-            <a:r>
-              <a:rPr lang="zh-CN" altLang="en-US" dirty="0"/>
-              <a:t>因为组件被精简成一个</a:t>
-            </a:r>
-            <a:r>
-              <a:rPr lang="en-US" altLang="zh-CN" dirty="0"/>
-              <a:t>render</a:t>
-            </a:r>
-            <a:r>
-              <a:rPr lang="zh-CN" altLang="en-US" dirty="0"/>
-              <a:t>方法的函数来实现的，由于是无状态组件，所以无状态组件就不会在有组件实例化的过程，无实例化过程也就不需要分配多余的内存，从而性能得到一定的提升。</a:t>
-            </a:r>
-          </a:p>
-          <a:p>
-            <a:r>
-              <a:rPr lang="zh-CN" altLang="en-US" b="1" dirty="0"/>
-              <a:t>组件不能访问</a:t>
-            </a:r>
-            <a:r>
-              <a:rPr lang="en-US" altLang="zh-CN" b="1" dirty="0"/>
-              <a:t>this</a:t>
-            </a:r>
-            <a:r>
-              <a:rPr lang="zh-CN" altLang="en-US" b="1" dirty="0"/>
-              <a:t>对象</a:t>
-            </a:r>
-            <a:endParaRPr lang="zh-CN" altLang="en-US" dirty="0"/>
-          </a:p>
-          <a:p>
-            <a:r>
-              <a:rPr lang="zh-CN" altLang="en-US" dirty="0"/>
-              <a:t>无状态组件由于没有实例化过程，所以无法访问组件</a:t>
-            </a:r>
-            <a:r>
-              <a:rPr lang="en-US" altLang="zh-CN" dirty="0"/>
-              <a:t>this</a:t>
-            </a:r>
-            <a:r>
-              <a:rPr lang="zh-CN" altLang="en-US" dirty="0"/>
-              <a:t>中的对象，例如：</a:t>
-            </a:r>
-            <a:r>
-              <a:rPr lang="en-US" altLang="zh-CN" dirty="0" err="1"/>
-              <a:t>this.ref</a:t>
-            </a:r>
-            <a:r>
-              <a:rPr lang="zh-CN" altLang="en-US" dirty="0"/>
-              <a:t>、</a:t>
-            </a:r>
-            <a:r>
-              <a:rPr lang="en-US" altLang="zh-CN" dirty="0" err="1"/>
-              <a:t>this.state</a:t>
-            </a:r>
-            <a:r>
-              <a:rPr lang="zh-CN" altLang="en-US" dirty="0"/>
-              <a:t>等均不能访问。若想访问就不能使用这种形式来创建组件</a:t>
-            </a:r>
-          </a:p>
-          <a:p>
-            <a:r>
-              <a:rPr lang="zh-CN" altLang="en-US" b="1" dirty="0"/>
-              <a:t>组件无法访问生命周期的方法</a:t>
-            </a:r>
-            <a:endParaRPr lang="zh-CN" altLang="en-US" dirty="0"/>
-          </a:p>
-          <a:p>
-            <a:r>
-              <a:rPr lang="zh-CN" altLang="en-US" dirty="0"/>
-              <a:t>因为无状态组件是不需要组件生命周期管理和状态管理，所以底层实现这种形式的组件时是不会实现组件的生命周期方法。所以无状态组件是不能参与组件的各个生命周期管理的。</a:t>
-            </a:r>
-          </a:p>
-          <a:p>
-            <a:r>
-              <a:rPr lang="zh-CN" altLang="en-US" b="1" dirty="0"/>
-              <a:t>无状态组件只能访问输入的</a:t>
-            </a:r>
-            <a:r>
-              <a:rPr lang="en-US" altLang="zh-CN" b="1" dirty="0"/>
-              <a:t>props</a:t>
-            </a:r>
-            <a:r>
-              <a:rPr lang="zh-CN" altLang="en-US" b="1" dirty="0"/>
-              <a:t>，同样的</a:t>
-            </a:r>
-            <a:r>
-              <a:rPr lang="en-US" altLang="zh-CN" b="1" dirty="0"/>
-              <a:t>props</a:t>
-            </a:r>
-            <a:r>
-              <a:rPr lang="zh-CN" altLang="en-US" b="1" dirty="0"/>
-              <a:t>会得到同样的渲染结果，不会有副作用</a:t>
-            </a:r>
-            <a:endParaRPr lang="zh-CN" altLang="en-US" dirty="0"/>
-          </a:p>
-          <a:p>
-            <a:endParaRPr lang="en-US" dirty="0"/>
-          </a:p>
-        </p:txBody>
-      </p:sp>
-    </p:spTree>
-    <p:extLst>
-      <p:ext uri="{BB962C8B-B14F-4D97-AF65-F5344CB8AC3E}">
-        <p14:creationId xmlns:p14="http://schemas.microsoft.com/office/powerpoint/2010/main" val="3720817443"/>
-      </p:ext>
-    </p:extLst>
-  </p:cSld>
-  <p:clrMapOvr>
-    <a:masterClrMapping/>
-  </p:clrMapOvr>
-</p:sld>
-</file>
-
 <file path=ppt/slides/slide25.xml><?xml version="1.0" encoding="utf-8"?>
 <p:sld xmlns:a="http://schemas.openxmlformats.org/drawingml/2006/main" xmlns:r="http://schemas.openxmlformats.org/officeDocument/2006/relationships" xmlns:p="http://schemas.openxmlformats.org/presentationml/2006/main">
   <p:cSld>
@@ -6121,192 +6072,87 @@
         </p:nvSpPr>
         <p:spPr/>
         <p:txBody>
-          <a:bodyPr/>
-          <a:lstStyle/>
-          <a:p>
-            <a:r>
-              <a:rPr lang="zh-CN" altLang="en-US" dirty="0"/>
-              <a:t>只</a:t>
-            </a:r>
-            <a:r>
-              <a:rPr lang="zh-CN" altLang="en-US" dirty="0" smtClean="0"/>
-              <a:t>有唯一一个</a:t>
-            </a:r>
-            <a:r>
-              <a:rPr lang="en-US" altLang="zh-CN" dirty="0" smtClean="0"/>
-              <a:t>Store</a:t>
-            </a:r>
-            <a:r>
-              <a:rPr lang="zh-CN" altLang="en-US" dirty="0" smtClean="0"/>
-              <a:t>对象</a:t>
+          <a:bodyPr>
+            <a:normAutofit fontScale="90000"/>
+          </a:bodyPr>
+          <a:lstStyle/>
+          <a:p>
+            <a:r>
+              <a:rPr lang="en-US" b="1" dirty="0"/>
+              <a:t>import { Provider } from 'react-</a:t>
+            </a:r>
+            <a:r>
+              <a:rPr lang="en-US" b="1" dirty="0" err="1"/>
+              <a:t>redux</a:t>
+            </a:r>
+            <a:r>
+              <a:rPr lang="en-US" b="1" dirty="0"/>
+              <a:t>'</a:t>
             </a:r>
             <a:endParaRPr lang="en-US" dirty="0"/>
           </a:p>
         </p:txBody>
       </p:sp>
-      <p:sp>
-        <p:nvSpPr>
-          <p:cNvPr id="3" name="Content Placeholder 2"/>
-          <p:cNvSpPr>
-            <a:spLocks noGrp="1"/>
-          </p:cNvSpPr>
+      <p:pic>
+        <p:nvPicPr>
+          <p:cNvPr id="6146" name="Picture 2"/>
+          <p:cNvPicPr>
+            <a:picLocks noGrp="1" noChangeAspect="1" noChangeArrowheads="1"/>
+          </p:cNvPicPr>
           <p:nvPr>
             <p:ph idx="1"/>
           </p:nvPr>
-        </p:nvSpPr>
-        <p:spPr/>
-        <p:txBody>
-          <a:bodyPr>
-            <a:normAutofit lnSpcReduction="10000"/>
-          </a:bodyPr>
-          <a:lstStyle/>
-          <a:p>
-            <a:r>
-              <a:rPr lang="en-US" b="1" dirty="0" err="1"/>
-              <a:t>const</a:t>
-            </a:r>
-            <a:r>
-              <a:rPr lang="en-US" b="1" dirty="0"/>
-              <a:t> store = </a:t>
-            </a:r>
-            <a:r>
-              <a:rPr lang="en-US" b="1" dirty="0" err="1" smtClean="0"/>
-              <a:t>createStore</a:t>
-            </a:r>
-            <a:r>
-              <a:rPr lang="en-US" b="1" dirty="0" smtClean="0"/>
-              <a:t>(</a:t>
-            </a:r>
-            <a:r>
-              <a:rPr lang="en-US" altLang="zh-CN" b="1" dirty="0" err="1"/>
-              <a:t>counterReducer</a:t>
-            </a:r>
-            <a:r>
-              <a:rPr lang="en-US" altLang="zh-CN" b="1" dirty="0"/>
-              <a:t> </a:t>
-            </a:r>
-            <a:r>
-              <a:rPr lang="en-US" b="1" dirty="0" smtClean="0"/>
-              <a:t>);</a:t>
-            </a:r>
-          </a:p>
-          <a:p>
-            <a:pPr marL="457200" lvl="1" indent="0">
-              <a:buNone/>
-            </a:pPr>
-            <a:r>
-              <a:rPr lang="en-US" dirty="0" err="1"/>
-              <a:t>const</a:t>
-            </a:r>
-            <a:r>
-              <a:rPr lang="en-US" dirty="0"/>
-              <a:t> </a:t>
-            </a:r>
-            <a:r>
-              <a:rPr lang="en-US" dirty="0" err="1"/>
-              <a:t>counterReducer</a:t>
-            </a:r>
-            <a:r>
-              <a:rPr lang="en-US" dirty="0"/>
-              <a:t> = (state = 0, action) =&gt; {</a:t>
-            </a:r>
-          </a:p>
-          <a:p>
-            <a:pPr marL="457200" lvl="1" indent="0">
-              <a:buNone/>
-            </a:pPr>
-            <a:r>
-              <a:rPr lang="en-US" dirty="0"/>
-              <a:t>  switch (</a:t>
-            </a:r>
-            <a:r>
-              <a:rPr lang="en-US" dirty="0" err="1"/>
-              <a:t>action.type</a:t>
-            </a:r>
-            <a:r>
-              <a:rPr lang="en-US" dirty="0"/>
-              <a:t>) {</a:t>
-            </a:r>
-          </a:p>
-          <a:p>
-            <a:pPr marL="457200" lvl="1" indent="0">
-              <a:buNone/>
-            </a:pPr>
-            <a:r>
-              <a:rPr lang="en-US" dirty="0"/>
-              <a:t>    case 'INCREMENT': return state + 1;</a:t>
-            </a:r>
-          </a:p>
-          <a:p>
-            <a:pPr marL="457200" lvl="1" indent="0">
-              <a:buNone/>
-            </a:pPr>
-            <a:r>
-              <a:rPr lang="en-US" dirty="0"/>
-              <a:t>    case 'DECREMENT': return state - 1;</a:t>
-            </a:r>
-          </a:p>
-          <a:p>
-            <a:pPr marL="457200" lvl="1" indent="0">
-              <a:buNone/>
-            </a:pPr>
-            <a:r>
-              <a:rPr lang="en-US" dirty="0"/>
-              <a:t>    default: return state;</a:t>
-            </a:r>
-          </a:p>
-          <a:p>
-            <a:pPr marL="457200" lvl="1" indent="0">
-              <a:buNone/>
-            </a:pPr>
-            <a:r>
-              <a:rPr lang="en-US" dirty="0"/>
-              <a:t>  }</a:t>
-            </a:r>
-          </a:p>
-          <a:p>
-            <a:pPr marL="457200" lvl="1" indent="0">
-              <a:buNone/>
-            </a:pPr>
-            <a:r>
-              <a:rPr lang="en-US" dirty="0"/>
-              <a:t>};</a:t>
-            </a:r>
-            <a:endParaRPr lang="en-US" dirty="0"/>
-          </a:p>
-          <a:p>
-            <a:r>
-              <a:rPr lang="en-US" b="1" dirty="0" err="1"/>
-              <a:t>const</a:t>
-            </a:r>
-            <a:r>
-              <a:rPr lang="en-US" b="1" dirty="0"/>
-              <a:t> store = </a:t>
-            </a:r>
-            <a:r>
-              <a:rPr lang="en-US" b="1" dirty="0" err="1" smtClean="0"/>
-              <a:t>createStore</a:t>
-            </a:r>
-            <a:r>
-              <a:rPr lang="en-US" b="1" dirty="0" smtClean="0"/>
-              <a:t>(</a:t>
-            </a:r>
-            <a:r>
-              <a:rPr lang="en-US" b="1" dirty="0" err="1" smtClean="0"/>
-              <a:t>combineReducer</a:t>
-            </a:r>
-            <a:r>
-              <a:rPr lang="en-US" b="1" dirty="0"/>
-              <a:t>);</a:t>
-            </a:r>
-            <a:endParaRPr lang="en-US" dirty="0"/>
-          </a:p>
-        </p:txBody>
-      </p:sp>
+        </p:nvPicPr>
+        <p:blipFill>
+          <a:blip r:embed="rId2">
+            <a:extLst>
+              <a:ext uri="{28A0092B-C50C-407E-A947-70E740481C1C}">
+                <a14:useLocalDpi xmlns:a14="http://schemas.microsoft.com/office/drawing/2010/main" val="0"/>
+              </a:ext>
+            </a:extLst>
+          </a:blip>
+          <a:srcRect/>
+          <a:stretch>
+            <a:fillRect/>
+          </a:stretch>
+        </p:blipFill>
+        <p:spPr bwMode="auto">
+          <a:xfrm>
+            <a:off x="1000125" y="1853406"/>
+            <a:ext cx="7143750" cy="4019550"/>
+          </a:xfrm>
+          <a:prstGeom prst="rect">
+            <a:avLst/>
+          </a:prstGeom>
+          <a:noFill/>
+          <a:ln>
+            <a:noFill/>
+          </a:ln>
+          <a:extLst>
+            <a:ext uri="{909E8E84-426E-40DD-AFC4-6F175D3DCCD1}">
+              <a14:hiddenFill xmlns:a14="http://schemas.microsoft.com/office/drawing/2010/main">
+                <a:solidFill>
+                  <a:schemeClr val="accent1"/>
+                </a:solidFill>
+              </a14:hiddenFill>
+            </a:ext>
+            <a:ext uri="{91240B29-F687-4F45-9708-019B960494DF}">
+              <a14:hiddenLine xmlns:a14="http://schemas.microsoft.com/office/drawing/2010/main" w="9525">
+                <a:solidFill>
+                  <a:schemeClr val="tx1"/>
+                </a:solidFill>
+                <a:miter lim="800000"/>
+                <a:headEnd/>
+                <a:tailEnd/>
+              </a14:hiddenLine>
+            </a:ext>
+          </a:extLst>
+        </p:spPr>
+      </p:pic>
     </p:spTree>
     <p:extLst>
       <p:ext uri="{BB962C8B-B14F-4D97-AF65-F5344CB8AC3E}">
-        <p14:creationId xmlns:p14="http://schemas.microsoft.com/office/powerpoint/2010/main" val="2869211557"/>
+        <p14:creationId xmlns:p14="http://schemas.microsoft.com/office/powerpoint/2010/main" val="2264788697"/>
       </p:ext>
     </p:extLst>
   </p:cSld>
@@ -6335,6 +6181,41 @@
       </p:grpSpPr>
       <p:sp>
         <p:nvSpPr>
+          <p:cNvPr id="2" name="Title 1"/>
+          <p:cNvSpPr>
+            <a:spLocks noGrp="1"/>
+          </p:cNvSpPr>
+          <p:nvPr>
+            <p:ph type="title"/>
+          </p:nvPr>
+        </p:nvSpPr>
+        <p:spPr/>
+        <p:txBody>
+          <a:bodyPr/>
+          <a:lstStyle/>
+          <a:p>
+            <a:r>
+              <a:rPr lang="zh-CN" altLang="en-US" dirty="0"/>
+              <a:t>不需</a:t>
+            </a:r>
+            <a:r>
+              <a:rPr lang="zh-CN" altLang="en-US" dirty="0" smtClean="0"/>
+              <a:t>要使用</a:t>
+            </a:r>
+            <a:r>
+              <a:rPr lang="en-US" altLang="zh-CN" dirty="0" err="1" smtClean="0"/>
+              <a:t>Redux</a:t>
+            </a:r>
+            <a:r>
+              <a:rPr lang="zh-CN" altLang="en-US" dirty="0" smtClean="0"/>
+              <a:t>的情况</a:t>
+            </a:r>
+            <a:endParaRPr lang="en-US" dirty="0"/>
+          </a:p>
+        </p:txBody>
+      </p:sp>
+      <p:sp>
+        <p:nvSpPr>
           <p:cNvPr id="3" name="Content Placeholder 2"/>
           <p:cNvSpPr>
             <a:spLocks noGrp="1"/>
@@ -6343,176 +6224,94 @@
             <p:ph idx="1"/>
           </p:nvPr>
         </p:nvSpPr>
-        <p:spPr>
-          <a:xfrm>
-            <a:off x="457200" y="381000"/>
-            <a:ext cx="8229600" cy="5745163"/>
-          </a:xfrm>
-        </p:spPr>
-        <p:txBody>
-          <a:bodyPr>
-            <a:normAutofit fontScale="77500" lnSpcReduction="20000"/>
-          </a:bodyPr>
-          <a:lstStyle/>
-          <a:p>
-            <a:r>
-              <a:rPr lang="en-US" dirty="0"/>
-              <a:t>//reducer</a:t>
-            </a:r>
-          </a:p>
-          <a:p>
-            <a:r>
-              <a:rPr lang="en-US" b="1" dirty="0" err="1"/>
-              <a:t>const</a:t>
-            </a:r>
-            <a:r>
-              <a:rPr lang="en-US" b="1" dirty="0"/>
+        <p:spPr/>
+        <p:txBody>
+          <a:bodyPr/>
+          <a:lstStyle/>
+          <a:p>
+            <a:r>
+              <a:rPr lang="en-US" altLang="zh-CN" dirty="0"/>
+              <a:t>"</a:t>
+            </a:r>
+            <a:r>
+              <a:rPr lang="zh-CN" altLang="en-US" dirty="0"/>
+              <a:t>如果你不知道是否需要 </a:t>
+            </a:r>
+            <a:r>
+              <a:rPr lang="en-US" dirty="0" err="1"/>
+              <a:t>Redux</a:t>
+            </a:r>
+            <a:r>
+              <a:rPr lang="en-US" dirty="0"/>
+              <a:t>，</a:t>
+            </a:r>
+            <a:r>
+              <a:rPr lang="zh-CN" altLang="en-US" dirty="0"/>
+              <a:t>那就是不需要它</a:t>
+            </a:r>
+            <a:r>
+              <a:rPr lang="zh-CN" altLang="en-US" dirty="0" smtClean="0"/>
+              <a:t>。</a:t>
+            </a:r>
+            <a:r>
+              <a:rPr lang="en-US" altLang="zh-CN" dirty="0" smtClean="0"/>
+              <a:t>“</a:t>
+            </a:r>
+          </a:p>
+          <a:p>
+            <a:r>
+              <a:rPr lang="en-US" altLang="zh-CN" dirty="0"/>
+              <a:t>"</a:t>
+            </a:r>
+            <a:r>
+              <a:rPr lang="zh-CN" altLang="en-US" dirty="0"/>
+              <a:t>只有遇到 </a:t>
+            </a:r>
+            <a:r>
+              <a:rPr lang="en-US" dirty="0"/>
+              <a:t>React </a:t>
+            </a:r>
+            <a:r>
+              <a:rPr lang="zh-CN" altLang="en-US" dirty="0"/>
+              <a:t>实在解决不了的问题，你才需要 </a:t>
+            </a:r>
+            <a:r>
+              <a:rPr lang="en-US" dirty="0" err="1"/>
+              <a:t>Redux</a:t>
+            </a:r>
+            <a:r>
+              <a:rPr lang="en-US" dirty="0"/>
               <a:t> </a:t>
             </a:r>
             <a:r>
-              <a:rPr lang="en-US" b="1" dirty="0" err="1"/>
-              <a:t>counterReducer</a:t>
-            </a:r>
-            <a:r>
-              <a:rPr lang="en-US" b="1" dirty="0"/>
-              <a:t> = (state = 0, action) =&gt; {</a:t>
-            </a:r>
-          </a:p>
-          <a:p>
-            <a:r>
-              <a:rPr lang="en-US" dirty="0"/>
-              <a:t>  </a:t>
-            </a:r>
-            <a:r>
-              <a:rPr lang="en-US" b="1" dirty="0"/>
-              <a:t>switch (</a:t>
-            </a:r>
-            <a:r>
-              <a:rPr lang="en-US" b="1" dirty="0" err="1"/>
-              <a:t>action.type</a:t>
-            </a:r>
-            <a:r>
-              <a:rPr lang="en-US" b="1" dirty="0"/>
-              <a:t>) {</a:t>
-            </a:r>
-          </a:p>
-          <a:p>
-            <a:r>
-              <a:rPr lang="en-US" dirty="0"/>
-              <a:t>    </a:t>
-            </a:r>
-            <a:r>
-              <a:rPr lang="en-US" b="1" dirty="0"/>
-              <a:t>case 'INCREMENT': return state + 1;</a:t>
-            </a:r>
-          </a:p>
-          <a:p>
-            <a:r>
-              <a:rPr lang="en-US" dirty="0"/>
-              <a:t>    </a:t>
-            </a:r>
-            <a:r>
-              <a:rPr lang="en-US" b="1" dirty="0"/>
-              <a:t>case 'DECREMENT': return state - 1;</a:t>
-            </a:r>
-          </a:p>
-          <a:p>
-            <a:r>
-              <a:rPr lang="en-US" dirty="0"/>
-              <a:t>    </a:t>
-            </a:r>
-            <a:r>
-              <a:rPr lang="en-US" b="1" dirty="0"/>
-              <a:t>default: return state;</a:t>
-            </a:r>
-          </a:p>
-          <a:p>
-            <a:r>
-              <a:rPr lang="en-US" dirty="0"/>
-              <a:t>  }</a:t>
-            </a:r>
-          </a:p>
-          <a:p>
-            <a:r>
-              <a:rPr lang="en-US" dirty="0"/>
-              <a:t>};</a:t>
-            </a:r>
-          </a:p>
-          <a:p>
-            <a:endParaRPr lang="en-US" dirty="0"/>
-          </a:p>
-          <a:p>
-            <a:r>
-              <a:rPr lang="en-US" b="1" dirty="0" err="1"/>
-              <a:t>const</a:t>
-            </a:r>
-            <a:r>
-              <a:rPr lang="en-US" b="1" dirty="0"/>
+              <a:rPr lang="en-US" dirty="0" smtClean="0"/>
+              <a:t>。“</a:t>
+            </a:r>
+          </a:p>
+          <a:p>
+            <a:r>
+              <a:rPr lang="zh-CN" altLang="en-US" dirty="0"/>
+              <a:t>如果你的</a:t>
+            </a:r>
+            <a:r>
+              <a:rPr lang="en-US" altLang="zh-CN" dirty="0"/>
+              <a:t>UI</a:t>
+            </a:r>
+            <a:r>
+              <a:rPr lang="zh-CN" altLang="en-US" dirty="0"/>
+              <a:t>层非常简单，没有很多互动，</a:t>
+            </a:r>
+            <a:r>
+              <a:rPr lang="en-US" altLang="zh-CN" dirty="0" err="1"/>
+              <a:t>Redux</a:t>
+            </a:r>
+            <a:r>
+              <a:rPr lang="en-US" altLang="zh-CN" dirty="0"/>
               <a:t> </a:t>
             </a:r>
             <a:r>
-              <a:rPr lang="en-US" b="1" dirty="0" err="1"/>
-              <a:t>countCombineReducer</a:t>
-            </a:r>
-            <a:r>
-              <a:rPr lang="en-US" b="1" dirty="0"/>
-              <a:t> = </a:t>
-            </a:r>
-            <a:r>
-              <a:rPr lang="en-US" b="1" dirty="0" err="1"/>
-              <a:t>combineReducers</a:t>
-            </a:r>
-            <a:r>
-              <a:rPr lang="en-US" b="1" dirty="0"/>
-              <a:t>({</a:t>
-            </a:r>
-          </a:p>
-          <a:p>
-            <a:r>
-              <a:rPr lang="en-US" dirty="0" err="1"/>
-              <a:t>num:counterReducer</a:t>
-            </a:r>
-            <a:endParaRPr lang="en-US" dirty="0"/>
-          </a:p>
-          <a:p>
-            <a:r>
-              <a:rPr lang="en-US" dirty="0"/>
-              <a:t>})</a:t>
-            </a:r>
-          </a:p>
-          <a:p>
-            <a:endParaRPr lang="en-US" dirty="0"/>
-          </a:p>
-          <a:p>
-            <a:r>
-              <a:rPr lang="en-US" dirty="0"/>
-              <a:t>//store</a:t>
-            </a:r>
-          </a:p>
-          <a:p>
-            <a:r>
-              <a:rPr lang="en-US" b="1" dirty="0" err="1"/>
-              <a:t>const</a:t>
-            </a:r>
-            <a:r>
-              <a:rPr lang="en-US" b="1" dirty="0"/>
-              <a:t> store = </a:t>
-            </a:r>
-            <a:r>
-              <a:rPr lang="en-US" b="1" dirty="0" err="1"/>
-              <a:t>createStore</a:t>
-            </a:r>
-            <a:r>
-              <a:rPr lang="en-US" b="1" dirty="0"/>
-              <a:t>(</a:t>
-            </a:r>
-            <a:r>
-              <a:rPr lang="en-US" b="1" dirty="0" err="1"/>
-              <a:t>countCombineReducer</a:t>
-            </a:r>
-            <a:r>
-              <a:rPr lang="en-US" b="1" dirty="0"/>
-              <a:t>);</a:t>
+              <a:rPr lang="zh-CN" altLang="en-US" dirty="0"/>
+              <a:t>就是不必要的，用了反而增加复杂性</a:t>
             </a:r>
             <a:endParaRPr lang="en-US" dirty="0"/>
           </a:p>
@@ -6521,7 +6320,7 @@
     </p:spTree>
     <p:extLst>
       <p:ext uri="{BB962C8B-B14F-4D97-AF65-F5344CB8AC3E}">
-        <p14:creationId xmlns:p14="http://schemas.microsoft.com/office/powerpoint/2010/main" val="846529087"/>
+        <p14:creationId xmlns:p14="http://schemas.microsoft.com/office/powerpoint/2010/main" val="2312194080"/>
       </p:ext>
     </p:extLst>
   </p:cSld>
@@ -6563,7 +6362,19 @@
           <a:bodyPr/>
           <a:lstStyle/>
           <a:p>
-            <a:endParaRPr lang="en-US"/>
+            <a:r>
+              <a:rPr lang="zh-CN" altLang="en-US" dirty="0" smtClean="0"/>
+              <a:t>需要使用</a:t>
+            </a:r>
+            <a:r>
+              <a:rPr lang="en-US" altLang="zh-CN" dirty="0" err="1" smtClean="0"/>
+              <a:t>Redux</a:t>
+            </a:r>
+            <a:r>
+              <a:rPr lang="zh-CN" altLang="en-US" dirty="0" smtClean="0"/>
+              <a:t>的情况</a:t>
+            </a:r>
+            <a:endParaRPr lang="en-US" dirty="0"/>
           </a:p>
         </p:txBody>
       </p:sp>
@@ -6582,10 +6393,1756 @@
           <a:bodyPr/>
           <a:lstStyle/>
           <a:p>
-            <a:endParaRPr lang="en-US"/>
-          </a:p>
-        </p:txBody>
-      </p:sp>
+            <a:endParaRPr lang="en-US" altLang="zh-CN" dirty="0" smtClean="0"/>
+          </a:p>
+          <a:p>
+            <a:r>
+              <a:rPr lang="zh-CN" altLang="en-US" dirty="0" smtClean="0"/>
+              <a:t>某</a:t>
+            </a:r>
+            <a:r>
+              <a:rPr lang="zh-CN" altLang="en-US" dirty="0"/>
+              <a:t>个组件的状态，需要共享</a:t>
+            </a:r>
+          </a:p>
+          <a:p>
+            <a:r>
+              <a:rPr lang="zh-CN" altLang="en-US" dirty="0"/>
+              <a:t>某个状态需要在任何地方都可以拿到</a:t>
+            </a:r>
+          </a:p>
+          <a:p>
+            <a:r>
+              <a:rPr lang="zh-CN" altLang="en-US" dirty="0"/>
+              <a:t>一个组件需要改变全局状态</a:t>
+            </a:r>
+          </a:p>
+          <a:p>
+            <a:r>
+              <a:rPr lang="zh-CN" altLang="en-US" dirty="0"/>
+              <a:t>一个组件需要改变另一个组件的状态</a:t>
+            </a:r>
+          </a:p>
+          <a:p>
+            <a:endParaRPr lang="en-US" dirty="0"/>
+          </a:p>
+        </p:txBody>
+      </p:sp>
+    </p:spTree>
+    <p:extLst>
+      <p:ext uri="{BB962C8B-B14F-4D97-AF65-F5344CB8AC3E}">
+        <p14:creationId xmlns:p14="http://schemas.microsoft.com/office/powerpoint/2010/main" val="3953691805"/>
+      </p:ext>
+    </p:extLst>
+  </p:cSld>
+  <p:clrMapOvr>
+    <a:masterClrMapping/>
+  </p:clrMapOvr>
+</p:sld>
+</file>
+
+<file path=ppt/slides/slide28.xml><?xml version="1.0" encoding="utf-8"?>
+<p:sld xmlns:a="http://schemas.openxmlformats.org/drawingml/2006/main" xmlns:r="http://schemas.openxmlformats.org/officeDocument/2006/relationships" xmlns:p="http://schemas.openxmlformats.org/presentationml/2006/main">
+  <p:cSld>
+    <p:spTree>
+      <p:nvGrpSpPr>
+        <p:cNvPr id="1" name=""/>
+        <p:cNvGrpSpPr/>
+        <p:nvPr/>
+      </p:nvGrpSpPr>
+      <p:grpSpPr>
+        <a:xfrm>
+          <a:off x="0" y="0"/>
+          <a:ext cx="0" cy="0"/>
+          <a:chOff x="0" y="0"/>
+          <a:chExt cx="0" cy="0"/>
+        </a:xfrm>
+      </p:grpSpPr>
+      <p:sp>
+        <p:nvSpPr>
+          <p:cNvPr id="2" name="Title 1"/>
+          <p:cNvSpPr>
+            <a:spLocks noGrp="1"/>
+          </p:cNvSpPr>
+          <p:nvPr>
+            <p:ph type="title"/>
+          </p:nvPr>
+        </p:nvSpPr>
+        <p:spPr/>
+        <p:txBody>
+          <a:bodyPr>
+            <a:normAutofit/>
+          </a:bodyPr>
+          <a:lstStyle/>
+          <a:p>
+            <a:r>
+              <a:rPr lang="zh-CN" altLang="en-US" b="1" dirty="0"/>
+              <a:t>三大原</a:t>
+            </a:r>
+            <a:r>
+              <a:rPr lang="zh-CN" altLang="en-US" b="1" dirty="0" smtClean="0"/>
+              <a:t>则</a:t>
+            </a:r>
+            <a:endParaRPr lang="en-US" dirty="0"/>
+          </a:p>
+        </p:txBody>
+      </p:sp>
+      <p:sp>
+        <p:nvSpPr>
+          <p:cNvPr id="3" name="Content Placeholder 2"/>
+          <p:cNvSpPr>
+            <a:spLocks noGrp="1"/>
+          </p:cNvSpPr>
+          <p:nvPr>
+            <p:ph idx="1"/>
+          </p:nvPr>
+        </p:nvSpPr>
+        <p:spPr/>
+        <p:txBody>
+          <a:bodyPr>
+            <a:normAutofit fontScale="92500"/>
+          </a:bodyPr>
+          <a:lstStyle/>
+          <a:p>
+            <a:r>
+              <a:rPr lang="zh-CN" altLang="en-US" b="1" dirty="0"/>
+              <a:t>单一数据源</a:t>
+            </a:r>
+          </a:p>
+          <a:p>
+            <a:pPr lvl="1"/>
+            <a:r>
+              <a:rPr lang="zh-CN" altLang="en-US" b="1" dirty="0"/>
+              <a:t>整个应用的 </a:t>
+            </a:r>
+            <a:r>
+              <a:rPr lang="en-US" b="1" dirty="0" smtClean="0"/>
+              <a:t>state</a:t>
+            </a:r>
+            <a:r>
+              <a:rPr lang="en-US" b="1" dirty="0"/>
+              <a:t> </a:t>
+            </a:r>
+            <a:r>
+              <a:rPr lang="zh-CN" altLang="en-US" b="1" dirty="0"/>
+              <a:t>被储存在一棵 </a:t>
+            </a:r>
+            <a:r>
+              <a:rPr lang="en-US" b="1" dirty="0"/>
+              <a:t>object tree </a:t>
+            </a:r>
+            <a:r>
+              <a:rPr lang="zh-CN" altLang="en-US" b="1" dirty="0"/>
+              <a:t>中，并且这个 </a:t>
+            </a:r>
+            <a:r>
+              <a:rPr lang="en-US" b="1" dirty="0"/>
+              <a:t>object tree </a:t>
+            </a:r>
+            <a:r>
+              <a:rPr lang="zh-CN" altLang="en-US" b="1" dirty="0"/>
+              <a:t>只存在于唯一一个 </a:t>
+            </a:r>
+            <a:r>
+              <a:rPr lang="en-US" b="1" dirty="0" smtClean="0"/>
+              <a:t>store</a:t>
+            </a:r>
+            <a:r>
+              <a:rPr lang="en-US" b="1" dirty="0"/>
+              <a:t> </a:t>
+            </a:r>
+            <a:r>
+              <a:rPr lang="zh-CN" altLang="en-US" b="1" dirty="0"/>
+              <a:t>中。</a:t>
+            </a:r>
+            <a:endParaRPr lang="zh-CN" altLang="en-US" dirty="0"/>
+          </a:p>
+          <a:p>
+            <a:r>
+              <a:rPr lang="en-US" b="1" dirty="0"/>
+              <a:t>State </a:t>
+            </a:r>
+            <a:r>
+              <a:rPr lang="zh-CN" altLang="en-US" b="1" dirty="0"/>
+              <a:t>是只读的</a:t>
+            </a:r>
+          </a:p>
+          <a:p>
+            <a:pPr lvl="1"/>
+            <a:r>
+              <a:rPr lang="zh-CN" altLang="en-US" b="1" dirty="0"/>
+              <a:t>惟一改变 </a:t>
+            </a:r>
+            <a:r>
+              <a:rPr lang="en-US" b="1" dirty="0"/>
+              <a:t>state </a:t>
+            </a:r>
+            <a:r>
+              <a:rPr lang="zh-CN" altLang="en-US" b="1" dirty="0"/>
+              <a:t>的方法就是触</a:t>
+            </a:r>
+            <a:r>
+              <a:rPr lang="zh-CN" altLang="en-US" b="1" dirty="0" smtClean="0"/>
+              <a:t>发</a:t>
+            </a:r>
+            <a:r>
+              <a:rPr lang="en-US" altLang="zh-CN" b="1" dirty="0" err="1" smtClean="0"/>
+              <a:t>action</a:t>
+            </a:r>
+            <a:r>
+              <a:rPr lang="en-US" b="1" dirty="0" err="1" smtClean="0"/>
+              <a:t>，action</a:t>
+            </a:r>
+            <a:r>
+              <a:rPr lang="en-US" b="1" dirty="0" smtClean="0"/>
+              <a:t> </a:t>
+            </a:r>
+            <a:r>
+              <a:rPr lang="zh-CN" altLang="en-US" b="1" dirty="0"/>
+              <a:t>是一个用于描述已发生事件的普通对象。</a:t>
+            </a:r>
+          </a:p>
+          <a:p>
+            <a:r>
+              <a:rPr lang="zh-CN" altLang="en-US" b="1" dirty="0"/>
+              <a:t>使用纯函数来执行修改</a:t>
+            </a:r>
+          </a:p>
+          <a:p>
+            <a:pPr lvl="1"/>
+            <a:r>
+              <a:rPr lang="zh-CN" altLang="en-US" b="1" dirty="0"/>
+              <a:t>为了描述 </a:t>
+            </a:r>
+            <a:r>
+              <a:rPr lang="en-US" b="1" dirty="0"/>
+              <a:t>action </a:t>
+            </a:r>
+            <a:r>
+              <a:rPr lang="zh-CN" altLang="en-US" b="1" dirty="0"/>
+              <a:t>如何改变 </a:t>
+            </a:r>
+            <a:r>
+              <a:rPr lang="en-US" b="1" dirty="0"/>
+              <a:t>state tree ，</a:t>
+            </a:r>
+            <a:r>
+              <a:rPr lang="zh-CN" altLang="en-US" b="1" dirty="0"/>
+              <a:t>你需要编写 </a:t>
+            </a:r>
+            <a:r>
+              <a:rPr lang="en-US" b="1" dirty="0" smtClean="0"/>
+              <a:t>reducers。</a:t>
+            </a:r>
+            <a:endParaRPr lang="en-US" dirty="0"/>
+          </a:p>
+          <a:p>
+            <a:endParaRPr lang="en-US" dirty="0"/>
+          </a:p>
+        </p:txBody>
+      </p:sp>
+    </p:spTree>
+    <p:extLst>
+      <p:ext uri="{BB962C8B-B14F-4D97-AF65-F5344CB8AC3E}">
+        <p14:creationId xmlns:p14="http://schemas.microsoft.com/office/powerpoint/2010/main" val="2537041119"/>
+      </p:ext>
+    </p:extLst>
+  </p:cSld>
+  <p:clrMapOvr>
+    <a:masterClrMapping/>
+  </p:clrMapOvr>
+</p:sld>
+</file>
+
+<file path=ppt/slides/slide29.xml><?xml version="1.0" encoding="utf-8"?>
+<p:sld xmlns:a="http://schemas.openxmlformats.org/drawingml/2006/main" xmlns:r="http://schemas.openxmlformats.org/officeDocument/2006/relationships" xmlns:p="http://schemas.openxmlformats.org/presentationml/2006/main">
+  <p:cSld>
+    <p:spTree>
+      <p:nvGrpSpPr>
+        <p:cNvPr id="1" name=""/>
+        <p:cNvGrpSpPr/>
+        <p:nvPr/>
+      </p:nvGrpSpPr>
+      <p:grpSpPr>
+        <a:xfrm>
+          <a:off x="0" y="0"/>
+          <a:ext cx="0" cy="0"/>
+          <a:chOff x="0" y="0"/>
+          <a:chExt cx="0" cy="0"/>
+        </a:xfrm>
+      </p:grpSpPr>
+      <p:sp>
+        <p:nvSpPr>
+          <p:cNvPr id="2" name="Title 1"/>
+          <p:cNvSpPr>
+            <a:spLocks noGrp="1"/>
+          </p:cNvSpPr>
+          <p:nvPr>
+            <p:ph type="title"/>
+          </p:nvPr>
+        </p:nvSpPr>
+        <p:spPr/>
+        <p:txBody>
+          <a:bodyPr>
+            <a:normAutofit fontScale="90000"/>
+          </a:bodyPr>
+          <a:lstStyle/>
+          <a:p>
+            <a:r>
+              <a:rPr lang="en-US" sz="4000" b="1" dirty="0" err="1"/>
+              <a:t>React.createClass</a:t>
+            </a:r>
+            <a:r>
+              <a:rPr lang="en-US" sz="4000" b="1" dirty="0"/>
+              <a:t> </a:t>
+            </a:r>
+            <a:r>
+              <a:rPr lang="zh-CN" altLang="en-US" sz="4000" b="1" dirty="0"/>
+              <a:t>与 </a:t>
+            </a:r>
+            <a:r>
+              <a:rPr lang="en-US" sz="4000" b="1" dirty="0" err="1" smtClean="0"/>
+              <a:t>React.Component</a:t>
+            </a:r>
+            <a:endParaRPr lang="en-US" dirty="0"/>
+          </a:p>
+        </p:txBody>
+      </p:sp>
+      <p:sp>
+        <p:nvSpPr>
+          <p:cNvPr id="3" name="Content Placeholder 2"/>
+          <p:cNvSpPr>
+            <a:spLocks noGrp="1"/>
+          </p:cNvSpPr>
+          <p:nvPr>
+            <p:ph idx="1"/>
+          </p:nvPr>
+        </p:nvSpPr>
+        <p:spPr/>
+        <p:txBody>
+          <a:bodyPr>
+            <a:normAutofit/>
+          </a:bodyPr>
+          <a:lstStyle/>
+          <a:p>
+            <a:r>
+              <a:rPr lang="zh-CN" altLang="en-US" b="1" dirty="0"/>
+              <a:t>组件初始状态</a:t>
+            </a:r>
+            <a:r>
+              <a:rPr lang="en-US" b="1" dirty="0"/>
+              <a:t>state</a:t>
+            </a:r>
+            <a:r>
+              <a:rPr lang="zh-CN" altLang="en-US" b="1" dirty="0"/>
+              <a:t>的配置不同</a:t>
+            </a:r>
+          </a:p>
+          <a:p>
+            <a:pPr marL="400050" lvl="1" indent="0">
+              <a:buNone/>
+            </a:pPr>
+            <a:r>
+              <a:rPr lang="en-US" sz="2600" dirty="0" err="1"/>
+              <a:t>React.createClass</a:t>
+            </a:r>
+            <a:r>
+              <a:rPr lang="zh-CN" altLang="en-US" sz="2600" dirty="0"/>
+              <a:t>创建的组件，其状态</a:t>
+            </a:r>
+            <a:r>
+              <a:rPr lang="en-US" sz="2600" dirty="0"/>
+              <a:t>state</a:t>
+            </a:r>
+            <a:r>
+              <a:rPr lang="zh-CN" altLang="en-US" sz="2600" dirty="0"/>
+              <a:t>是通过</a:t>
+            </a:r>
+            <a:r>
+              <a:rPr lang="en-US" sz="2600" b="1" dirty="0" err="1"/>
+              <a:t>getInitialState</a:t>
+            </a:r>
+            <a:r>
+              <a:rPr lang="zh-CN" altLang="en-US" sz="2600" dirty="0"/>
+              <a:t>方法来配置组件相关的状态；</a:t>
+            </a:r>
+          </a:p>
+          <a:p>
+            <a:pPr marL="400050" lvl="1" indent="0">
+              <a:buNone/>
+            </a:pPr>
+            <a:r>
+              <a:rPr lang="en-US" sz="2600" dirty="0" err="1"/>
+              <a:t>React.Component</a:t>
+            </a:r>
+            <a:r>
+              <a:rPr lang="zh-CN" altLang="en-US" sz="2600" dirty="0"/>
+              <a:t>创建的组件，其状态</a:t>
+            </a:r>
+            <a:r>
+              <a:rPr lang="en-US" sz="2600" dirty="0"/>
+              <a:t>state</a:t>
+            </a:r>
+            <a:r>
+              <a:rPr lang="zh-CN" altLang="en-US" sz="2600" dirty="0"/>
+              <a:t>是在</a:t>
+            </a:r>
+            <a:r>
+              <a:rPr lang="en-US" sz="2600" b="1" dirty="0"/>
+              <a:t>constructor</a:t>
+            </a:r>
+            <a:r>
+              <a:rPr lang="zh-CN" altLang="en-US" sz="2600" dirty="0"/>
+              <a:t>中像初始化组件属性一样声明的。</a:t>
+            </a:r>
+          </a:p>
+          <a:p>
+            <a:r>
+              <a:rPr lang="zh-CN" altLang="en-US" b="1" dirty="0"/>
+              <a:t>函数</a:t>
+            </a:r>
+            <a:r>
+              <a:rPr lang="en-US" b="1" dirty="0"/>
+              <a:t>this</a:t>
+            </a:r>
+            <a:r>
+              <a:rPr lang="zh-CN" altLang="en-US" b="1" dirty="0"/>
+              <a:t>自绑定</a:t>
+            </a:r>
+          </a:p>
+          <a:p>
+            <a:pPr marL="400050" lvl="1" indent="0">
+              <a:buNone/>
+            </a:pPr>
+            <a:r>
+              <a:rPr lang="en-US" sz="2600" dirty="0" err="1"/>
+              <a:t>React.createClass</a:t>
+            </a:r>
+            <a:r>
+              <a:rPr lang="zh-CN" altLang="en-US" sz="2600" dirty="0"/>
+              <a:t>创建的组件，其每一个成员函数的</a:t>
+            </a:r>
+            <a:r>
+              <a:rPr lang="en-US" sz="2600" dirty="0"/>
+              <a:t>this</a:t>
+            </a:r>
+            <a:r>
+              <a:rPr lang="zh-CN" altLang="en-US" sz="2600" dirty="0"/>
+              <a:t>都有</a:t>
+            </a:r>
+            <a:r>
+              <a:rPr lang="en-US" sz="2600" dirty="0"/>
+              <a:t>React</a:t>
+            </a:r>
+            <a:r>
+              <a:rPr lang="zh-CN" altLang="en-US" sz="2600" dirty="0"/>
+              <a:t>自动绑定，任何时候使用，直接使用</a:t>
+            </a:r>
+            <a:r>
+              <a:rPr lang="en-US" sz="2600" dirty="0" err="1"/>
+              <a:t>this.method</a:t>
+            </a:r>
+            <a:r>
+              <a:rPr lang="zh-CN" altLang="en-US" sz="2600" dirty="0"/>
+              <a:t>即可，函数中的</a:t>
+            </a:r>
+            <a:r>
+              <a:rPr lang="en-US" sz="2600" dirty="0"/>
+              <a:t>this</a:t>
+            </a:r>
+            <a:r>
+              <a:rPr lang="zh-CN" altLang="en-US" sz="2600" dirty="0"/>
+              <a:t>会被正确设置。</a:t>
+            </a:r>
+          </a:p>
+          <a:p>
+            <a:endParaRPr lang="en-US" dirty="0"/>
+          </a:p>
+        </p:txBody>
+      </p:sp>
+    </p:spTree>
+    <p:extLst>
+      <p:ext uri="{BB962C8B-B14F-4D97-AF65-F5344CB8AC3E}">
+        <p14:creationId xmlns:p14="http://schemas.microsoft.com/office/powerpoint/2010/main" val="459263903"/>
+      </p:ext>
+    </p:extLst>
+  </p:cSld>
+  <p:clrMapOvr>
+    <a:masterClrMapping/>
+  </p:clrMapOvr>
+</p:sld>
+</file>
+
+<file path=ppt/slides/slide3.xml><?xml version="1.0" encoding="utf-8"?>
+<p:sld xmlns:a="http://schemas.openxmlformats.org/drawingml/2006/main" xmlns:r="http://schemas.openxmlformats.org/officeDocument/2006/relationships" xmlns:p="http://schemas.openxmlformats.org/presentationml/2006/main">
+  <p:cSld>
+    <p:spTree>
+      <p:nvGrpSpPr>
+        <p:cNvPr id="1" name=""/>
+        <p:cNvGrpSpPr/>
+        <p:nvPr/>
+      </p:nvGrpSpPr>
+      <p:grpSpPr>
+        <a:xfrm>
+          <a:off x="0" y="0"/>
+          <a:ext cx="0" cy="0"/>
+          <a:chOff x="0" y="0"/>
+          <a:chExt cx="0" cy="0"/>
+        </a:xfrm>
+      </p:grpSpPr>
+      <p:sp>
+        <p:nvSpPr>
+          <p:cNvPr id="2" name="Title 1"/>
+          <p:cNvSpPr>
+            <a:spLocks noGrp="1"/>
+          </p:cNvSpPr>
+          <p:nvPr>
+            <p:ph type="title"/>
+          </p:nvPr>
+        </p:nvSpPr>
+        <p:spPr/>
+        <p:txBody>
+          <a:bodyPr/>
+          <a:lstStyle/>
+          <a:p>
+            <a:r>
+              <a:rPr lang="zh-CN" altLang="en-US" dirty="0" smtClean="0"/>
+              <a:t>计数器</a:t>
+            </a:r>
+            <a:endParaRPr lang="en-US" dirty="0"/>
+          </a:p>
+        </p:txBody>
+      </p:sp>
+      <p:pic>
+        <p:nvPicPr>
+          <p:cNvPr id="9218" name="Picture 2"/>
+          <p:cNvPicPr>
+            <a:picLocks noGrp="1" noChangeAspect="1" noChangeArrowheads="1"/>
+          </p:cNvPicPr>
+          <p:nvPr>
+            <p:ph idx="1"/>
+          </p:nvPr>
+        </p:nvPicPr>
+        <p:blipFill>
+          <a:blip r:embed="rId2">
+            <a:extLst>
+              <a:ext uri="{28A0092B-C50C-407E-A947-70E740481C1C}">
+                <a14:useLocalDpi xmlns:a14="http://schemas.microsoft.com/office/drawing/2010/main" val="0"/>
+              </a:ext>
+            </a:extLst>
+          </a:blip>
+          <a:srcRect/>
+          <a:stretch>
+            <a:fillRect/>
+          </a:stretch>
+        </p:blipFill>
+        <p:spPr bwMode="auto">
+          <a:xfrm>
+            <a:off x="1362681" y="1600200"/>
+            <a:ext cx="6418638" cy="4525963"/>
+          </a:xfrm>
+          <a:prstGeom prst="rect">
+            <a:avLst/>
+          </a:prstGeom>
+          <a:noFill/>
+          <a:ln>
+            <a:noFill/>
+          </a:ln>
+          <a:extLst>
+            <a:ext uri="{909E8E84-426E-40DD-AFC4-6F175D3DCCD1}">
+              <a14:hiddenFill xmlns:a14="http://schemas.microsoft.com/office/drawing/2010/main">
+                <a:solidFill>
+                  <a:schemeClr val="accent1"/>
+                </a:solidFill>
+              </a14:hiddenFill>
+            </a:ext>
+            <a:ext uri="{91240B29-F687-4F45-9708-019B960494DF}">
+              <a14:hiddenLine xmlns:a14="http://schemas.microsoft.com/office/drawing/2010/main" w="9525">
+                <a:solidFill>
+                  <a:schemeClr val="tx1"/>
+                </a:solidFill>
+                <a:miter lim="800000"/>
+                <a:headEnd/>
+                <a:tailEnd/>
+              </a14:hiddenLine>
+            </a:ext>
+          </a:extLst>
+        </p:spPr>
+      </p:pic>
+    </p:spTree>
+    <p:extLst>
+      <p:ext uri="{BB962C8B-B14F-4D97-AF65-F5344CB8AC3E}">
+        <p14:creationId xmlns:p14="http://schemas.microsoft.com/office/powerpoint/2010/main" val="2845883050"/>
+      </p:ext>
+    </p:extLst>
+  </p:cSld>
+  <p:clrMapOvr>
+    <a:masterClrMapping/>
+  </p:clrMapOvr>
+</p:sld>
+</file>
+
+<file path=ppt/slides/slide30.xml><?xml version="1.0" encoding="utf-8"?>
+<p:sld xmlns:a="http://schemas.openxmlformats.org/drawingml/2006/main" xmlns:r="http://schemas.openxmlformats.org/officeDocument/2006/relationships" xmlns:p="http://schemas.openxmlformats.org/presentationml/2006/main">
+  <p:cSld>
+    <p:spTree>
+      <p:nvGrpSpPr>
+        <p:cNvPr id="1" name=""/>
+        <p:cNvGrpSpPr/>
+        <p:nvPr/>
+      </p:nvGrpSpPr>
+      <p:grpSpPr>
+        <a:xfrm>
+          <a:off x="0" y="0"/>
+          <a:ext cx="0" cy="0"/>
+          <a:chOff x="0" y="0"/>
+          <a:chExt cx="0" cy="0"/>
+        </a:xfrm>
+      </p:grpSpPr>
+      <p:sp>
+        <p:nvSpPr>
+          <p:cNvPr id="2" name="Title 1"/>
+          <p:cNvSpPr>
+            <a:spLocks noGrp="1"/>
+          </p:cNvSpPr>
+          <p:nvPr>
+            <p:ph type="title"/>
+          </p:nvPr>
+        </p:nvSpPr>
+        <p:spPr/>
+        <p:txBody>
+          <a:bodyPr>
+            <a:normAutofit fontScale="90000"/>
+          </a:bodyPr>
+          <a:lstStyle/>
+          <a:p>
+            <a:r>
+              <a:rPr lang="en-US" dirty="0" err="1"/>
+              <a:t>React.Component</a:t>
+            </a:r>
+            <a:r>
+              <a:rPr lang="en-US" dirty="0"/>
+              <a:t> </a:t>
+            </a:r>
+            <a:r>
+              <a:rPr lang="en-US" dirty="0" smtClean="0"/>
+              <a:t/>
+            </a:r>
+            <a:br>
+              <a:rPr lang="en-US" dirty="0" smtClean="0"/>
+            </a:br>
+            <a:r>
+              <a:rPr lang="en-US" dirty="0" smtClean="0"/>
+              <a:t>3</a:t>
+            </a:r>
+            <a:r>
+              <a:rPr lang="zh-CN" altLang="en-US" dirty="0"/>
+              <a:t>种手动绑定</a:t>
+            </a:r>
+            <a:r>
+              <a:rPr lang="en-US" dirty="0"/>
+              <a:t>this</a:t>
+            </a:r>
+            <a:r>
+              <a:rPr lang="zh-CN" altLang="en-US" dirty="0"/>
+              <a:t>的方法</a:t>
+            </a:r>
+            <a:endParaRPr lang="en-US" dirty="0"/>
+          </a:p>
+        </p:txBody>
+      </p:sp>
+      <p:sp>
+        <p:nvSpPr>
+          <p:cNvPr id="3" name="Content Placeholder 2"/>
+          <p:cNvSpPr>
+            <a:spLocks noGrp="1"/>
+          </p:cNvSpPr>
+          <p:nvPr>
+            <p:ph idx="1"/>
+          </p:nvPr>
+        </p:nvSpPr>
+        <p:spPr/>
+        <p:txBody>
+          <a:bodyPr>
+            <a:normAutofit/>
+          </a:bodyPr>
+          <a:lstStyle/>
+          <a:p>
+            <a:r>
+              <a:rPr lang="zh-CN" altLang="en-US" b="1" dirty="0" smtClean="0"/>
+              <a:t>在</a:t>
+            </a:r>
+            <a:r>
+              <a:rPr lang="zh-CN" altLang="en-US" b="1" dirty="0"/>
+              <a:t>构造函数中完成绑</a:t>
+            </a:r>
+            <a:r>
+              <a:rPr lang="zh-CN" altLang="en-US" b="1" dirty="0" smtClean="0"/>
+              <a:t>定</a:t>
+            </a:r>
+            <a:endParaRPr lang="en-US" altLang="zh-CN" b="1" dirty="0" smtClean="0"/>
+          </a:p>
+          <a:p>
+            <a:pPr marL="400050" lvl="1" indent="0">
+              <a:buNone/>
+            </a:pPr>
+            <a:r>
+              <a:rPr lang="en-US" sz="2000" dirty="0"/>
+              <a:t>constructor(props) { </a:t>
+            </a:r>
+            <a:endParaRPr lang="en-US" sz="2000" dirty="0" smtClean="0"/>
+          </a:p>
+          <a:p>
+            <a:pPr marL="400050" lvl="1" indent="0">
+              <a:buNone/>
+            </a:pPr>
+            <a:r>
+              <a:rPr lang="en-US" sz="2000" dirty="0" smtClean="0"/>
+              <a:t>super(props</a:t>
+            </a:r>
+            <a:r>
+              <a:rPr lang="en-US" sz="2000" dirty="0"/>
+              <a:t>); </a:t>
+            </a:r>
+            <a:endParaRPr lang="en-US" sz="2000" dirty="0" smtClean="0"/>
+          </a:p>
+          <a:p>
+            <a:pPr marL="400050" lvl="1" indent="0">
+              <a:buNone/>
+            </a:pPr>
+            <a:r>
+              <a:rPr lang="en-US" sz="2000" dirty="0" err="1" smtClean="0"/>
+              <a:t>this.handleClick</a:t>
+            </a:r>
+            <a:r>
+              <a:rPr lang="en-US" sz="2000" dirty="0" smtClean="0"/>
+              <a:t> </a:t>
+            </a:r>
+            <a:r>
+              <a:rPr lang="en-US" sz="2000" dirty="0"/>
+              <a:t>= </a:t>
+            </a:r>
+            <a:r>
+              <a:rPr lang="en-US" sz="2000" dirty="0" err="1"/>
+              <a:t>this.handleClick.bind</a:t>
+            </a:r>
+            <a:r>
+              <a:rPr lang="en-US" sz="2000" dirty="0"/>
+              <a:t>(this</a:t>
+            </a:r>
+            <a:r>
+              <a:rPr lang="en-US" sz="2000" dirty="0" smtClean="0"/>
+              <a:t>);</a:t>
+            </a:r>
+          </a:p>
+          <a:p>
+            <a:pPr marL="400050" lvl="1" indent="0">
+              <a:buNone/>
+            </a:pPr>
+            <a:r>
+              <a:rPr lang="en-US" altLang="zh-CN" sz="2000" dirty="0" smtClean="0"/>
+              <a:t>}</a:t>
+            </a:r>
+            <a:endParaRPr lang="zh-CN" altLang="en-US" sz="2000" dirty="0"/>
+          </a:p>
+          <a:p>
+            <a:r>
+              <a:rPr lang="zh-CN" altLang="en-US" b="1" dirty="0"/>
+              <a:t>调用时使用</a:t>
+            </a:r>
+            <a:r>
+              <a:rPr lang="en-US" b="1" dirty="0" err="1"/>
+              <a:t>method.bind</a:t>
+            </a:r>
+            <a:r>
+              <a:rPr lang="en-US" b="1" dirty="0"/>
+              <a:t>(this</a:t>
+            </a:r>
+            <a:r>
+              <a:rPr lang="en-US" b="1" dirty="0" smtClean="0"/>
+              <a:t>)</a:t>
+            </a:r>
+          </a:p>
+          <a:p>
+            <a:pPr marL="400050" lvl="1" indent="0">
+              <a:buNone/>
+            </a:pPr>
+            <a:r>
+              <a:rPr lang="en-US" sz="2000" dirty="0"/>
+              <a:t>&lt;div </a:t>
+            </a:r>
+            <a:r>
+              <a:rPr lang="en-US" sz="2000" dirty="0" err="1"/>
+              <a:t>onClick</a:t>
+            </a:r>
+            <a:r>
+              <a:rPr lang="en-US" sz="2000" dirty="0"/>
+              <a:t>={</a:t>
+            </a:r>
+            <a:r>
+              <a:rPr lang="en-US" sz="2000" dirty="0" err="1"/>
+              <a:t>this.handleClick.bind</a:t>
+            </a:r>
+            <a:r>
+              <a:rPr lang="en-US" sz="2000" dirty="0"/>
+              <a:t>(this)}&gt;&lt;/div&gt;</a:t>
+            </a:r>
+          </a:p>
+          <a:p>
+            <a:r>
+              <a:rPr lang="zh-CN" altLang="en-US" b="1" dirty="0"/>
+              <a:t>使用</a:t>
+            </a:r>
+            <a:r>
+              <a:rPr lang="en-US" b="1" dirty="0"/>
+              <a:t>arrow function</a:t>
+            </a:r>
+            <a:r>
+              <a:rPr lang="zh-CN" altLang="en-US" b="1" dirty="0"/>
+              <a:t>来绑</a:t>
+            </a:r>
+            <a:r>
+              <a:rPr lang="zh-CN" altLang="en-US" b="1" dirty="0" smtClean="0"/>
+              <a:t>定</a:t>
+            </a:r>
+            <a:endParaRPr lang="en-US" altLang="zh-CN" b="1" dirty="0" smtClean="0"/>
+          </a:p>
+          <a:p>
+            <a:pPr marL="400050" lvl="1" indent="0">
+              <a:buNone/>
+            </a:pPr>
+            <a:r>
+              <a:rPr lang="en-US" sz="2200" dirty="0"/>
+              <a:t>&lt;div </a:t>
+            </a:r>
+            <a:r>
+              <a:rPr lang="en-US" sz="2200" dirty="0" err="1"/>
+              <a:t>onClick</a:t>
+            </a:r>
+            <a:r>
+              <a:rPr lang="en-US" sz="2200" dirty="0"/>
+              <a:t>={()=&gt;</a:t>
+            </a:r>
+            <a:r>
+              <a:rPr lang="en-US" sz="2200" dirty="0" err="1"/>
+              <a:t>this.handleClick</a:t>
+            </a:r>
+            <a:r>
+              <a:rPr lang="en-US" sz="2200" dirty="0"/>
+              <a:t>()}&gt;&lt;/div&gt;</a:t>
+            </a:r>
+            <a:endParaRPr lang="zh-CN" altLang="en-US" sz="2200" dirty="0"/>
+          </a:p>
+          <a:p>
+            <a:endParaRPr lang="en-US" dirty="0"/>
+          </a:p>
+        </p:txBody>
+      </p:sp>
+    </p:spTree>
+    <p:extLst>
+      <p:ext uri="{BB962C8B-B14F-4D97-AF65-F5344CB8AC3E}">
+        <p14:creationId xmlns:p14="http://schemas.microsoft.com/office/powerpoint/2010/main" val="3292111289"/>
+      </p:ext>
+    </p:extLst>
+  </p:cSld>
+  <p:clrMapOvr>
+    <a:masterClrMapping/>
+  </p:clrMapOvr>
+</p:sld>
+</file>
+
+<file path=ppt/slides/slide31.xml><?xml version="1.0" encoding="utf-8"?>
+<p:sld xmlns:a="http://schemas.openxmlformats.org/drawingml/2006/main" xmlns:r="http://schemas.openxmlformats.org/officeDocument/2006/relationships" xmlns:p="http://schemas.openxmlformats.org/presentationml/2006/main">
+  <p:cSld>
+    <p:spTree>
+      <p:nvGrpSpPr>
+        <p:cNvPr id="1" name=""/>
+        <p:cNvGrpSpPr/>
+        <p:nvPr/>
+      </p:nvGrpSpPr>
+      <p:grpSpPr>
+        <a:xfrm>
+          <a:off x="0" y="0"/>
+          <a:ext cx="0" cy="0"/>
+          <a:chOff x="0" y="0"/>
+          <a:chExt cx="0" cy="0"/>
+        </a:xfrm>
+      </p:grpSpPr>
+      <p:sp>
+        <p:nvSpPr>
+          <p:cNvPr id="2" name="Title 1"/>
+          <p:cNvSpPr>
+            <a:spLocks noGrp="1"/>
+          </p:cNvSpPr>
+          <p:nvPr>
+            <p:ph type="title"/>
+          </p:nvPr>
+        </p:nvSpPr>
+        <p:spPr/>
+        <p:txBody>
+          <a:bodyPr>
+            <a:normAutofit/>
+          </a:bodyPr>
+          <a:lstStyle/>
+          <a:p>
+            <a:r>
+              <a:rPr lang="zh-CN" altLang="en-US" dirty="0"/>
+              <a:t>无状态组件的特点</a:t>
+            </a:r>
+            <a:r>
+              <a:rPr lang="zh-CN" altLang="en-US" dirty="0" smtClean="0"/>
+              <a:t>：</a:t>
+            </a:r>
+            <a:endParaRPr lang="en-US" dirty="0"/>
+          </a:p>
+        </p:txBody>
+      </p:sp>
+      <p:sp>
+        <p:nvSpPr>
+          <p:cNvPr id="3" name="Content Placeholder 2"/>
+          <p:cNvSpPr>
+            <a:spLocks noGrp="1"/>
+          </p:cNvSpPr>
+          <p:nvPr>
+            <p:ph idx="1"/>
+          </p:nvPr>
+        </p:nvSpPr>
+        <p:spPr/>
+        <p:txBody>
+          <a:bodyPr>
+            <a:normAutofit fontScale="70000" lnSpcReduction="20000"/>
+          </a:bodyPr>
+          <a:lstStyle/>
+          <a:p>
+            <a:r>
+              <a:rPr lang="zh-CN" altLang="en-US" b="1" dirty="0" smtClean="0"/>
+              <a:t>组</a:t>
+            </a:r>
+            <a:r>
+              <a:rPr lang="zh-CN" altLang="en-US" b="1" dirty="0"/>
+              <a:t>件不会被实例化，整体渲染性能得到提升</a:t>
+            </a:r>
+            <a:endParaRPr lang="zh-CN" altLang="en-US" dirty="0"/>
+          </a:p>
+          <a:p>
+            <a:r>
+              <a:rPr lang="zh-CN" altLang="en-US" dirty="0"/>
+              <a:t>因为组件被精简成一个</a:t>
+            </a:r>
+            <a:r>
+              <a:rPr lang="en-US" altLang="zh-CN" dirty="0"/>
+              <a:t>render</a:t>
+            </a:r>
+            <a:r>
+              <a:rPr lang="zh-CN" altLang="en-US" dirty="0"/>
+              <a:t>方法的函数来实现的，由于是无状态组件，所以无状态组件就不会在有组件实例化的过程，无实例化过程也就不需要分配多余的内存，从而性能得到一定的提升。</a:t>
+            </a:r>
+          </a:p>
+          <a:p>
+            <a:r>
+              <a:rPr lang="zh-CN" altLang="en-US" b="1" dirty="0"/>
+              <a:t>组件不能访问</a:t>
+            </a:r>
+            <a:r>
+              <a:rPr lang="en-US" altLang="zh-CN" b="1" dirty="0"/>
+              <a:t>this</a:t>
+            </a:r>
+            <a:r>
+              <a:rPr lang="zh-CN" altLang="en-US" b="1" dirty="0"/>
+              <a:t>对象</a:t>
+            </a:r>
+            <a:endParaRPr lang="zh-CN" altLang="en-US" dirty="0"/>
+          </a:p>
+          <a:p>
+            <a:r>
+              <a:rPr lang="zh-CN" altLang="en-US" dirty="0"/>
+              <a:t>无状态组件由于没有实例化过程，所以无法访问组件</a:t>
+            </a:r>
+            <a:r>
+              <a:rPr lang="en-US" altLang="zh-CN" dirty="0"/>
+              <a:t>this</a:t>
+            </a:r>
+            <a:r>
+              <a:rPr lang="zh-CN" altLang="en-US" dirty="0"/>
+              <a:t>中的对象，例如：</a:t>
+            </a:r>
+            <a:r>
+              <a:rPr lang="en-US" altLang="zh-CN" dirty="0" err="1"/>
+              <a:t>this.ref</a:t>
+            </a:r>
+            <a:r>
+              <a:rPr lang="zh-CN" altLang="en-US" dirty="0"/>
+              <a:t>、</a:t>
+            </a:r>
+            <a:r>
+              <a:rPr lang="en-US" altLang="zh-CN" dirty="0" err="1"/>
+              <a:t>this.state</a:t>
+            </a:r>
+            <a:r>
+              <a:rPr lang="zh-CN" altLang="en-US" dirty="0"/>
+              <a:t>等均不能访问。若想访问就不能使用这种形式来创建组件</a:t>
+            </a:r>
+          </a:p>
+          <a:p>
+            <a:r>
+              <a:rPr lang="zh-CN" altLang="en-US" b="1" dirty="0"/>
+              <a:t>组件无法访问生命周期的方法</a:t>
+            </a:r>
+            <a:endParaRPr lang="zh-CN" altLang="en-US" dirty="0"/>
+          </a:p>
+          <a:p>
+            <a:r>
+              <a:rPr lang="zh-CN" altLang="en-US" dirty="0"/>
+              <a:t>因为无状态组件是不需要组件生命周期管理和状态管理，所以底层实现这种形式的组件时是不会实现组件的生命周期方法。所以无状态组件是不能参与组件的各个生命周期管理的。</a:t>
+            </a:r>
+          </a:p>
+          <a:p>
+            <a:r>
+              <a:rPr lang="zh-CN" altLang="en-US" b="1" dirty="0"/>
+              <a:t>无状态组件只能访问输入的</a:t>
+            </a:r>
+            <a:r>
+              <a:rPr lang="en-US" altLang="zh-CN" b="1" dirty="0"/>
+              <a:t>props</a:t>
+            </a:r>
+            <a:r>
+              <a:rPr lang="zh-CN" altLang="en-US" b="1" dirty="0"/>
+              <a:t>，同样的</a:t>
+            </a:r>
+            <a:r>
+              <a:rPr lang="en-US" altLang="zh-CN" b="1" dirty="0"/>
+              <a:t>props</a:t>
+            </a:r>
+            <a:r>
+              <a:rPr lang="zh-CN" altLang="en-US" b="1" dirty="0"/>
+              <a:t>会得到同样的渲染结果，不会有副作用</a:t>
+            </a:r>
+            <a:endParaRPr lang="zh-CN" altLang="en-US" dirty="0"/>
+          </a:p>
+          <a:p>
+            <a:endParaRPr lang="en-US" dirty="0"/>
+          </a:p>
+        </p:txBody>
+      </p:sp>
+    </p:spTree>
+    <p:extLst>
+      <p:ext uri="{BB962C8B-B14F-4D97-AF65-F5344CB8AC3E}">
+        <p14:creationId xmlns:p14="http://schemas.microsoft.com/office/powerpoint/2010/main" val="3720817443"/>
+      </p:ext>
+    </p:extLst>
+  </p:cSld>
+  <p:clrMapOvr>
+    <a:masterClrMapping/>
+  </p:clrMapOvr>
+</p:sld>
+</file>
+
+<file path=ppt/slides/slide32.xml><?xml version="1.0" encoding="utf-8"?>
+<p:sld xmlns:a="http://schemas.openxmlformats.org/drawingml/2006/main" xmlns:r="http://schemas.openxmlformats.org/officeDocument/2006/relationships" xmlns:p="http://schemas.openxmlformats.org/presentationml/2006/main">
+  <p:cSld>
+    <p:spTree>
+      <p:nvGrpSpPr>
+        <p:cNvPr id="1" name=""/>
+        <p:cNvGrpSpPr/>
+        <p:nvPr/>
+      </p:nvGrpSpPr>
+      <p:grpSpPr>
+        <a:xfrm>
+          <a:off x="0" y="0"/>
+          <a:ext cx="0" cy="0"/>
+          <a:chOff x="0" y="0"/>
+          <a:chExt cx="0" cy="0"/>
+        </a:xfrm>
+      </p:grpSpPr>
+      <p:sp>
+        <p:nvSpPr>
+          <p:cNvPr id="2" name="Title 1"/>
+          <p:cNvSpPr>
+            <a:spLocks noGrp="1"/>
+          </p:cNvSpPr>
+          <p:nvPr>
+            <p:ph type="title"/>
+          </p:nvPr>
+        </p:nvSpPr>
+        <p:spPr/>
+        <p:txBody>
+          <a:bodyPr/>
+          <a:lstStyle/>
+          <a:p>
+            <a:r>
+              <a:rPr lang="zh-CN" altLang="en-US" dirty="0"/>
+              <a:t>只</a:t>
+            </a:r>
+            <a:r>
+              <a:rPr lang="zh-CN" altLang="en-US" dirty="0" smtClean="0"/>
+              <a:t>有唯一一个</a:t>
+            </a:r>
+            <a:r>
+              <a:rPr lang="en-US" altLang="zh-CN" dirty="0" smtClean="0"/>
+              <a:t>Store</a:t>
+            </a:r>
+            <a:r>
+              <a:rPr lang="zh-CN" altLang="en-US" dirty="0" smtClean="0"/>
+              <a:t>对象</a:t>
+            </a:r>
+            <a:endParaRPr lang="en-US" dirty="0"/>
+          </a:p>
+        </p:txBody>
+      </p:sp>
+      <p:sp>
+        <p:nvSpPr>
+          <p:cNvPr id="3" name="Content Placeholder 2"/>
+          <p:cNvSpPr>
+            <a:spLocks noGrp="1"/>
+          </p:cNvSpPr>
+          <p:nvPr>
+            <p:ph idx="1"/>
+          </p:nvPr>
+        </p:nvSpPr>
+        <p:spPr/>
+        <p:txBody>
+          <a:bodyPr>
+            <a:normAutofit lnSpcReduction="10000"/>
+          </a:bodyPr>
+          <a:lstStyle/>
+          <a:p>
+            <a:r>
+              <a:rPr lang="en-US" b="1" dirty="0" err="1"/>
+              <a:t>const</a:t>
+            </a:r>
+            <a:r>
+              <a:rPr lang="en-US" b="1" dirty="0"/>
+              <a:t> store = </a:t>
+            </a:r>
+            <a:r>
+              <a:rPr lang="en-US" b="1" dirty="0" err="1" smtClean="0"/>
+              <a:t>createStore</a:t>
+            </a:r>
+            <a:r>
+              <a:rPr lang="en-US" b="1" dirty="0" smtClean="0"/>
+              <a:t>(</a:t>
+            </a:r>
+            <a:r>
+              <a:rPr lang="en-US" altLang="zh-CN" b="1" dirty="0" err="1"/>
+              <a:t>counterReducer</a:t>
+            </a:r>
+            <a:r>
+              <a:rPr lang="en-US" altLang="zh-CN" b="1" dirty="0"/>
+              <a:t> </a:t>
+            </a:r>
+            <a:r>
+              <a:rPr lang="en-US" b="1" dirty="0" smtClean="0"/>
+              <a:t>);</a:t>
+            </a:r>
+          </a:p>
+          <a:p>
+            <a:pPr marL="457200" lvl="1" indent="0">
+              <a:buNone/>
+            </a:pPr>
+            <a:r>
+              <a:rPr lang="en-US" dirty="0" err="1"/>
+              <a:t>const</a:t>
+            </a:r>
+            <a:r>
+              <a:rPr lang="en-US" dirty="0"/>
+              <a:t> </a:t>
+            </a:r>
+            <a:r>
+              <a:rPr lang="en-US" dirty="0" err="1"/>
+              <a:t>counterReducer</a:t>
+            </a:r>
+            <a:r>
+              <a:rPr lang="en-US" dirty="0"/>
+              <a:t> = (state = 0, action) =&gt; {</a:t>
+            </a:r>
+          </a:p>
+          <a:p>
+            <a:pPr marL="457200" lvl="1" indent="0">
+              <a:buNone/>
+            </a:pPr>
+            <a:r>
+              <a:rPr lang="en-US" dirty="0"/>
+              <a:t>  switch (</a:t>
+            </a:r>
+            <a:r>
+              <a:rPr lang="en-US" dirty="0" err="1"/>
+              <a:t>action.type</a:t>
+            </a:r>
+            <a:r>
+              <a:rPr lang="en-US" dirty="0"/>
+              <a:t>) {</a:t>
+            </a:r>
+          </a:p>
+          <a:p>
+            <a:pPr marL="457200" lvl="1" indent="0">
+              <a:buNone/>
+            </a:pPr>
+            <a:r>
+              <a:rPr lang="en-US" dirty="0"/>
+              <a:t>    case 'INCREMENT': return state + 1;</a:t>
+            </a:r>
+          </a:p>
+          <a:p>
+            <a:pPr marL="457200" lvl="1" indent="0">
+              <a:buNone/>
+            </a:pPr>
+            <a:r>
+              <a:rPr lang="en-US" dirty="0"/>
+              <a:t>    case 'DECREMENT': return state - 1;</a:t>
+            </a:r>
+          </a:p>
+          <a:p>
+            <a:pPr marL="457200" lvl="1" indent="0">
+              <a:buNone/>
+            </a:pPr>
+            <a:r>
+              <a:rPr lang="en-US" dirty="0"/>
+              <a:t>    default: return state;</a:t>
+            </a:r>
+          </a:p>
+          <a:p>
+            <a:pPr marL="457200" lvl="1" indent="0">
+              <a:buNone/>
+            </a:pPr>
+            <a:r>
+              <a:rPr lang="en-US" dirty="0"/>
+              <a:t>  }</a:t>
+            </a:r>
+          </a:p>
+          <a:p>
+            <a:pPr marL="457200" lvl="1" indent="0">
+              <a:buNone/>
+            </a:pPr>
+            <a:r>
+              <a:rPr lang="en-US" dirty="0"/>
+              <a:t>};</a:t>
+            </a:r>
+          </a:p>
+          <a:p>
+            <a:r>
+              <a:rPr lang="en-US" b="1" dirty="0" err="1"/>
+              <a:t>const</a:t>
+            </a:r>
+            <a:r>
+              <a:rPr lang="en-US" b="1" dirty="0"/>
+              <a:t> store = </a:t>
+            </a:r>
+            <a:r>
+              <a:rPr lang="en-US" b="1" dirty="0" err="1" smtClean="0"/>
+              <a:t>createStore</a:t>
+            </a:r>
+            <a:r>
+              <a:rPr lang="en-US" b="1" dirty="0" smtClean="0"/>
+              <a:t>(</a:t>
+            </a:r>
+            <a:r>
+              <a:rPr lang="en-US" b="1" dirty="0" err="1" smtClean="0"/>
+              <a:t>combineReducer</a:t>
+            </a:r>
+            <a:r>
+              <a:rPr lang="en-US" b="1" dirty="0"/>
+              <a:t>);</a:t>
+            </a:r>
+            <a:endParaRPr lang="en-US" dirty="0"/>
+          </a:p>
+        </p:txBody>
+      </p:sp>
+    </p:spTree>
+    <p:extLst>
+      <p:ext uri="{BB962C8B-B14F-4D97-AF65-F5344CB8AC3E}">
+        <p14:creationId xmlns:p14="http://schemas.microsoft.com/office/powerpoint/2010/main" val="2869211557"/>
+      </p:ext>
+    </p:extLst>
+  </p:cSld>
+  <p:clrMapOvr>
+    <a:masterClrMapping/>
+  </p:clrMapOvr>
+</p:sld>
+</file>
+
+<file path=ppt/slides/slide33.xml><?xml version="1.0" encoding="utf-8"?>
+<p:sld xmlns:a="http://schemas.openxmlformats.org/drawingml/2006/main" xmlns:r="http://schemas.openxmlformats.org/officeDocument/2006/relationships" xmlns:p="http://schemas.openxmlformats.org/presentationml/2006/main">
+  <p:cSld>
+    <p:spTree>
+      <p:nvGrpSpPr>
+        <p:cNvPr id="1" name=""/>
+        <p:cNvGrpSpPr/>
+        <p:nvPr/>
+      </p:nvGrpSpPr>
+      <p:grpSpPr>
+        <a:xfrm>
+          <a:off x="0" y="0"/>
+          <a:ext cx="0" cy="0"/>
+          <a:chOff x="0" y="0"/>
+          <a:chExt cx="0" cy="0"/>
+        </a:xfrm>
+      </p:grpSpPr>
+      <p:sp>
+        <p:nvSpPr>
+          <p:cNvPr id="3" name="Content Placeholder 2"/>
+          <p:cNvSpPr>
+            <a:spLocks noGrp="1"/>
+          </p:cNvSpPr>
+          <p:nvPr>
+            <p:ph idx="1"/>
+          </p:nvPr>
+        </p:nvSpPr>
+        <p:spPr>
+          <a:xfrm>
+            <a:off x="457200" y="381000"/>
+            <a:ext cx="8229600" cy="5745163"/>
+          </a:xfrm>
+        </p:spPr>
+        <p:txBody>
+          <a:bodyPr>
+            <a:normAutofit fontScale="77500" lnSpcReduction="20000"/>
+          </a:bodyPr>
+          <a:lstStyle/>
+          <a:p>
+            <a:r>
+              <a:rPr lang="en-US" dirty="0"/>
+              <a:t>//reducer</a:t>
+            </a:r>
+          </a:p>
+          <a:p>
+            <a:r>
+              <a:rPr lang="en-US" b="1" dirty="0" err="1"/>
+              <a:t>const</a:t>
+            </a:r>
+            <a:r>
+              <a:rPr lang="en-US" b="1" dirty="0"/>
+              <a:t> </a:t>
+            </a:r>
+            <a:r>
+              <a:rPr lang="en-US" b="1" dirty="0" err="1"/>
+              <a:t>counterReducer</a:t>
+            </a:r>
+            <a:r>
+              <a:rPr lang="en-US" b="1" dirty="0"/>
+              <a:t> = (state = 0, action) =&gt; {</a:t>
+            </a:r>
+          </a:p>
+          <a:p>
+            <a:r>
+              <a:rPr lang="en-US" dirty="0"/>
+              <a:t>  </a:t>
+            </a:r>
+            <a:r>
+              <a:rPr lang="en-US" b="1" dirty="0"/>
+              <a:t>switch (</a:t>
+            </a:r>
+            <a:r>
+              <a:rPr lang="en-US" b="1" dirty="0" err="1"/>
+              <a:t>action.type</a:t>
+            </a:r>
+            <a:r>
+              <a:rPr lang="en-US" b="1" dirty="0"/>
+              <a:t>) {</a:t>
+            </a:r>
+          </a:p>
+          <a:p>
+            <a:r>
+              <a:rPr lang="en-US" dirty="0"/>
+              <a:t>    </a:t>
+            </a:r>
+            <a:r>
+              <a:rPr lang="en-US" b="1" dirty="0"/>
+              <a:t>case 'INCREMENT': return state + 1;</a:t>
+            </a:r>
+          </a:p>
+          <a:p>
+            <a:r>
+              <a:rPr lang="en-US" dirty="0"/>
+              <a:t>    </a:t>
+            </a:r>
+            <a:r>
+              <a:rPr lang="en-US" b="1" dirty="0"/>
+              <a:t>case 'DECREMENT': return state - 1;</a:t>
+            </a:r>
+          </a:p>
+          <a:p>
+            <a:r>
+              <a:rPr lang="en-US" dirty="0"/>
+              <a:t>    </a:t>
+            </a:r>
+            <a:r>
+              <a:rPr lang="en-US" b="1" dirty="0"/>
+              <a:t>default: return state;</a:t>
+            </a:r>
+          </a:p>
+          <a:p>
+            <a:r>
+              <a:rPr lang="en-US" dirty="0"/>
+              <a:t>  }</a:t>
+            </a:r>
+          </a:p>
+          <a:p>
+            <a:r>
+              <a:rPr lang="en-US" dirty="0"/>
+              <a:t>};</a:t>
+            </a:r>
+          </a:p>
+          <a:p>
+            <a:endParaRPr lang="en-US" dirty="0"/>
+          </a:p>
+          <a:p>
+            <a:r>
+              <a:rPr lang="en-US" b="1" dirty="0" err="1"/>
+              <a:t>const</a:t>
+            </a:r>
+            <a:r>
+              <a:rPr lang="en-US" b="1" dirty="0"/>
+              <a:t> </a:t>
+            </a:r>
+            <a:r>
+              <a:rPr lang="en-US" b="1" dirty="0" err="1"/>
+              <a:t>countCombineReducer</a:t>
+            </a:r>
+            <a:r>
+              <a:rPr lang="en-US" b="1" dirty="0"/>
+              <a:t> = </a:t>
+            </a:r>
+            <a:r>
+              <a:rPr lang="en-US" b="1" dirty="0" err="1"/>
+              <a:t>combineReducers</a:t>
+            </a:r>
+            <a:r>
+              <a:rPr lang="en-US" b="1" dirty="0"/>
+              <a:t>({</a:t>
+            </a:r>
+          </a:p>
+          <a:p>
+            <a:r>
+              <a:rPr lang="en-US" dirty="0" err="1"/>
+              <a:t>num:counterReducer</a:t>
+            </a:r>
+            <a:endParaRPr lang="en-US" dirty="0"/>
+          </a:p>
+          <a:p>
+            <a:r>
+              <a:rPr lang="en-US" dirty="0"/>
+              <a:t>})</a:t>
+            </a:r>
+          </a:p>
+          <a:p>
+            <a:endParaRPr lang="en-US" dirty="0"/>
+          </a:p>
+          <a:p>
+            <a:r>
+              <a:rPr lang="en-US" dirty="0"/>
+              <a:t>//store</a:t>
+            </a:r>
+          </a:p>
+          <a:p>
+            <a:r>
+              <a:rPr lang="en-US" b="1" dirty="0" err="1"/>
+              <a:t>const</a:t>
+            </a:r>
+            <a:r>
+              <a:rPr lang="en-US" b="1" dirty="0"/>
+              <a:t> store = </a:t>
+            </a:r>
+            <a:r>
+              <a:rPr lang="en-US" b="1" dirty="0" err="1"/>
+              <a:t>createStore</a:t>
+            </a:r>
+            <a:r>
+              <a:rPr lang="en-US" b="1" dirty="0"/>
+              <a:t>(</a:t>
+            </a:r>
+            <a:r>
+              <a:rPr lang="en-US" b="1" dirty="0" err="1"/>
+              <a:t>countCombineReducer</a:t>
+            </a:r>
+            <a:r>
+              <a:rPr lang="en-US" b="1" dirty="0"/>
+              <a:t>);</a:t>
+            </a:r>
+            <a:endParaRPr lang="en-US" dirty="0"/>
+          </a:p>
+        </p:txBody>
+      </p:sp>
+    </p:spTree>
+    <p:extLst>
+      <p:ext uri="{BB962C8B-B14F-4D97-AF65-F5344CB8AC3E}">
+        <p14:creationId xmlns:p14="http://schemas.microsoft.com/office/powerpoint/2010/main" val="846529087"/>
+      </p:ext>
+    </p:extLst>
+  </p:cSld>
+  <p:clrMapOvr>
+    <a:masterClrMapping/>
+  </p:clrMapOvr>
+</p:sld>
+</file>
+
+<file path=ppt/slides/slide34.xml><?xml version="1.0" encoding="utf-8"?>
+<p:sld xmlns:a="http://schemas.openxmlformats.org/drawingml/2006/main" xmlns:r="http://schemas.openxmlformats.org/officeDocument/2006/relationships" xmlns:p="http://schemas.openxmlformats.org/presentationml/2006/main">
+  <p:cSld>
+    <p:spTree>
+      <p:nvGrpSpPr>
+        <p:cNvPr id="1" name=""/>
+        <p:cNvGrpSpPr/>
+        <p:nvPr/>
+      </p:nvGrpSpPr>
+      <p:grpSpPr>
+        <a:xfrm>
+          <a:off x="0" y="0"/>
+          <a:ext cx="0" cy="0"/>
+          <a:chOff x="0" y="0"/>
+          <a:chExt cx="0" cy="0"/>
+        </a:xfrm>
+      </p:grpSpPr>
+      <p:sp>
+        <p:nvSpPr>
+          <p:cNvPr id="2" name="Title 1"/>
+          <p:cNvSpPr>
+            <a:spLocks noGrp="1"/>
+          </p:cNvSpPr>
+          <p:nvPr>
+            <p:ph type="title"/>
+          </p:nvPr>
+        </p:nvSpPr>
+        <p:spPr/>
+        <p:txBody>
+          <a:bodyPr/>
+          <a:lstStyle/>
+          <a:p>
+            <a:r>
+              <a:rPr lang="en-US" altLang="zh-CN" dirty="0" err="1" smtClean="0"/>
+              <a:t>Middlewares</a:t>
+            </a:r>
+            <a:endParaRPr lang="en-US" dirty="0"/>
+          </a:p>
+        </p:txBody>
+      </p:sp>
+      <p:pic>
+        <p:nvPicPr>
+          <p:cNvPr id="7170" name="Picture 2"/>
+          <p:cNvPicPr>
+            <a:picLocks noGrp="1" noChangeAspect="1" noChangeArrowheads="1"/>
+          </p:cNvPicPr>
+          <p:nvPr>
+            <p:ph idx="1"/>
+          </p:nvPr>
+        </p:nvPicPr>
+        <p:blipFill>
+          <a:blip r:embed="rId2">
+            <a:extLst>
+              <a:ext uri="{28A0092B-C50C-407E-A947-70E740481C1C}">
+                <a14:useLocalDpi xmlns:a14="http://schemas.microsoft.com/office/drawing/2010/main" val="0"/>
+              </a:ext>
+            </a:extLst>
+          </a:blip>
+          <a:srcRect/>
+          <a:stretch>
+            <a:fillRect/>
+          </a:stretch>
+        </p:blipFill>
+        <p:spPr bwMode="auto">
+          <a:xfrm>
+            <a:off x="1533525" y="1715294"/>
+            <a:ext cx="6076950" cy="4295775"/>
+          </a:xfrm>
+          <a:prstGeom prst="rect">
+            <a:avLst/>
+          </a:prstGeom>
+          <a:noFill/>
+          <a:ln>
+            <a:noFill/>
+          </a:ln>
+          <a:extLst>
+            <a:ext uri="{909E8E84-426E-40DD-AFC4-6F175D3DCCD1}">
+              <a14:hiddenFill xmlns:a14="http://schemas.microsoft.com/office/drawing/2010/main">
+                <a:solidFill>
+                  <a:schemeClr val="accent1"/>
+                </a:solidFill>
+              </a14:hiddenFill>
+            </a:ext>
+            <a:ext uri="{91240B29-F687-4F45-9708-019B960494DF}">
+              <a14:hiddenLine xmlns:a14="http://schemas.microsoft.com/office/drawing/2010/main" w="9525">
+                <a:solidFill>
+                  <a:schemeClr val="tx1"/>
+                </a:solidFill>
+                <a:miter lim="800000"/>
+                <a:headEnd/>
+                <a:tailEnd/>
+              </a14:hiddenLine>
+            </a:ext>
+          </a:extLst>
+        </p:spPr>
+      </p:pic>
+    </p:spTree>
+    <p:extLst>
+      <p:ext uri="{BB962C8B-B14F-4D97-AF65-F5344CB8AC3E}">
+        <p14:creationId xmlns:p14="http://schemas.microsoft.com/office/powerpoint/2010/main" val="2667046520"/>
+      </p:ext>
+    </p:extLst>
+  </p:cSld>
+  <p:clrMapOvr>
+    <a:masterClrMapping/>
+  </p:clrMapOvr>
+</p:sld>
+</file>
+
+<file path=ppt/slides/slide35.xml><?xml version="1.0" encoding="utf-8"?>
+<p:sld xmlns:a="http://schemas.openxmlformats.org/drawingml/2006/main" xmlns:r="http://schemas.openxmlformats.org/officeDocument/2006/relationships" xmlns:p="http://schemas.openxmlformats.org/presentationml/2006/main">
+  <p:cSld>
+    <p:spTree>
+      <p:nvGrpSpPr>
+        <p:cNvPr id="1" name=""/>
+        <p:cNvGrpSpPr/>
+        <p:nvPr/>
+      </p:nvGrpSpPr>
+      <p:grpSpPr>
+        <a:xfrm>
+          <a:off x="0" y="0"/>
+          <a:ext cx="0" cy="0"/>
+          <a:chOff x="0" y="0"/>
+          <a:chExt cx="0" cy="0"/>
+        </a:xfrm>
+      </p:grpSpPr>
+      <p:pic>
+        <p:nvPicPr>
+          <p:cNvPr id="4" name="Content Placeholder 3"/>
+          <p:cNvPicPr>
+            <a:picLocks noGrp="1" noChangeAspect="1"/>
+          </p:cNvPicPr>
+          <p:nvPr>
+            <p:ph idx="1"/>
+          </p:nvPr>
+        </p:nvPicPr>
+        <p:blipFill>
+          <a:blip r:embed="rId2">
+            <a:extLst>
+              <a:ext uri="{28A0092B-C50C-407E-A947-70E740481C1C}">
+                <a14:useLocalDpi xmlns:a14="http://schemas.microsoft.com/office/drawing/2010/main" val="0"/>
+              </a:ext>
+            </a:extLst>
+          </a:blip>
+          <a:stretch>
+            <a:fillRect/>
+          </a:stretch>
+        </p:blipFill>
+        <p:spPr>
+          <a:xfrm>
+            <a:off x="457200" y="228600"/>
+            <a:ext cx="8229600" cy="6038216"/>
+          </a:xfrm>
+        </p:spPr>
+      </p:pic>
+    </p:spTree>
+    <p:extLst>
+      <p:ext uri="{BB962C8B-B14F-4D97-AF65-F5344CB8AC3E}">
+        <p14:creationId xmlns:p14="http://schemas.microsoft.com/office/powerpoint/2010/main" val="3337784446"/>
+      </p:ext>
+    </p:extLst>
+  </p:cSld>
+  <p:clrMapOvr>
+    <a:masterClrMapping/>
+  </p:clrMapOvr>
+</p:sld>
+</file>
+
+<file path=ppt/slides/slide36.xml><?xml version="1.0" encoding="utf-8"?>
+<p:sld xmlns:a="http://schemas.openxmlformats.org/drawingml/2006/main" xmlns:r="http://schemas.openxmlformats.org/officeDocument/2006/relationships" xmlns:p="http://schemas.openxmlformats.org/presentationml/2006/main">
+  <p:cSld>
+    <p:spTree>
+      <p:nvGrpSpPr>
+        <p:cNvPr id="1" name=""/>
+        <p:cNvGrpSpPr/>
+        <p:nvPr/>
+      </p:nvGrpSpPr>
+      <p:grpSpPr>
+        <a:xfrm>
+          <a:off x="0" y="0"/>
+          <a:ext cx="0" cy="0"/>
+          <a:chOff x="0" y="0"/>
+          <a:chExt cx="0" cy="0"/>
+        </a:xfrm>
+      </p:grpSpPr>
+      <p:sp>
+        <p:nvSpPr>
+          <p:cNvPr id="2" name="Title 1"/>
+          <p:cNvSpPr>
+            <a:spLocks noGrp="1"/>
+          </p:cNvSpPr>
+          <p:nvPr>
+            <p:ph type="title"/>
+          </p:nvPr>
+        </p:nvSpPr>
+        <p:spPr/>
+        <p:txBody>
+          <a:bodyPr/>
+          <a:lstStyle/>
+          <a:p>
+            <a:r>
+              <a:rPr lang="en-US" dirty="0"/>
+              <a:t>React </a:t>
+            </a:r>
+            <a:r>
+              <a:rPr lang="zh-CN" altLang="en-US" dirty="0"/>
+              <a:t>技术栈</a:t>
+            </a:r>
+            <a:endParaRPr lang="en-US" dirty="0"/>
+          </a:p>
+        </p:txBody>
+      </p:sp>
+      <p:pic>
+        <p:nvPicPr>
+          <p:cNvPr id="1026" name="Picture 2"/>
+          <p:cNvPicPr>
+            <a:picLocks noGrp="1" noChangeAspect="1" noChangeArrowheads="1"/>
+          </p:cNvPicPr>
+          <p:nvPr>
+            <p:ph idx="1"/>
+          </p:nvPr>
+        </p:nvPicPr>
+        <p:blipFill>
+          <a:blip r:embed="rId2">
+            <a:extLst>
+              <a:ext uri="{28A0092B-C50C-407E-A947-70E740481C1C}">
+                <a14:useLocalDpi xmlns:a14="http://schemas.microsoft.com/office/drawing/2010/main" val="0"/>
+              </a:ext>
+            </a:extLst>
+          </a:blip>
+          <a:srcRect/>
+          <a:stretch>
+            <a:fillRect/>
+          </a:stretch>
+        </p:blipFill>
+        <p:spPr bwMode="auto">
+          <a:xfrm>
+            <a:off x="1529336" y="1600200"/>
+            <a:ext cx="6085328" cy="4525963"/>
+          </a:xfrm>
+          <a:prstGeom prst="rect">
+            <a:avLst/>
+          </a:prstGeom>
+          <a:noFill/>
+          <a:ln>
+            <a:noFill/>
+          </a:ln>
+          <a:extLst>
+            <a:ext uri="{909E8E84-426E-40DD-AFC4-6F175D3DCCD1}">
+              <a14:hiddenFill xmlns:a14="http://schemas.microsoft.com/office/drawing/2010/main">
+                <a:solidFill>
+                  <a:schemeClr val="accent1"/>
+                </a:solidFill>
+              </a14:hiddenFill>
+            </a:ext>
+            <a:ext uri="{91240B29-F687-4F45-9708-019B960494DF}">
+              <a14:hiddenLine xmlns:a14="http://schemas.microsoft.com/office/drawing/2010/main" w="9525">
+                <a:solidFill>
+                  <a:schemeClr val="tx1"/>
+                </a:solidFill>
+                <a:miter lim="800000"/>
+                <a:headEnd/>
+                <a:tailEnd/>
+              </a14:hiddenLine>
+            </a:ext>
+          </a:extLst>
+        </p:spPr>
+      </p:pic>
     </p:spTree>
     <p:extLst>
       <p:ext uri="{BB962C8B-B14F-4D97-AF65-F5344CB8AC3E}">
@@ -6599,7 +8156,229 @@
 </p:sld>
 </file>
 
-<file path=ppt/slides/slide3.xml><?xml version="1.0" encoding="utf-8"?>
+<file path=ppt/slides/slide4.xml><?xml version="1.0" encoding="utf-8"?>
+<p:sld xmlns:a="http://schemas.openxmlformats.org/drawingml/2006/main" xmlns:r="http://schemas.openxmlformats.org/officeDocument/2006/relationships" xmlns:p="http://schemas.openxmlformats.org/presentationml/2006/main">
+  <p:cSld>
+    <p:spTree>
+      <p:nvGrpSpPr>
+        <p:cNvPr id="1" name=""/>
+        <p:cNvGrpSpPr/>
+        <p:nvPr/>
+      </p:nvGrpSpPr>
+      <p:grpSpPr>
+        <a:xfrm>
+          <a:off x="0" y="0"/>
+          <a:ext cx="0" cy="0"/>
+          <a:chOff x="0" y="0"/>
+          <a:chExt cx="0" cy="0"/>
+        </a:xfrm>
+      </p:grpSpPr>
+      <p:sp>
+        <p:nvSpPr>
+          <p:cNvPr id="2" name="Title 1"/>
+          <p:cNvSpPr>
+            <a:spLocks noGrp="1"/>
+          </p:cNvSpPr>
+          <p:nvPr>
+            <p:ph type="title"/>
+          </p:nvPr>
+        </p:nvSpPr>
+        <p:spPr/>
+        <p:txBody>
+          <a:bodyPr/>
+          <a:lstStyle/>
+          <a:p>
+            <a:r>
+              <a:rPr lang="zh-CN" altLang="en-US" dirty="0"/>
+              <a:t>组</a:t>
+            </a:r>
+            <a:r>
+              <a:rPr lang="zh-CN" altLang="en-US" dirty="0" smtClean="0"/>
+              <a:t>件之间的通信</a:t>
+            </a:r>
+            <a:endParaRPr lang="en-US" dirty="0"/>
+          </a:p>
+        </p:txBody>
+      </p:sp>
+      <p:pic>
+        <p:nvPicPr>
+          <p:cNvPr id="5122" name="Picture 2"/>
+          <p:cNvPicPr>
+            <a:picLocks noGrp="1" noChangeAspect="1" noChangeArrowheads="1"/>
+          </p:cNvPicPr>
+          <p:nvPr>
+            <p:ph idx="1"/>
+          </p:nvPr>
+        </p:nvPicPr>
+        <p:blipFill>
+          <a:blip r:embed="rId2">
+            <a:extLst>
+              <a:ext uri="{28A0092B-C50C-407E-A947-70E740481C1C}">
+                <a14:useLocalDpi xmlns:a14="http://schemas.microsoft.com/office/drawing/2010/main" val="0"/>
+              </a:ext>
+            </a:extLst>
+          </a:blip>
+          <a:srcRect/>
+          <a:stretch>
+            <a:fillRect/>
+          </a:stretch>
+        </p:blipFill>
+        <p:spPr bwMode="auto">
+          <a:xfrm>
+            <a:off x="2205037" y="1934369"/>
+            <a:ext cx="4733925" cy="3857625"/>
+          </a:xfrm>
+          <a:prstGeom prst="rect">
+            <a:avLst/>
+          </a:prstGeom>
+          <a:noFill/>
+          <a:ln>
+            <a:noFill/>
+          </a:ln>
+          <a:extLst>
+            <a:ext uri="{909E8E84-426E-40DD-AFC4-6F175D3DCCD1}">
+              <a14:hiddenFill xmlns:a14="http://schemas.microsoft.com/office/drawing/2010/main">
+                <a:solidFill>
+                  <a:schemeClr val="accent1"/>
+                </a:solidFill>
+              </a14:hiddenFill>
+            </a:ext>
+            <a:ext uri="{91240B29-F687-4F45-9708-019B960494DF}">
+              <a14:hiddenLine xmlns:a14="http://schemas.microsoft.com/office/drawing/2010/main" w="9525">
+                <a:solidFill>
+                  <a:schemeClr val="tx1"/>
+                </a:solidFill>
+                <a:miter lim="800000"/>
+                <a:headEnd/>
+                <a:tailEnd/>
+              </a14:hiddenLine>
+            </a:ext>
+          </a:extLst>
+        </p:spPr>
+      </p:pic>
+    </p:spTree>
+    <p:extLst>
+      <p:ext uri="{BB962C8B-B14F-4D97-AF65-F5344CB8AC3E}">
+        <p14:creationId xmlns:p14="http://schemas.microsoft.com/office/powerpoint/2010/main" val="3784085780"/>
+      </p:ext>
+    </p:extLst>
+  </p:cSld>
+  <p:clrMapOvr>
+    <a:masterClrMapping/>
+  </p:clrMapOvr>
+</p:sld>
+</file>
+
+<file path=ppt/slides/slide5.xml><?xml version="1.0" encoding="utf-8"?>
+<p:sld xmlns:a="http://schemas.openxmlformats.org/drawingml/2006/main" xmlns:r="http://schemas.openxmlformats.org/officeDocument/2006/relationships" xmlns:p="http://schemas.openxmlformats.org/presentationml/2006/main">
+  <p:cSld>
+    <p:spTree>
+      <p:nvGrpSpPr>
+        <p:cNvPr id="1" name=""/>
+        <p:cNvGrpSpPr/>
+        <p:nvPr/>
+      </p:nvGrpSpPr>
+      <p:grpSpPr>
+        <a:xfrm>
+          <a:off x="0" y="0"/>
+          <a:ext cx="0" cy="0"/>
+          <a:chOff x="0" y="0"/>
+          <a:chExt cx="0" cy="0"/>
+        </a:xfrm>
+      </p:grpSpPr>
+      <p:sp>
+        <p:nvSpPr>
+          <p:cNvPr id="2" name="Title 1"/>
+          <p:cNvSpPr>
+            <a:spLocks noGrp="1"/>
+          </p:cNvSpPr>
+          <p:nvPr>
+            <p:ph type="title"/>
+          </p:nvPr>
+        </p:nvSpPr>
+        <p:spPr/>
+        <p:txBody>
+          <a:bodyPr/>
+          <a:lstStyle/>
+          <a:p>
+            <a:r>
+              <a:rPr lang="zh-CN" altLang="en-US" dirty="0" smtClean="0"/>
+              <a:t>平级组件之间</a:t>
+            </a:r>
+            <a:endParaRPr lang="en-US" dirty="0"/>
+          </a:p>
+        </p:txBody>
+      </p:sp>
+      <p:pic>
+        <p:nvPicPr>
+          <p:cNvPr id="4098" name="Picture 2"/>
+          <p:cNvPicPr>
+            <a:picLocks noGrp="1" noChangeAspect="1" noChangeArrowheads="1"/>
+          </p:cNvPicPr>
+          <p:nvPr>
+            <p:ph idx="1"/>
+          </p:nvPr>
+        </p:nvPicPr>
+        <p:blipFill>
+          <a:blip r:embed="rId2">
+            <a:extLst>
+              <a:ext uri="{28A0092B-C50C-407E-A947-70E740481C1C}">
+                <a14:useLocalDpi xmlns:a14="http://schemas.microsoft.com/office/drawing/2010/main" val="0"/>
+              </a:ext>
+            </a:extLst>
+          </a:blip>
+          <a:srcRect/>
+          <a:stretch>
+            <a:fillRect/>
+          </a:stretch>
+        </p:blipFill>
+        <p:spPr bwMode="auto">
+          <a:xfrm>
+            <a:off x="2328862" y="2158206"/>
+            <a:ext cx="4486275" cy="3409950"/>
+          </a:xfrm>
+          <a:prstGeom prst="rect">
+            <a:avLst/>
+          </a:prstGeom>
+          <a:noFill/>
+          <a:ln>
+            <a:noFill/>
+          </a:ln>
+          <a:extLst>
+            <a:ext uri="{909E8E84-426E-40DD-AFC4-6F175D3DCCD1}">
+              <a14:hiddenFill xmlns:a14="http://schemas.microsoft.com/office/drawing/2010/main">
+                <a:solidFill>
+                  <a:schemeClr val="accent1"/>
+                </a:solidFill>
+              </a14:hiddenFill>
+            </a:ext>
+            <a:ext uri="{91240B29-F687-4F45-9708-019B960494DF}">
+              <a14:hiddenLine xmlns:a14="http://schemas.microsoft.com/office/drawing/2010/main" w="9525">
+                <a:solidFill>
+                  <a:schemeClr val="tx1"/>
+                </a:solidFill>
+                <a:miter lim="800000"/>
+                <a:headEnd/>
+                <a:tailEnd/>
+              </a14:hiddenLine>
+            </a:ext>
+          </a:extLst>
+        </p:spPr>
+      </p:pic>
+    </p:spTree>
+    <p:extLst>
+      <p:ext uri="{BB962C8B-B14F-4D97-AF65-F5344CB8AC3E}">
+        <p14:creationId xmlns:p14="http://schemas.microsoft.com/office/powerpoint/2010/main" val="123437752"/>
+      </p:ext>
+    </p:extLst>
+  </p:cSld>
+  <p:clrMapOvr>
+    <a:masterClrMapping/>
+  </p:clrMapOvr>
+</p:sld>
+</file>
+
+<file path=ppt/slides/slide6.xml><?xml version="1.0" encoding="utf-8"?>
 <p:sld xmlns:a="http://schemas.openxmlformats.org/drawingml/2006/main" xmlns:r="http://schemas.openxmlformats.org/officeDocument/2006/relationships" xmlns:p="http://schemas.openxmlformats.org/presentationml/2006/main">
   <p:cSld>
     <p:spTree>
@@ -6755,7 +8534,7 @@
 </p:sld>
 </file>
 
-<file path=ppt/slides/slide4.xml><?xml version="1.0" encoding="utf-8"?>
+<file path=ppt/slides/slide7.xml><?xml version="1.0" encoding="utf-8"?>
 <p:sld xmlns:a="http://schemas.openxmlformats.org/drawingml/2006/main" xmlns:r="http://schemas.openxmlformats.org/officeDocument/2006/relationships" xmlns:p="http://schemas.openxmlformats.org/presentationml/2006/main">
   <p:cSld>
     <p:spTree>
@@ -6784,285 +8563,6 @@
         </p:nvSpPr>
         <p:spPr/>
         <p:txBody>
-          <a:bodyPr/>
-          <a:lstStyle/>
-          <a:p>
-            <a:r>
-              <a:rPr lang="zh-CN" altLang="en-US" dirty="0"/>
-              <a:t>不需</a:t>
-            </a:r>
-            <a:r>
-              <a:rPr lang="zh-CN" altLang="en-US" dirty="0" smtClean="0"/>
-              <a:t>要使用</a:t>
-            </a:r>
-            <a:r>
-              <a:rPr lang="en-US" altLang="zh-CN" dirty="0" err="1" smtClean="0"/>
-              <a:t>Redux</a:t>
-            </a:r>
-            <a:r>
-              <a:rPr lang="zh-CN" altLang="en-US" dirty="0" smtClean="0"/>
-              <a:t>的情况</a:t>
-            </a:r>
-            <a:endParaRPr lang="en-US" dirty="0"/>
-          </a:p>
-        </p:txBody>
-      </p:sp>
-      <p:sp>
-        <p:nvSpPr>
-          <p:cNvPr id="3" name="Content Placeholder 2"/>
-          <p:cNvSpPr>
-            <a:spLocks noGrp="1"/>
-          </p:cNvSpPr>
-          <p:nvPr>
-            <p:ph idx="1"/>
-          </p:nvPr>
-        </p:nvSpPr>
-        <p:spPr/>
-        <p:txBody>
-          <a:bodyPr/>
-          <a:lstStyle/>
-          <a:p>
-            <a:r>
-              <a:rPr lang="en-US" altLang="zh-CN" dirty="0"/>
-              <a:t>"</a:t>
-            </a:r>
-            <a:r>
-              <a:rPr lang="zh-CN" altLang="en-US" dirty="0"/>
-              <a:t>如果你不知道是否需要 </a:t>
-            </a:r>
-            <a:r>
-              <a:rPr lang="en-US" dirty="0" err="1"/>
-              <a:t>Redux</a:t>
-            </a:r>
-            <a:r>
-              <a:rPr lang="en-US" dirty="0"/>
-              <a:t>，</a:t>
-            </a:r>
-            <a:r>
-              <a:rPr lang="zh-CN" altLang="en-US" dirty="0"/>
-              <a:t>那就是不需要它</a:t>
-            </a:r>
-            <a:r>
-              <a:rPr lang="zh-CN" altLang="en-US" dirty="0" smtClean="0"/>
-              <a:t>。</a:t>
-            </a:r>
-            <a:r>
-              <a:rPr lang="en-US" altLang="zh-CN" dirty="0" smtClean="0"/>
-              <a:t>“</a:t>
-            </a:r>
-          </a:p>
-          <a:p>
-            <a:r>
-              <a:rPr lang="en-US" altLang="zh-CN" dirty="0"/>
-              <a:t>"</a:t>
-            </a:r>
-            <a:r>
-              <a:rPr lang="zh-CN" altLang="en-US" dirty="0"/>
-              <a:t>只有遇到 </a:t>
-            </a:r>
-            <a:r>
-              <a:rPr lang="en-US" dirty="0"/>
-              <a:t>React </a:t>
-            </a:r>
-            <a:r>
-              <a:rPr lang="zh-CN" altLang="en-US" dirty="0"/>
-              <a:t>实在解决不了的问题，你才需要 </a:t>
-            </a:r>
-            <a:r>
-              <a:rPr lang="en-US" dirty="0" err="1"/>
-              <a:t>Redux</a:t>
-            </a:r>
-            <a:r>
-              <a:rPr lang="en-US" dirty="0"/>
-              <a:t> </a:t>
-            </a:r>
-            <a:r>
-              <a:rPr lang="en-US" dirty="0" smtClean="0"/>
-              <a:t>。“</a:t>
-            </a:r>
-          </a:p>
-          <a:p>
-            <a:r>
-              <a:rPr lang="zh-CN" altLang="en-US" dirty="0"/>
-              <a:t>如果你的</a:t>
-            </a:r>
-            <a:r>
-              <a:rPr lang="en-US" altLang="zh-CN" dirty="0"/>
-              <a:t>UI</a:t>
-            </a:r>
-            <a:r>
-              <a:rPr lang="zh-CN" altLang="en-US" dirty="0"/>
-              <a:t>层非常简单，没有很多互动，</a:t>
-            </a:r>
-            <a:r>
-              <a:rPr lang="en-US" altLang="zh-CN" dirty="0" err="1"/>
-              <a:t>Redux</a:t>
-            </a:r>
-            <a:r>
-              <a:rPr lang="en-US" altLang="zh-CN" dirty="0"/>
-              <a:t> </a:t>
-            </a:r>
-            <a:r>
-              <a:rPr lang="zh-CN" altLang="en-US" dirty="0"/>
-              <a:t>就是不必要的，用了反而增加复杂性</a:t>
-            </a:r>
-            <a:endParaRPr lang="en-US" dirty="0"/>
-          </a:p>
-        </p:txBody>
-      </p:sp>
-    </p:spTree>
-    <p:extLst>
-      <p:ext uri="{BB962C8B-B14F-4D97-AF65-F5344CB8AC3E}">
-        <p14:creationId xmlns:p14="http://schemas.microsoft.com/office/powerpoint/2010/main" val="1563316570"/>
-      </p:ext>
-    </p:extLst>
-  </p:cSld>
-  <p:clrMapOvr>
-    <a:masterClrMapping/>
-  </p:clrMapOvr>
-</p:sld>
-</file>
-
-<file path=ppt/slides/slide5.xml><?xml version="1.0" encoding="utf-8"?>
-<p:sld xmlns:a="http://schemas.openxmlformats.org/drawingml/2006/main" xmlns:r="http://schemas.openxmlformats.org/officeDocument/2006/relationships" xmlns:p="http://schemas.openxmlformats.org/presentationml/2006/main">
-  <p:cSld>
-    <p:spTree>
-      <p:nvGrpSpPr>
-        <p:cNvPr id="1" name=""/>
-        <p:cNvGrpSpPr/>
-        <p:nvPr/>
-      </p:nvGrpSpPr>
-      <p:grpSpPr>
-        <a:xfrm>
-          <a:off x="0" y="0"/>
-          <a:ext cx="0" cy="0"/>
-          <a:chOff x="0" y="0"/>
-          <a:chExt cx="0" cy="0"/>
-        </a:xfrm>
-      </p:grpSpPr>
-      <p:sp>
-        <p:nvSpPr>
-          <p:cNvPr id="2" name="Title 1"/>
-          <p:cNvSpPr>
-            <a:spLocks noGrp="1"/>
-          </p:cNvSpPr>
-          <p:nvPr>
-            <p:ph type="title"/>
-          </p:nvPr>
-        </p:nvSpPr>
-        <p:spPr/>
-        <p:txBody>
-          <a:bodyPr/>
-          <a:lstStyle/>
-          <a:p>
-            <a:r>
-              <a:rPr lang="zh-CN" altLang="en-US" dirty="0" smtClean="0"/>
-              <a:t>需要使用</a:t>
-            </a:r>
-            <a:r>
-              <a:rPr lang="en-US" altLang="zh-CN" dirty="0" err="1" smtClean="0"/>
-              <a:t>Redux</a:t>
-            </a:r>
-            <a:r>
-              <a:rPr lang="zh-CN" altLang="en-US" dirty="0" smtClean="0"/>
-              <a:t>的情况</a:t>
-            </a:r>
-            <a:endParaRPr lang="en-US" dirty="0"/>
-          </a:p>
-        </p:txBody>
-      </p:sp>
-      <p:sp>
-        <p:nvSpPr>
-          <p:cNvPr id="3" name="Content Placeholder 2"/>
-          <p:cNvSpPr>
-            <a:spLocks noGrp="1"/>
-          </p:cNvSpPr>
-          <p:nvPr>
-            <p:ph idx="1"/>
-          </p:nvPr>
-        </p:nvSpPr>
-        <p:spPr/>
-        <p:txBody>
-          <a:bodyPr/>
-          <a:lstStyle/>
-          <a:p>
-            <a:endParaRPr lang="en-US" altLang="zh-CN" dirty="0" smtClean="0"/>
-          </a:p>
-          <a:p>
-            <a:r>
-              <a:rPr lang="zh-CN" altLang="en-US" dirty="0" smtClean="0"/>
-              <a:t>某</a:t>
-            </a:r>
-            <a:r>
-              <a:rPr lang="zh-CN" altLang="en-US" dirty="0"/>
-              <a:t>个组件的状态，需要共享</a:t>
-            </a:r>
-          </a:p>
-          <a:p>
-            <a:r>
-              <a:rPr lang="zh-CN" altLang="en-US" dirty="0"/>
-              <a:t>某个状态需要在任何地方都可以拿到</a:t>
-            </a:r>
-          </a:p>
-          <a:p>
-            <a:r>
-              <a:rPr lang="zh-CN" altLang="en-US" dirty="0"/>
-              <a:t>一个组件需要改变全局状态</a:t>
-            </a:r>
-          </a:p>
-          <a:p>
-            <a:r>
-              <a:rPr lang="zh-CN" altLang="en-US" dirty="0"/>
-              <a:t>一个组件需要改变另一个组件的状态</a:t>
-            </a:r>
-          </a:p>
-          <a:p>
-            <a:endParaRPr lang="en-US" dirty="0"/>
-          </a:p>
-        </p:txBody>
-      </p:sp>
-    </p:spTree>
-    <p:extLst>
-      <p:ext uri="{BB962C8B-B14F-4D97-AF65-F5344CB8AC3E}">
-        <p14:creationId xmlns:p14="http://schemas.microsoft.com/office/powerpoint/2010/main" val="3302361919"/>
-      </p:ext>
-    </p:extLst>
-  </p:cSld>
-  <p:clrMapOvr>
-    <a:masterClrMapping/>
-  </p:clrMapOvr>
-</p:sld>
-</file>
-
-<file path=ppt/slides/slide6.xml><?xml version="1.0" encoding="utf-8"?>
-<p:sld xmlns:a="http://schemas.openxmlformats.org/drawingml/2006/main" xmlns:r="http://schemas.openxmlformats.org/officeDocument/2006/relationships" xmlns:p="http://schemas.openxmlformats.org/presentationml/2006/main">
-  <p:cSld>
-    <p:spTree>
-      <p:nvGrpSpPr>
-        <p:cNvPr id="1" name=""/>
-        <p:cNvGrpSpPr/>
-        <p:nvPr/>
-      </p:nvGrpSpPr>
-      <p:grpSpPr>
-        <a:xfrm>
-          <a:off x="0" y="0"/>
-          <a:ext cx="0" cy="0"/>
-          <a:chOff x="0" y="0"/>
-          <a:chExt cx="0" cy="0"/>
-        </a:xfrm>
-      </p:grpSpPr>
-      <p:sp>
-        <p:nvSpPr>
-          <p:cNvPr id="2" name="Title 1"/>
-          <p:cNvSpPr>
-            <a:spLocks noGrp="1"/>
-          </p:cNvSpPr>
-          <p:nvPr>
-            <p:ph type="title"/>
-          </p:nvPr>
-        </p:nvSpPr>
-        <p:spPr/>
-        <p:txBody>
           <a:bodyPr>
             <a:normAutofit/>
           </a:bodyPr>
@@ -7168,7 +8668,7 @@
 </p:sld>
 </file>
 
-<file path=ppt/slides/slide7.xml><?xml version="1.0" encoding="utf-8"?>
+<file path=ppt/slides/slide8.xml><?xml version="1.0" encoding="utf-8"?>
 <p:sld xmlns:a="http://schemas.openxmlformats.org/drawingml/2006/main" xmlns:r="http://schemas.openxmlformats.org/officeDocument/2006/relationships" xmlns:p="http://schemas.openxmlformats.org/presentationml/2006/main">
   <p:cSld>
     <p:spTree>
@@ -7277,180 +8777,6 @@
 </p:sld>
 </file>
 
-<file path=ppt/slides/slide8.xml><?xml version="1.0" encoding="utf-8"?>
-<p:sld xmlns:a="http://schemas.openxmlformats.org/drawingml/2006/main" xmlns:r="http://schemas.openxmlformats.org/officeDocument/2006/relationships" xmlns:p="http://schemas.openxmlformats.org/presentationml/2006/main">
-  <p:cSld>
-    <p:spTree>
-      <p:nvGrpSpPr>
-        <p:cNvPr id="1" name=""/>
-        <p:cNvGrpSpPr/>
-        <p:nvPr/>
-      </p:nvGrpSpPr>
-      <p:grpSpPr>
-        <a:xfrm>
-          <a:off x="0" y="0"/>
-          <a:ext cx="0" cy="0"/>
-          <a:chOff x="0" y="0"/>
-          <a:chExt cx="0" cy="0"/>
-        </a:xfrm>
-      </p:grpSpPr>
-      <p:sp>
-        <p:nvSpPr>
-          <p:cNvPr id="2" name="Title 1"/>
-          <p:cNvSpPr>
-            <a:spLocks noGrp="1"/>
-          </p:cNvSpPr>
-          <p:nvPr>
-            <p:ph type="title"/>
-          </p:nvPr>
-        </p:nvSpPr>
-        <p:spPr/>
-        <p:txBody>
-          <a:bodyPr>
-            <a:normAutofit/>
-          </a:bodyPr>
-          <a:lstStyle/>
-          <a:p>
-            <a:r>
-              <a:rPr lang="en-US" dirty="0" smtClean="0"/>
-              <a:t>Store</a:t>
-            </a:r>
-            <a:endParaRPr lang="en-US" dirty="0"/>
-          </a:p>
-        </p:txBody>
-      </p:sp>
-      <p:sp>
-        <p:nvSpPr>
-          <p:cNvPr id="3" name="Content Placeholder 2"/>
-          <p:cNvSpPr>
-            <a:spLocks noGrp="1"/>
-          </p:cNvSpPr>
-          <p:nvPr>
-            <p:ph idx="1"/>
-          </p:nvPr>
-        </p:nvSpPr>
-        <p:spPr/>
-        <p:txBody>
-          <a:bodyPr/>
-          <a:lstStyle/>
-          <a:p>
-            <a:r>
-              <a:rPr lang="en-US" dirty="0"/>
-              <a:t>Store </a:t>
-            </a:r>
-            <a:r>
-              <a:rPr lang="zh-CN" altLang="en-US" dirty="0"/>
-              <a:t>就是保存数据的地方，你可以把它看成一个容器。整个应用只能有一个 </a:t>
-            </a:r>
-            <a:r>
-              <a:rPr lang="en-US" dirty="0"/>
-              <a:t>Store。</a:t>
-            </a:r>
-          </a:p>
-          <a:p>
-            <a:r>
-              <a:rPr lang="en-US" dirty="0" err="1"/>
-              <a:t>Redux</a:t>
-            </a:r>
-            <a:r>
-              <a:rPr lang="en-US" dirty="0"/>
-              <a:t> </a:t>
-            </a:r>
-            <a:r>
-              <a:rPr lang="zh-CN" altLang="en-US" dirty="0"/>
-              <a:t>提供</a:t>
-            </a:r>
-            <a:r>
-              <a:rPr lang="en-US" dirty="0" err="1"/>
-              <a:t>createStore</a:t>
-            </a:r>
-            <a:r>
-              <a:rPr lang="zh-CN" altLang="en-US" dirty="0"/>
-              <a:t>这个函数，用来生成 </a:t>
-            </a:r>
-            <a:r>
-              <a:rPr lang="en-US" dirty="0"/>
-              <a:t>Store。</a:t>
-            </a:r>
-          </a:p>
-          <a:p>
-            <a:endParaRPr lang="en-US" dirty="0" smtClean="0"/>
-          </a:p>
-          <a:p>
-            <a:endParaRPr lang="en-US" dirty="0"/>
-          </a:p>
-          <a:p>
-            <a:r>
-              <a:rPr lang="en-US" dirty="0" smtClean="0"/>
-              <a:t>import </a:t>
-            </a:r>
-            <a:r>
-              <a:rPr lang="en-US" dirty="0"/>
-              <a:t>{ </a:t>
-            </a:r>
-            <a:r>
-              <a:rPr lang="en-US" dirty="0" err="1"/>
-              <a:t>createStore</a:t>
-            </a:r>
-            <a:r>
-              <a:rPr lang="en-US" dirty="0"/>
-              <a:t> } from '</a:t>
-            </a:r>
-            <a:r>
-              <a:rPr lang="en-US" dirty="0" err="1"/>
-              <a:t>redux</a:t>
-            </a:r>
-            <a:r>
-              <a:rPr lang="en-US" dirty="0"/>
-              <a:t>'; </a:t>
-            </a:r>
-            <a:endParaRPr lang="en-US" dirty="0" smtClean="0"/>
-          </a:p>
-          <a:p>
-            <a:r>
-              <a:rPr lang="en-US" dirty="0" err="1" smtClean="0"/>
-              <a:t>const</a:t>
-            </a:r>
-            <a:r>
-              <a:rPr lang="en-US" dirty="0" smtClean="0"/>
-              <a:t> </a:t>
-            </a:r>
-            <a:r>
-              <a:rPr lang="en-US" dirty="0"/>
-              <a:t>store = </a:t>
-            </a:r>
-            <a:r>
-              <a:rPr lang="en-US" dirty="0" err="1"/>
-              <a:t>createStore</a:t>
-            </a:r>
-            <a:r>
-              <a:rPr lang="en-US" dirty="0"/>
-              <a:t>(</a:t>
-            </a:r>
-            <a:r>
-              <a:rPr lang="en-US" dirty="0" err="1"/>
-              <a:t>fn</a:t>
-            </a:r>
-            <a:r>
-              <a:rPr lang="en-US" dirty="0"/>
-              <a:t>);</a:t>
-            </a:r>
-          </a:p>
-        </p:txBody>
-      </p:sp>
-    </p:spTree>
-    <p:extLst>
-      <p:ext uri="{BB962C8B-B14F-4D97-AF65-F5344CB8AC3E}">
-        <p14:creationId xmlns:p14="http://schemas.microsoft.com/office/powerpoint/2010/main" val="3686925452"/>
-      </p:ext>
-    </p:extLst>
-  </p:cSld>
-  <p:clrMapOvr>
-    <a:masterClrMapping/>
-  </p:clrMapOvr>
-</p:sld>
-</file>
-
 <file path=ppt/slides/slide9.xml><?xml version="1.0" encoding="utf-8"?>
 <p:sld xmlns:a="http://schemas.openxmlformats.org/drawingml/2006/main" xmlns:r="http://schemas.openxmlformats.org/officeDocument/2006/relationships" xmlns:p="http://schemas.openxmlformats.org/presentationml/2006/main">
   <p:cSld>
@@ -7484,8 +8810,8 @@
           <a:lstStyle/>
           <a:p>
             <a:r>
-              <a:rPr lang="en-US" altLang="zh-CN" dirty="0" smtClean="0"/>
-              <a:t>State</a:t>
+              <a:rPr lang="zh-CN" altLang="en-US" dirty="0" smtClean="0"/>
+              <a:t>几个核心概念</a:t>
             </a:r>
             <a:endParaRPr lang="en-US" dirty="0"/>
           </a:p>
@@ -7504,220 +8830,108 @@
         <p:spPr/>
         <p:txBody>
           <a:bodyPr>
-            <a:normAutofit fontScale="77500" lnSpcReduction="20000"/>
+            <a:normAutofit lnSpcReduction="10000"/>
           </a:bodyPr>
           <a:lstStyle/>
           <a:p>
             <a:r>
-              <a:rPr lang="en-US" dirty="0"/>
-              <a:t>Store</a:t>
-            </a:r>
-            <a:r>
-              <a:rPr lang="zh-CN" altLang="en-US" dirty="0"/>
-              <a:t>对象包含所有数据。如果想得到某个时点的数据，就要对 </a:t>
-            </a:r>
-            <a:r>
-              <a:rPr lang="en-US" dirty="0"/>
-              <a:t>Store </a:t>
-            </a:r>
-            <a:r>
-              <a:rPr lang="zh-CN" altLang="en-US" dirty="0"/>
-              <a:t>生成快照。这种时点的数据集合，就叫做 </a:t>
-            </a:r>
-            <a:r>
-              <a:rPr lang="en-US" dirty="0"/>
-              <a:t>State。</a:t>
-            </a:r>
-          </a:p>
-          <a:p>
-            <a:r>
-              <a:rPr lang="zh-CN" altLang="en-US" dirty="0"/>
-              <a:t>当前时刻的 </a:t>
-            </a:r>
-            <a:r>
-              <a:rPr lang="en-US" dirty="0"/>
-              <a:t>State，</a:t>
-            </a:r>
-            <a:r>
-              <a:rPr lang="zh-CN" altLang="en-US" dirty="0"/>
-              <a:t>可以通过</a:t>
-            </a:r>
-            <a:r>
-              <a:rPr lang="en-US" dirty="0" err="1"/>
-              <a:t>store.getState</a:t>
-            </a:r>
-            <a:r>
-              <a:rPr lang="en-US" dirty="0"/>
-              <a:t>()</a:t>
-            </a:r>
-            <a:r>
-              <a:rPr lang="zh-CN" altLang="en-US" dirty="0"/>
-              <a:t>拿到</a:t>
-            </a:r>
-            <a:r>
-              <a:rPr lang="zh-CN" altLang="en-US" dirty="0" smtClean="0"/>
-              <a:t>。</a:t>
-            </a:r>
-            <a:endParaRPr lang="en-US" altLang="zh-CN" dirty="0" smtClean="0"/>
-          </a:p>
-          <a:p>
-            <a:r>
-              <a:rPr lang="en-US" dirty="0" err="1"/>
-              <a:t>Redux</a:t>
-            </a:r>
-            <a:r>
-              <a:rPr lang="en-US" dirty="0"/>
-              <a:t> </a:t>
-            </a:r>
-            <a:r>
-              <a:rPr lang="zh-CN" altLang="en-US" dirty="0"/>
-              <a:t>规定， 一个 </a:t>
-            </a:r>
-            <a:r>
-              <a:rPr lang="en-US" dirty="0"/>
+              <a:rPr lang="zh-CN" altLang="en-US" dirty="0"/>
+              <a:t>（</a:t>
+            </a:r>
+            <a:r>
+              <a:rPr lang="en-US" altLang="zh-CN" dirty="0"/>
+              <a:t>1</a:t>
+            </a:r>
+            <a:r>
+              <a:rPr lang="zh-CN" altLang="en-US" dirty="0"/>
+              <a:t>）</a:t>
+            </a:r>
+            <a:r>
+              <a:rPr lang="en-US" altLang="zh-CN" dirty="0"/>
+              <a:t>Reducer</a:t>
+            </a:r>
+            <a:r>
+              <a:rPr lang="zh-CN" altLang="en-US" dirty="0"/>
+              <a:t>：纯函数，只承担计算 </a:t>
+            </a:r>
+            <a:r>
+              <a:rPr lang="en-US" altLang="zh-CN" dirty="0"/>
               <a:t>State </a:t>
             </a:r>
             <a:r>
               <a:rPr lang="zh-CN" altLang="en-US" dirty="0"/>
-              <a:t>对应一个 </a:t>
-            </a:r>
-            <a:r>
-              <a:rPr lang="en-US" dirty="0"/>
-              <a:t>View。</a:t>
-            </a:r>
-            <a:r>
-              <a:rPr lang="zh-CN" altLang="en-US" dirty="0"/>
-              <a:t>只要 </a:t>
-            </a:r>
-            <a:r>
-              <a:rPr lang="en-US" dirty="0"/>
+              <a:t>的功能，不合适承担其他功能，也承担不了，因为理论上，纯函数不能进行读写操作。</a:t>
+            </a:r>
+          </a:p>
+          <a:p>
+            <a:r>
+              <a:rPr lang="zh-CN" altLang="en-US" dirty="0"/>
+              <a:t>（</a:t>
+            </a:r>
+            <a:r>
+              <a:rPr lang="en-US" altLang="zh-CN" dirty="0"/>
+              <a:t>2</a:t>
+            </a:r>
+            <a:r>
+              <a:rPr lang="zh-CN" altLang="en-US" dirty="0"/>
+              <a:t>）</a:t>
+            </a:r>
+            <a:r>
+              <a:rPr lang="en-US" altLang="zh-CN" dirty="0"/>
+              <a:t>View</a:t>
+            </a:r>
+            <a:r>
+              <a:rPr lang="zh-CN" altLang="en-US" dirty="0"/>
+              <a:t>：与 </a:t>
+            </a:r>
+            <a:r>
+              <a:rPr lang="en-US" altLang="zh-CN" dirty="0"/>
               <a:t>State </a:t>
             </a:r>
             <a:r>
               <a:rPr lang="zh-CN" altLang="en-US" dirty="0"/>
-              <a:t>相同，</a:t>
-            </a:r>
-            <a:r>
-              <a:rPr lang="en-US" dirty="0"/>
-              <a:t>View </a:t>
-            </a:r>
-            <a:r>
-              <a:rPr lang="zh-CN" altLang="en-US" dirty="0"/>
-              <a:t>就相同。你知道 </a:t>
-            </a:r>
-            <a:r>
-              <a:rPr lang="en-US" dirty="0"/>
-              <a:t>State，</a:t>
-            </a:r>
-            <a:r>
-              <a:rPr lang="zh-CN" altLang="en-US" dirty="0"/>
-              <a:t>就知道 </a:t>
-            </a:r>
-            <a:r>
-              <a:rPr lang="en-US" dirty="0"/>
-              <a:t>View </a:t>
-            </a:r>
-            <a:r>
-              <a:rPr lang="zh-CN" altLang="en-US" dirty="0"/>
-              <a:t>是什么样，反之亦然</a:t>
-            </a:r>
-            <a:r>
-              <a:rPr lang="en-US" dirty="0"/>
-              <a:t>。</a:t>
-            </a:r>
-            <a:endParaRPr lang="zh-CN" altLang="en-US" dirty="0"/>
-          </a:p>
-          <a:p>
-            <a:endParaRPr lang="en-US" altLang="zh-CN" dirty="0" smtClean="0"/>
-          </a:p>
-          <a:p>
-            <a:pPr marL="0" indent="0">
-              <a:buNone/>
-            </a:pPr>
-            <a:endParaRPr lang="en-US" dirty="0" smtClean="0"/>
-          </a:p>
-          <a:p>
-            <a:r>
-              <a:rPr lang="en-US" dirty="0"/>
-              <a:t>import { </a:t>
-            </a:r>
-            <a:r>
-              <a:rPr lang="en-US" dirty="0" err="1"/>
-              <a:t>createStore</a:t>
-            </a:r>
-            <a:r>
-              <a:rPr lang="en-US" dirty="0"/>
-              <a:t> } from '</a:t>
-            </a:r>
-            <a:r>
-              <a:rPr lang="en-US" dirty="0" err="1"/>
-              <a:t>redux</a:t>
-            </a:r>
-            <a:r>
-              <a:rPr lang="en-US" dirty="0"/>
-              <a:t>'; </a:t>
-            </a:r>
-            <a:endParaRPr lang="en-US" dirty="0" smtClean="0"/>
-          </a:p>
-          <a:p>
-            <a:r>
-              <a:rPr lang="en-US" dirty="0" err="1" smtClean="0"/>
-              <a:t>const</a:t>
-            </a:r>
-            <a:r>
-              <a:rPr lang="en-US" dirty="0" smtClean="0"/>
-              <a:t> </a:t>
-            </a:r>
-            <a:r>
-              <a:rPr lang="en-US" dirty="0"/>
-              <a:t>store = </a:t>
-            </a:r>
-            <a:r>
-              <a:rPr lang="en-US" dirty="0" err="1"/>
-              <a:t>createStore</a:t>
-            </a:r>
-            <a:r>
-              <a:rPr lang="en-US" dirty="0"/>
-              <a:t>(</a:t>
-            </a:r>
-            <a:r>
-              <a:rPr lang="en-US" dirty="0" err="1"/>
-              <a:t>fn</a:t>
-            </a:r>
-            <a:r>
-              <a:rPr lang="en-US" dirty="0"/>
-              <a:t>); </a:t>
-            </a:r>
-            <a:endParaRPr lang="en-US" dirty="0" smtClean="0"/>
-          </a:p>
-          <a:p>
-            <a:r>
-              <a:rPr lang="en-US" dirty="0" err="1" smtClean="0"/>
-              <a:t>const</a:t>
-            </a:r>
-            <a:r>
-              <a:rPr lang="en-US" dirty="0" smtClean="0"/>
-              <a:t> </a:t>
-            </a:r>
-            <a:r>
-              <a:rPr lang="en-US" dirty="0"/>
-              <a:t>state = </a:t>
-            </a:r>
-            <a:r>
-              <a:rPr lang="en-US" dirty="0" err="1"/>
-              <a:t>store.getState</a:t>
-            </a:r>
-            <a:r>
-              <a:rPr lang="en-US" dirty="0"/>
-              <a:t>();</a:t>
-            </a:r>
+              <a:t>一一对应，可以看作 </a:t>
+            </a:r>
+            <a:r>
+              <a:rPr lang="en-US" altLang="zh-CN" dirty="0"/>
+              <a:t>State </a:t>
+            </a:r>
+            <a:r>
+              <a:rPr lang="zh-CN" altLang="en-US" dirty="0"/>
+              <a:t>的视觉层，也不合适承担其他功能。</a:t>
+            </a:r>
+          </a:p>
+          <a:p>
+            <a:r>
+              <a:rPr lang="zh-CN" altLang="en-US" dirty="0"/>
+              <a:t>（</a:t>
+            </a:r>
+            <a:r>
+              <a:rPr lang="en-US" altLang="zh-CN" dirty="0"/>
+              <a:t>3</a:t>
+            </a:r>
+            <a:r>
+              <a:rPr lang="zh-CN" altLang="en-US" dirty="0"/>
+              <a:t>）</a:t>
+            </a:r>
+            <a:r>
+              <a:rPr lang="en-US" altLang="zh-CN" dirty="0"/>
+              <a:t>Action</a:t>
+            </a:r>
+            <a:r>
+              <a:rPr lang="zh-CN" altLang="en-US" dirty="0"/>
+              <a:t>：存放数据的对象，即消息的载体，只能被别人操作，自己不能进行任何操作。</a:t>
+            </a:r>
+          </a:p>
+          <a:p>
+            <a:endParaRPr lang="en-US" dirty="0"/>
           </a:p>
         </p:txBody>
       </p:sp>
     </p:spTree>
     <p:extLst>
       <p:ext uri="{BB962C8B-B14F-4D97-AF65-F5344CB8AC3E}">
-        <p14:creationId xmlns:p14="http://schemas.microsoft.com/office/powerpoint/2010/main" val="2423650869"/>
+        <p14:creationId xmlns:p14="http://schemas.microsoft.com/office/powerpoint/2010/main" val="2429178117"/>
       </p:ext>
     </p:extLst>
   </p:cSld>
